--- a/01 Classes/Aula 07 - Algoritmos e Complexidade - Grafos.pptx
+++ b/01 Classes/Aula 07 - Algoritmos e Complexidade - Grafos.pptx
@@ -3935,7 +3935,7 @@
               </a:rPr>
             </a:br>
             <a:r>
-              <a:rPr lang="pt-BR" b="1">
+              <a:rPr lang="pt-BR" b="1" dirty="0">
                 <a:solidFill>
                   <a:schemeClr val="bg1"/>
                 </a:solidFill>
@@ -3963,7 +3963,7 @@
                   <a:schemeClr val="bg1"/>
                 </a:solidFill>
               </a:rPr>
-              <a:t>Contextualização</a:t>
+              <a:t>Grafos</a:t>
             </a:r>
           </a:p>
         </p:txBody>
@@ -4355,12 +4355,12 @@
           <a:lstStyle/>
           <a:p>
             <a:r>
-              <a:rPr lang="en-US" b="1" dirty="0" err="1">
+              <a:rPr lang="en-US" b="1">
                 <a:solidFill>
                   <a:srgbClr val="0070C0"/>
                 </a:solidFill>
               </a:rPr>
-              <a:t>Contextualização</a:t>
+              <a:t>Grafos</a:t>
             </a:r>
             <a:endParaRPr lang="en-US" b="1" dirty="0">
               <a:solidFill>

--- a/01 Classes/Aula 07 - Algoritmos e Complexidade - Grafos.pptx
+++ b/01 Classes/Aula 07 - Algoritmos e Complexidade - Grafos.pptx
@@ -5,17 +5,25 @@
     <p:sldMasterId id="2147483648" r:id="rId1"/>
   </p:sldMasterIdLst>
   <p:notesMasterIdLst>
-    <p:notesMasterId r:id="rId10"/>
+    <p:notesMasterId r:id="rId18"/>
   </p:notesMasterIdLst>
   <p:sldIdLst>
     <p:sldId id="256" r:id="rId2"/>
     <p:sldId id="291" r:id="rId3"/>
     <p:sldId id="331" r:id="rId4"/>
-    <p:sldId id="333" r:id="rId5"/>
-    <p:sldId id="323" r:id="rId6"/>
-    <p:sldId id="334" r:id="rId7"/>
-    <p:sldId id="337" r:id="rId8"/>
-    <p:sldId id="309" r:id="rId9"/>
+    <p:sldId id="338" r:id="rId5"/>
+    <p:sldId id="339" r:id="rId6"/>
+    <p:sldId id="340" r:id="rId7"/>
+    <p:sldId id="341" r:id="rId8"/>
+    <p:sldId id="342" r:id="rId9"/>
+    <p:sldId id="345" r:id="rId10"/>
+    <p:sldId id="343" r:id="rId11"/>
+    <p:sldId id="333" r:id="rId12"/>
+    <p:sldId id="323" r:id="rId13"/>
+    <p:sldId id="334" r:id="rId14"/>
+    <p:sldId id="344" r:id="rId15"/>
+    <p:sldId id="337" r:id="rId16"/>
+    <p:sldId id="309" r:id="rId17"/>
   </p:sldIdLst>
   <p:sldSz cx="9144000" cy="5143500" type="screen16x9"/>
   <p:notesSz cx="6858000" cy="9144000"/>
@@ -562,6 +570,354 @@
 </p:notes>
 </file>
 
+<file path=ppt/notesSlides/notesSlide10.xml><?xml version="1.0" encoding="utf-8"?>
+<p:notes xmlns:a="http://schemas.openxmlformats.org/drawingml/2006/main" xmlns:r="http://schemas.openxmlformats.org/officeDocument/2006/relationships" xmlns:p="http://schemas.openxmlformats.org/presentationml/2006/main">
+  <p:cSld>
+    <p:spTree>
+      <p:nvGrpSpPr>
+        <p:cNvPr id="1" name=""/>
+        <p:cNvGrpSpPr/>
+        <p:nvPr/>
+      </p:nvGrpSpPr>
+      <p:grpSpPr>
+        <a:xfrm>
+          <a:off x="0" y="0"/>
+          <a:ext cx="0" cy="0"/>
+          <a:chOff x="0" y="0"/>
+          <a:chExt cx="0" cy="0"/>
+        </a:xfrm>
+      </p:grpSpPr>
+      <p:sp>
+        <p:nvSpPr>
+          <p:cNvPr id="2" name="Espaço Reservado para Imagem de Slide 1"/>
+          <p:cNvSpPr>
+            <a:spLocks noGrp="1" noRot="1" noChangeAspect="1"/>
+          </p:cNvSpPr>
+          <p:nvPr>
+            <p:ph type="sldImg"/>
+          </p:nvPr>
+        </p:nvSpPr>
+        <p:spPr>
+          <a:xfrm>
+            <a:off x="381000" y="685800"/>
+            <a:ext cx="6096000" cy="3429000"/>
+          </a:xfrm>
+        </p:spPr>
+      </p:sp>
+      <p:sp>
+        <p:nvSpPr>
+          <p:cNvPr id="3" name="Espaço Reservado para Anotações 2"/>
+          <p:cNvSpPr>
+            <a:spLocks noGrp="1"/>
+          </p:cNvSpPr>
+          <p:nvPr>
+            <p:ph type="body" idx="1"/>
+          </p:nvPr>
+        </p:nvSpPr>
+        <p:spPr/>
+        <p:txBody>
+          <a:bodyPr/>
+          <a:lstStyle/>
+          <a:p>
+            <a:endParaRPr lang="pt-BR" dirty="0"/>
+          </a:p>
+        </p:txBody>
+      </p:sp>
+    </p:spTree>
+    <p:extLst>
+      <p:ext uri="{BB962C8B-B14F-4D97-AF65-F5344CB8AC3E}">
+        <p14:creationId xmlns:p14="http://schemas.microsoft.com/office/powerpoint/2010/main" val="585304384"/>
+      </p:ext>
+    </p:extLst>
+  </p:cSld>
+  <p:clrMapOvr>
+    <a:masterClrMapping/>
+  </p:clrMapOvr>
+</p:notes>
+</file>
+
+<file path=ppt/notesSlides/notesSlide11.xml><?xml version="1.0" encoding="utf-8"?>
+<p:notes xmlns:a="http://schemas.openxmlformats.org/drawingml/2006/main" xmlns:r="http://schemas.openxmlformats.org/officeDocument/2006/relationships" xmlns:p="http://schemas.openxmlformats.org/presentationml/2006/main">
+  <p:cSld>
+    <p:spTree>
+      <p:nvGrpSpPr>
+        <p:cNvPr id="1" name=""/>
+        <p:cNvGrpSpPr/>
+        <p:nvPr/>
+      </p:nvGrpSpPr>
+      <p:grpSpPr>
+        <a:xfrm>
+          <a:off x="0" y="0"/>
+          <a:ext cx="0" cy="0"/>
+          <a:chOff x="0" y="0"/>
+          <a:chExt cx="0" cy="0"/>
+        </a:xfrm>
+      </p:grpSpPr>
+      <p:sp>
+        <p:nvSpPr>
+          <p:cNvPr id="2" name="Espaço Reservado para Imagem de Slide 1"/>
+          <p:cNvSpPr>
+            <a:spLocks noGrp="1" noRot="1" noChangeAspect="1"/>
+          </p:cNvSpPr>
+          <p:nvPr>
+            <p:ph type="sldImg"/>
+          </p:nvPr>
+        </p:nvSpPr>
+        <p:spPr>
+          <a:xfrm>
+            <a:off x="381000" y="685800"/>
+            <a:ext cx="6096000" cy="3429000"/>
+          </a:xfrm>
+        </p:spPr>
+      </p:sp>
+      <p:sp>
+        <p:nvSpPr>
+          <p:cNvPr id="3" name="Espaço Reservado para Anotações 2"/>
+          <p:cNvSpPr>
+            <a:spLocks noGrp="1"/>
+          </p:cNvSpPr>
+          <p:nvPr>
+            <p:ph type="body" idx="1"/>
+          </p:nvPr>
+        </p:nvSpPr>
+        <p:spPr/>
+        <p:txBody>
+          <a:bodyPr/>
+          <a:lstStyle/>
+          <a:p>
+            <a:endParaRPr lang="pt-BR" dirty="0"/>
+          </a:p>
+        </p:txBody>
+      </p:sp>
+    </p:spTree>
+    <p:extLst>
+      <p:ext uri="{BB962C8B-B14F-4D97-AF65-F5344CB8AC3E}">
+        <p14:creationId xmlns:p14="http://schemas.microsoft.com/office/powerpoint/2010/main" val="2709569597"/>
+      </p:ext>
+    </p:extLst>
+  </p:cSld>
+  <p:clrMapOvr>
+    <a:masterClrMapping/>
+  </p:clrMapOvr>
+</p:notes>
+</file>
+
+<file path=ppt/notesSlides/notesSlide12.xml><?xml version="1.0" encoding="utf-8"?>
+<p:notes xmlns:a="http://schemas.openxmlformats.org/drawingml/2006/main" xmlns:r="http://schemas.openxmlformats.org/officeDocument/2006/relationships" xmlns:p="http://schemas.openxmlformats.org/presentationml/2006/main">
+  <p:cSld>
+    <p:spTree>
+      <p:nvGrpSpPr>
+        <p:cNvPr id="1" name=""/>
+        <p:cNvGrpSpPr/>
+        <p:nvPr/>
+      </p:nvGrpSpPr>
+      <p:grpSpPr>
+        <a:xfrm>
+          <a:off x="0" y="0"/>
+          <a:ext cx="0" cy="0"/>
+          <a:chOff x="0" y="0"/>
+          <a:chExt cx="0" cy="0"/>
+        </a:xfrm>
+      </p:grpSpPr>
+      <p:sp>
+        <p:nvSpPr>
+          <p:cNvPr id="2" name="Espaço Reservado para Imagem de Slide 1"/>
+          <p:cNvSpPr>
+            <a:spLocks noGrp="1" noRot="1" noChangeAspect="1"/>
+          </p:cNvSpPr>
+          <p:nvPr>
+            <p:ph type="sldImg"/>
+          </p:nvPr>
+        </p:nvSpPr>
+        <p:spPr>
+          <a:xfrm>
+            <a:off x="381000" y="685800"/>
+            <a:ext cx="6096000" cy="3429000"/>
+          </a:xfrm>
+        </p:spPr>
+      </p:sp>
+      <p:sp>
+        <p:nvSpPr>
+          <p:cNvPr id="3" name="Espaço Reservado para Anotações 2"/>
+          <p:cNvSpPr>
+            <a:spLocks noGrp="1"/>
+          </p:cNvSpPr>
+          <p:nvPr>
+            <p:ph type="body" idx="1"/>
+          </p:nvPr>
+        </p:nvSpPr>
+        <p:spPr/>
+        <p:txBody>
+          <a:bodyPr/>
+          <a:lstStyle/>
+          <a:p>
+            <a:endParaRPr lang="pt-BR" dirty="0"/>
+          </a:p>
+        </p:txBody>
+      </p:sp>
+    </p:spTree>
+    <p:extLst>
+      <p:ext uri="{BB962C8B-B14F-4D97-AF65-F5344CB8AC3E}">
+        <p14:creationId xmlns:p14="http://schemas.microsoft.com/office/powerpoint/2010/main" val="2296249050"/>
+      </p:ext>
+    </p:extLst>
+  </p:cSld>
+  <p:clrMapOvr>
+    <a:masterClrMapping/>
+  </p:clrMapOvr>
+</p:notes>
+</file>
+
+<file path=ppt/notesSlides/notesSlide13.xml><?xml version="1.0" encoding="utf-8"?>
+<p:notes xmlns:a="http://schemas.openxmlformats.org/drawingml/2006/main" xmlns:r="http://schemas.openxmlformats.org/officeDocument/2006/relationships" xmlns:p="http://schemas.openxmlformats.org/presentationml/2006/main">
+  <p:cSld>
+    <p:spTree>
+      <p:nvGrpSpPr>
+        <p:cNvPr id="1" name="">
+          <a:extLst>
+            <a:ext uri="{FF2B5EF4-FFF2-40B4-BE49-F238E27FC236}">
+              <a16:creationId xmlns:a16="http://schemas.microsoft.com/office/drawing/2014/main" id="{68CC2AF1-B5E0-C878-70A5-0A4BF1152B26}"/>
+            </a:ext>
+          </a:extLst>
+        </p:cNvPr>
+        <p:cNvGrpSpPr/>
+        <p:nvPr/>
+      </p:nvGrpSpPr>
+      <p:grpSpPr>
+        <a:xfrm>
+          <a:off x="0" y="0"/>
+          <a:ext cx="0" cy="0"/>
+          <a:chOff x="0" y="0"/>
+          <a:chExt cx="0" cy="0"/>
+        </a:xfrm>
+      </p:grpSpPr>
+      <p:sp>
+        <p:nvSpPr>
+          <p:cNvPr id="2" name="Espaço Reservado para Imagem de Slide 1">
+            <a:extLst>
+              <a:ext uri="{FF2B5EF4-FFF2-40B4-BE49-F238E27FC236}">
+                <a16:creationId xmlns:a16="http://schemas.microsoft.com/office/drawing/2014/main" id="{6A977548-337F-5739-399D-2E02D56E27A1}"/>
+              </a:ext>
+            </a:extLst>
+          </p:cNvPr>
+          <p:cNvSpPr>
+            <a:spLocks noGrp="1" noRot="1" noChangeAspect="1"/>
+          </p:cNvSpPr>
+          <p:nvPr>
+            <p:ph type="sldImg"/>
+          </p:nvPr>
+        </p:nvSpPr>
+        <p:spPr>
+          <a:xfrm>
+            <a:off x="381000" y="685800"/>
+            <a:ext cx="6096000" cy="3429000"/>
+          </a:xfrm>
+        </p:spPr>
+      </p:sp>
+      <p:sp>
+        <p:nvSpPr>
+          <p:cNvPr id="3" name="Espaço Reservado para Anotações 2">
+            <a:extLst>
+              <a:ext uri="{FF2B5EF4-FFF2-40B4-BE49-F238E27FC236}">
+                <a16:creationId xmlns:a16="http://schemas.microsoft.com/office/drawing/2014/main" id="{4133FCA0-6278-3DB4-F545-DEE862A26D66}"/>
+              </a:ext>
+            </a:extLst>
+          </p:cNvPr>
+          <p:cNvSpPr>
+            <a:spLocks noGrp="1"/>
+          </p:cNvSpPr>
+          <p:nvPr>
+            <p:ph type="body" idx="1"/>
+          </p:nvPr>
+        </p:nvSpPr>
+        <p:spPr/>
+        <p:txBody>
+          <a:bodyPr/>
+          <a:lstStyle/>
+          <a:p>
+            <a:endParaRPr lang="pt-BR" dirty="0"/>
+          </a:p>
+        </p:txBody>
+      </p:sp>
+    </p:spTree>
+    <p:extLst>
+      <p:ext uri="{BB962C8B-B14F-4D97-AF65-F5344CB8AC3E}">
+        <p14:creationId xmlns:p14="http://schemas.microsoft.com/office/powerpoint/2010/main" val="3174588366"/>
+      </p:ext>
+    </p:extLst>
+  </p:cSld>
+  <p:clrMapOvr>
+    <a:masterClrMapping/>
+  </p:clrMapOvr>
+</p:notes>
+</file>
+
+<file path=ppt/notesSlides/notesSlide14.xml><?xml version="1.0" encoding="utf-8"?>
+<p:notes xmlns:a="http://schemas.openxmlformats.org/drawingml/2006/main" xmlns:r="http://schemas.openxmlformats.org/officeDocument/2006/relationships" xmlns:p="http://schemas.openxmlformats.org/presentationml/2006/main">
+  <p:cSld>
+    <p:spTree>
+      <p:nvGrpSpPr>
+        <p:cNvPr id="1" name=""/>
+        <p:cNvGrpSpPr/>
+        <p:nvPr/>
+      </p:nvGrpSpPr>
+      <p:grpSpPr>
+        <a:xfrm>
+          <a:off x="0" y="0"/>
+          <a:ext cx="0" cy="0"/>
+          <a:chOff x="0" y="0"/>
+          <a:chExt cx="0" cy="0"/>
+        </a:xfrm>
+      </p:grpSpPr>
+      <p:sp>
+        <p:nvSpPr>
+          <p:cNvPr id="2" name="Espaço Reservado para Imagem de Slide 1"/>
+          <p:cNvSpPr>
+            <a:spLocks noGrp="1" noRot="1" noChangeAspect="1"/>
+          </p:cNvSpPr>
+          <p:nvPr>
+            <p:ph type="sldImg"/>
+          </p:nvPr>
+        </p:nvSpPr>
+        <p:spPr>
+          <a:xfrm>
+            <a:off x="381000" y="685800"/>
+            <a:ext cx="6096000" cy="3429000"/>
+          </a:xfrm>
+        </p:spPr>
+      </p:sp>
+      <p:sp>
+        <p:nvSpPr>
+          <p:cNvPr id="3" name="Espaço Reservado para Anotações 2"/>
+          <p:cNvSpPr>
+            <a:spLocks noGrp="1"/>
+          </p:cNvSpPr>
+          <p:nvPr>
+            <p:ph type="body" idx="1"/>
+          </p:nvPr>
+        </p:nvSpPr>
+        <p:spPr/>
+        <p:txBody>
+          <a:bodyPr/>
+          <a:lstStyle/>
+          <a:p>
+            <a:endParaRPr lang="pt-BR" dirty="0"/>
+          </a:p>
+        </p:txBody>
+      </p:sp>
+    </p:spTree>
+    <p:extLst>
+      <p:ext uri="{BB962C8B-B14F-4D97-AF65-F5344CB8AC3E}">
+        <p14:creationId xmlns:p14="http://schemas.microsoft.com/office/powerpoint/2010/main" val="4290351292"/>
+      </p:ext>
+    </p:extLst>
+  </p:cSld>
+  <p:clrMapOvr>
+    <a:masterClrMapping/>
+  </p:clrMapOvr>
+</p:notes>
+</file>
+
 <file path=ppt/notesSlides/notesSlide2.xml><?xml version="1.0" encoding="utf-8"?>
 <p:notes xmlns:a="http://schemas.openxmlformats.org/drawingml/2006/main" xmlns:r="http://schemas.openxmlformats.org/officeDocument/2006/relationships" xmlns:p="http://schemas.openxmlformats.org/presentationml/2006/main">
   <p:cSld>
@@ -633,7 +989,13 @@
   <p:cSld>
     <p:spTree>
       <p:nvGrpSpPr>
-        <p:cNvPr id="1" name=""/>
+        <p:cNvPr id="1" name="">
+          <a:extLst>
+            <a:ext uri="{FF2B5EF4-FFF2-40B4-BE49-F238E27FC236}">
+              <a16:creationId xmlns:a16="http://schemas.microsoft.com/office/drawing/2014/main" id="{AE79B6B2-E1B7-D8D0-49AB-78FBE1FF6F2B}"/>
+            </a:ext>
+          </a:extLst>
+        </p:cNvPr>
         <p:cNvGrpSpPr/>
         <p:nvPr/>
       </p:nvGrpSpPr>
@@ -647,7 +1009,13 @@
       </p:grpSpPr>
       <p:sp>
         <p:nvSpPr>
-          <p:cNvPr id="2" name="Espaço Reservado para Imagem de Slide 1"/>
+          <p:cNvPr id="2" name="Espaço Reservado para Imagem de Slide 1">
+            <a:extLst>
+              <a:ext uri="{FF2B5EF4-FFF2-40B4-BE49-F238E27FC236}">
+                <a16:creationId xmlns:a16="http://schemas.microsoft.com/office/drawing/2014/main" id="{BB212D45-6CEE-2EA5-D83E-CE74959FFF84}"/>
+              </a:ext>
+            </a:extLst>
+          </p:cNvPr>
           <p:cNvSpPr>
             <a:spLocks noGrp="1" noRot="1" noChangeAspect="1"/>
           </p:cNvSpPr>
@@ -664,7 +1032,13 @@
       </p:sp>
       <p:sp>
         <p:nvSpPr>
-          <p:cNvPr id="3" name="Espaço Reservado para Anotações 2"/>
+          <p:cNvPr id="3" name="Espaço Reservado para Anotações 2">
+            <a:extLst>
+              <a:ext uri="{FF2B5EF4-FFF2-40B4-BE49-F238E27FC236}">
+                <a16:creationId xmlns:a16="http://schemas.microsoft.com/office/drawing/2014/main" id="{3FFFE993-FDC3-ABB7-C903-6872159EB6D6}"/>
+              </a:ext>
+            </a:extLst>
+          </p:cNvPr>
           <p:cNvSpPr>
             <a:spLocks noGrp="1"/>
           </p:cNvSpPr>
@@ -684,7 +1058,7 @@
     </p:spTree>
     <p:extLst>
       <p:ext uri="{BB962C8B-B14F-4D97-AF65-F5344CB8AC3E}">
-        <p14:creationId xmlns:p14="http://schemas.microsoft.com/office/powerpoint/2010/main" val="585304384"/>
+        <p14:creationId xmlns:p14="http://schemas.microsoft.com/office/powerpoint/2010/main" val="1696827453"/>
       </p:ext>
     </p:extLst>
   </p:cSld>
@@ -699,7 +1073,13 @@
   <p:cSld>
     <p:spTree>
       <p:nvGrpSpPr>
-        <p:cNvPr id="1" name=""/>
+        <p:cNvPr id="1" name="">
+          <a:extLst>
+            <a:ext uri="{FF2B5EF4-FFF2-40B4-BE49-F238E27FC236}">
+              <a16:creationId xmlns:a16="http://schemas.microsoft.com/office/drawing/2014/main" id="{43594AD2-27D8-E78B-0882-23587823ECBE}"/>
+            </a:ext>
+          </a:extLst>
+        </p:cNvPr>
         <p:cNvGrpSpPr/>
         <p:nvPr/>
       </p:nvGrpSpPr>
@@ -713,7 +1093,13 @@
       </p:grpSpPr>
       <p:sp>
         <p:nvSpPr>
-          <p:cNvPr id="2" name="Espaço Reservado para Imagem de Slide 1"/>
+          <p:cNvPr id="2" name="Espaço Reservado para Imagem de Slide 1">
+            <a:extLst>
+              <a:ext uri="{FF2B5EF4-FFF2-40B4-BE49-F238E27FC236}">
+                <a16:creationId xmlns:a16="http://schemas.microsoft.com/office/drawing/2014/main" id="{DFA98A9A-6025-B5BC-2EAE-9CBE527D49ED}"/>
+              </a:ext>
+            </a:extLst>
+          </p:cNvPr>
           <p:cNvSpPr>
             <a:spLocks noGrp="1" noRot="1" noChangeAspect="1"/>
           </p:cNvSpPr>
@@ -730,7 +1116,13 @@
       </p:sp>
       <p:sp>
         <p:nvSpPr>
-          <p:cNvPr id="3" name="Espaço Reservado para Anotações 2"/>
+          <p:cNvPr id="3" name="Espaço Reservado para Anotações 2">
+            <a:extLst>
+              <a:ext uri="{FF2B5EF4-FFF2-40B4-BE49-F238E27FC236}">
+                <a16:creationId xmlns:a16="http://schemas.microsoft.com/office/drawing/2014/main" id="{17FEF2A3-324E-8AC6-7FD2-13B356D59058}"/>
+              </a:ext>
+            </a:extLst>
+          </p:cNvPr>
           <p:cNvSpPr>
             <a:spLocks noGrp="1"/>
           </p:cNvSpPr>
@@ -750,7 +1142,7 @@
     </p:spTree>
     <p:extLst>
       <p:ext uri="{BB962C8B-B14F-4D97-AF65-F5344CB8AC3E}">
-        <p14:creationId xmlns:p14="http://schemas.microsoft.com/office/powerpoint/2010/main" val="2709569597"/>
+        <p14:creationId xmlns:p14="http://schemas.microsoft.com/office/powerpoint/2010/main" val="3806445874"/>
       </p:ext>
     </p:extLst>
   </p:cSld>
@@ -765,7 +1157,13 @@
   <p:cSld>
     <p:spTree>
       <p:nvGrpSpPr>
-        <p:cNvPr id="1" name=""/>
+        <p:cNvPr id="1" name="">
+          <a:extLst>
+            <a:ext uri="{FF2B5EF4-FFF2-40B4-BE49-F238E27FC236}">
+              <a16:creationId xmlns:a16="http://schemas.microsoft.com/office/drawing/2014/main" id="{4101140A-31AD-4BE9-1B0E-478E4D2FF565}"/>
+            </a:ext>
+          </a:extLst>
+        </p:cNvPr>
         <p:cNvGrpSpPr/>
         <p:nvPr/>
       </p:nvGrpSpPr>
@@ -779,7 +1177,13 @@
       </p:grpSpPr>
       <p:sp>
         <p:nvSpPr>
-          <p:cNvPr id="2" name="Espaço Reservado para Imagem de Slide 1"/>
+          <p:cNvPr id="2" name="Espaço Reservado para Imagem de Slide 1">
+            <a:extLst>
+              <a:ext uri="{FF2B5EF4-FFF2-40B4-BE49-F238E27FC236}">
+                <a16:creationId xmlns:a16="http://schemas.microsoft.com/office/drawing/2014/main" id="{9D9E4DAA-8E00-FAC4-0CF3-7FFF1B78D7E2}"/>
+              </a:ext>
+            </a:extLst>
+          </p:cNvPr>
           <p:cNvSpPr>
             <a:spLocks noGrp="1" noRot="1" noChangeAspect="1"/>
           </p:cNvSpPr>
@@ -796,7 +1200,13 @@
       </p:sp>
       <p:sp>
         <p:nvSpPr>
-          <p:cNvPr id="3" name="Espaço Reservado para Anotações 2"/>
+          <p:cNvPr id="3" name="Espaço Reservado para Anotações 2">
+            <a:extLst>
+              <a:ext uri="{FF2B5EF4-FFF2-40B4-BE49-F238E27FC236}">
+                <a16:creationId xmlns:a16="http://schemas.microsoft.com/office/drawing/2014/main" id="{B6B47A24-82EB-F6BF-F50D-17A9C0548768}"/>
+              </a:ext>
+            </a:extLst>
+          </p:cNvPr>
           <p:cNvSpPr>
             <a:spLocks noGrp="1"/>
           </p:cNvSpPr>
@@ -816,7 +1226,7 @@
     </p:spTree>
     <p:extLst>
       <p:ext uri="{BB962C8B-B14F-4D97-AF65-F5344CB8AC3E}">
-        <p14:creationId xmlns:p14="http://schemas.microsoft.com/office/powerpoint/2010/main" val="2296249050"/>
+        <p14:creationId xmlns:p14="http://schemas.microsoft.com/office/powerpoint/2010/main" val="1417198492"/>
       </p:ext>
     </p:extLst>
   </p:cSld>
@@ -831,7 +1241,13 @@
   <p:cSld>
     <p:spTree>
       <p:nvGrpSpPr>
-        <p:cNvPr id="1" name=""/>
+        <p:cNvPr id="1" name="">
+          <a:extLst>
+            <a:ext uri="{FF2B5EF4-FFF2-40B4-BE49-F238E27FC236}">
+              <a16:creationId xmlns:a16="http://schemas.microsoft.com/office/drawing/2014/main" id="{053CD9DC-D305-DC94-32B8-883E43F29E64}"/>
+            </a:ext>
+          </a:extLst>
+        </p:cNvPr>
         <p:cNvGrpSpPr/>
         <p:nvPr/>
       </p:nvGrpSpPr>
@@ -845,7 +1261,13 @@
       </p:grpSpPr>
       <p:sp>
         <p:nvSpPr>
-          <p:cNvPr id="2" name="Espaço Reservado para Imagem de Slide 1"/>
+          <p:cNvPr id="2" name="Espaço Reservado para Imagem de Slide 1">
+            <a:extLst>
+              <a:ext uri="{FF2B5EF4-FFF2-40B4-BE49-F238E27FC236}">
+                <a16:creationId xmlns:a16="http://schemas.microsoft.com/office/drawing/2014/main" id="{87199F29-E886-21F5-1756-DB4D91A64920}"/>
+              </a:ext>
+            </a:extLst>
+          </p:cNvPr>
           <p:cNvSpPr>
             <a:spLocks noGrp="1" noRot="1" noChangeAspect="1"/>
           </p:cNvSpPr>
@@ -862,7 +1284,13 @@
       </p:sp>
       <p:sp>
         <p:nvSpPr>
-          <p:cNvPr id="3" name="Espaço Reservado para Anotações 2"/>
+          <p:cNvPr id="3" name="Espaço Reservado para Anotações 2">
+            <a:extLst>
+              <a:ext uri="{FF2B5EF4-FFF2-40B4-BE49-F238E27FC236}">
+                <a16:creationId xmlns:a16="http://schemas.microsoft.com/office/drawing/2014/main" id="{D455C6B8-F660-ED89-7AD1-E08CD07DB35B}"/>
+              </a:ext>
+            </a:extLst>
+          </p:cNvPr>
           <p:cNvSpPr>
             <a:spLocks noGrp="1"/>
           </p:cNvSpPr>
@@ -882,7 +1310,259 @@
     </p:spTree>
     <p:extLst>
       <p:ext uri="{BB962C8B-B14F-4D97-AF65-F5344CB8AC3E}">
-        <p14:creationId xmlns:p14="http://schemas.microsoft.com/office/powerpoint/2010/main" val="4290351292"/>
+        <p14:creationId xmlns:p14="http://schemas.microsoft.com/office/powerpoint/2010/main" val="584212002"/>
+      </p:ext>
+    </p:extLst>
+  </p:cSld>
+  <p:clrMapOvr>
+    <a:masterClrMapping/>
+  </p:clrMapOvr>
+</p:notes>
+</file>
+
+<file path=ppt/notesSlides/notesSlide7.xml><?xml version="1.0" encoding="utf-8"?>
+<p:notes xmlns:a="http://schemas.openxmlformats.org/drawingml/2006/main" xmlns:r="http://schemas.openxmlformats.org/officeDocument/2006/relationships" xmlns:p="http://schemas.openxmlformats.org/presentationml/2006/main">
+  <p:cSld>
+    <p:spTree>
+      <p:nvGrpSpPr>
+        <p:cNvPr id="1" name="">
+          <a:extLst>
+            <a:ext uri="{FF2B5EF4-FFF2-40B4-BE49-F238E27FC236}">
+              <a16:creationId xmlns:a16="http://schemas.microsoft.com/office/drawing/2014/main" id="{6909A734-EBFD-79C9-DDE7-FD0265F77519}"/>
+            </a:ext>
+          </a:extLst>
+        </p:cNvPr>
+        <p:cNvGrpSpPr/>
+        <p:nvPr/>
+      </p:nvGrpSpPr>
+      <p:grpSpPr>
+        <a:xfrm>
+          <a:off x="0" y="0"/>
+          <a:ext cx="0" cy="0"/>
+          <a:chOff x="0" y="0"/>
+          <a:chExt cx="0" cy="0"/>
+        </a:xfrm>
+      </p:grpSpPr>
+      <p:sp>
+        <p:nvSpPr>
+          <p:cNvPr id="2" name="Espaço Reservado para Imagem de Slide 1">
+            <a:extLst>
+              <a:ext uri="{FF2B5EF4-FFF2-40B4-BE49-F238E27FC236}">
+                <a16:creationId xmlns:a16="http://schemas.microsoft.com/office/drawing/2014/main" id="{7A700ED0-C175-F227-3B87-753DF89ECB6D}"/>
+              </a:ext>
+            </a:extLst>
+          </p:cNvPr>
+          <p:cNvSpPr>
+            <a:spLocks noGrp="1" noRot="1" noChangeAspect="1"/>
+          </p:cNvSpPr>
+          <p:nvPr>
+            <p:ph type="sldImg"/>
+          </p:nvPr>
+        </p:nvSpPr>
+        <p:spPr>
+          <a:xfrm>
+            <a:off x="381000" y="685800"/>
+            <a:ext cx="6096000" cy="3429000"/>
+          </a:xfrm>
+        </p:spPr>
+      </p:sp>
+      <p:sp>
+        <p:nvSpPr>
+          <p:cNvPr id="3" name="Espaço Reservado para Anotações 2">
+            <a:extLst>
+              <a:ext uri="{FF2B5EF4-FFF2-40B4-BE49-F238E27FC236}">
+                <a16:creationId xmlns:a16="http://schemas.microsoft.com/office/drawing/2014/main" id="{9DD82C63-6FEA-D00B-DA69-2A43F06F1E02}"/>
+              </a:ext>
+            </a:extLst>
+          </p:cNvPr>
+          <p:cNvSpPr>
+            <a:spLocks noGrp="1"/>
+          </p:cNvSpPr>
+          <p:nvPr>
+            <p:ph type="body" idx="1"/>
+          </p:nvPr>
+        </p:nvSpPr>
+        <p:spPr/>
+        <p:txBody>
+          <a:bodyPr/>
+          <a:lstStyle/>
+          <a:p>
+            <a:endParaRPr lang="pt-BR" dirty="0"/>
+          </a:p>
+        </p:txBody>
+      </p:sp>
+    </p:spTree>
+    <p:extLst>
+      <p:ext uri="{BB962C8B-B14F-4D97-AF65-F5344CB8AC3E}">
+        <p14:creationId xmlns:p14="http://schemas.microsoft.com/office/powerpoint/2010/main" val="1074514713"/>
+      </p:ext>
+    </p:extLst>
+  </p:cSld>
+  <p:clrMapOvr>
+    <a:masterClrMapping/>
+  </p:clrMapOvr>
+</p:notes>
+</file>
+
+<file path=ppt/notesSlides/notesSlide8.xml><?xml version="1.0" encoding="utf-8"?>
+<p:notes xmlns:a="http://schemas.openxmlformats.org/drawingml/2006/main" xmlns:r="http://schemas.openxmlformats.org/officeDocument/2006/relationships" xmlns:p="http://schemas.openxmlformats.org/presentationml/2006/main">
+  <p:cSld>
+    <p:spTree>
+      <p:nvGrpSpPr>
+        <p:cNvPr id="1" name="">
+          <a:extLst>
+            <a:ext uri="{FF2B5EF4-FFF2-40B4-BE49-F238E27FC236}">
+              <a16:creationId xmlns:a16="http://schemas.microsoft.com/office/drawing/2014/main" id="{5A5E5798-E483-4D97-0D0A-CF861290D433}"/>
+            </a:ext>
+          </a:extLst>
+        </p:cNvPr>
+        <p:cNvGrpSpPr/>
+        <p:nvPr/>
+      </p:nvGrpSpPr>
+      <p:grpSpPr>
+        <a:xfrm>
+          <a:off x="0" y="0"/>
+          <a:ext cx="0" cy="0"/>
+          <a:chOff x="0" y="0"/>
+          <a:chExt cx="0" cy="0"/>
+        </a:xfrm>
+      </p:grpSpPr>
+      <p:sp>
+        <p:nvSpPr>
+          <p:cNvPr id="2" name="Espaço Reservado para Imagem de Slide 1">
+            <a:extLst>
+              <a:ext uri="{FF2B5EF4-FFF2-40B4-BE49-F238E27FC236}">
+                <a16:creationId xmlns:a16="http://schemas.microsoft.com/office/drawing/2014/main" id="{2BE10A35-B205-EE31-09B8-B60748AAC6A8}"/>
+              </a:ext>
+            </a:extLst>
+          </p:cNvPr>
+          <p:cNvSpPr>
+            <a:spLocks noGrp="1" noRot="1" noChangeAspect="1"/>
+          </p:cNvSpPr>
+          <p:nvPr>
+            <p:ph type="sldImg"/>
+          </p:nvPr>
+        </p:nvSpPr>
+        <p:spPr>
+          <a:xfrm>
+            <a:off x="381000" y="685800"/>
+            <a:ext cx="6096000" cy="3429000"/>
+          </a:xfrm>
+        </p:spPr>
+      </p:sp>
+      <p:sp>
+        <p:nvSpPr>
+          <p:cNvPr id="3" name="Espaço Reservado para Anotações 2">
+            <a:extLst>
+              <a:ext uri="{FF2B5EF4-FFF2-40B4-BE49-F238E27FC236}">
+                <a16:creationId xmlns:a16="http://schemas.microsoft.com/office/drawing/2014/main" id="{C927F431-27DA-9C9F-F2BB-9CBE87174011}"/>
+              </a:ext>
+            </a:extLst>
+          </p:cNvPr>
+          <p:cNvSpPr>
+            <a:spLocks noGrp="1"/>
+          </p:cNvSpPr>
+          <p:nvPr>
+            <p:ph type="body" idx="1"/>
+          </p:nvPr>
+        </p:nvSpPr>
+        <p:spPr/>
+        <p:txBody>
+          <a:bodyPr/>
+          <a:lstStyle/>
+          <a:p>
+            <a:endParaRPr lang="pt-BR" dirty="0"/>
+          </a:p>
+        </p:txBody>
+      </p:sp>
+    </p:spTree>
+    <p:extLst>
+      <p:ext uri="{BB962C8B-B14F-4D97-AF65-F5344CB8AC3E}">
+        <p14:creationId xmlns:p14="http://schemas.microsoft.com/office/powerpoint/2010/main" val="4282503003"/>
+      </p:ext>
+    </p:extLst>
+  </p:cSld>
+  <p:clrMapOvr>
+    <a:masterClrMapping/>
+  </p:clrMapOvr>
+</p:notes>
+</file>
+
+<file path=ppt/notesSlides/notesSlide9.xml><?xml version="1.0" encoding="utf-8"?>
+<p:notes xmlns:a="http://schemas.openxmlformats.org/drawingml/2006/main" xmlns:r="http://schemas.openxmlformats.org/officeDocument/2006/relationships" xmlns:p="http://schemas.openxmlformats.org/presentationml/2006/main">
+  <p:cSld>
+    <p:spTree>
+      <p:nvGrpSpPr>
+        <p:cNvPr id="1" name="">
+          <a:extLst>
+            <a:ext uri="{FF2B5EF4-FFF2-40B4-BE49-F238E27FC236}">
+              <a16:creationId xmlns:a16="http://schemas.microsoft.com/office/drawing/2014/main" id="{CC421676-C2C0-B4FC-8D6B-0197949511EC}"/>
+            </a:ext>
+          </a:extLst>
+        </p:cNvPr>
+        <p:cNvGrpSpPr/>
+        <p:nvPr/>
+      </p:nvGrpSpPr>
+      <p:grpSpPr>
+        <a:xfrm>
+          <a:off x="0" y="0"/>
+          <a:ext cx="0" cy="0"/>
+          <a:chOff x="0" y="0"/>
+          <a:chExt cx="0" cy="0"/>
+        </a:xfrm>
+      </p:grpSpPr>
+      <p:sp>
+        <p:nvSpPr>
+          <p:cNvPr id="2" name="Espaço Reservado para Imagem de Slide 1">
+            <a:extLst>
+              <a:ext uri="{FF2B5EF4-FFF2-40B4-BE49-F238E27FC236}">
+                <a16:creationId xmlns:a16="http://schemas.microsoft.com/office/drawing/2014/main" id="{4673078C-559C-574E-D915-566DB18F8B78}"/>
+              </a:ext>
+            </a:extLst>
+          </p:cNvPr>
+          <p:cNvSpPr>
+            <a:spLocks noGrp="1" noRot="1" noChangeAspect="1"/>
+          </p:cNvSpPr>
+          <p:nvPr>
+            <p:ph type="sldImg"/>
+          </p:nvPr>
+        </p:nvSpPr>
+        <p:spPr>
+          <a:xfrm>
+            <a:off x="381000" y="685800"/>
+            <a:ext cx="6096000" cy="3429000"/>
+          </a:xfrm>
+        </p:spPr>
+      </p:sp>
+      <p:sp>
+        <p:nvSpPr>
+          <p:cNvPr id="3" name="Espaço Reservado para Anotações 2">
+            <a:extLst>
+              <a:ext uri="{FF2B5EF4-FFF2-40B4-BE49-F238E27FC236}">
+                <a16:creationId xmlns:a16="http://schemas.microsoft.com/office/drawing/2014/main" id="{367D9CFF-052F-803C-AE7D-B6439F796DD9}"/>
+              </a:ext>
+            </a:extLst>
+          </p:cNvPr>
+          <p:cNvSpPr>
+            <a:spLocks noGrp="1"/>
+          </p:cNvSpPr>
+          <p:nvPr>
+            <p:ph type="body" idx="1"/>
+          </p:nvPr>
+        </p:nvSpPr>
+        <p:spPr/>
+        <p:txBody>
+          <a:bodyPr/>
+          <a:lstStyle/>
+          <a:p>
+            <a:endParaRPr lang="pt-BR" dirty="0"/>
+          </a:p>
+        </p:txBody>
+      </p:sp>
+    </p:spTree>
+    <p:extLst>
+      <p:ext uri="{BB962C8B-B14F-4D97-AF65-F5344CB8AC3E}">
+        <p14:creationId xmlns:p14="http://schemas.microsoft.com/office/powerpoint/2010/main" val="2820701124"/>
       </p:ext>
     </p:extLst>
   </p:cSld>
@@ -3829,6 +4509,2175 @@
 </p:sld>
 </file>
 
+<file path=ppt/slides/slide10.xml><?xml version="1.0" encoding="utf-8"?>
+<p:sld xmlns:a="http://schemas.openxmlformats.org/drawingml/2006/main" xmlns:r="http://schemas.openxmlformats.org/officeDocument/2006/relationships" xmlns:p="http://schemas.openxmlformats.org/presentationml/2006/main">
+  <p:cSld>
+    <p:spTree>
+      <p:nvGrpSpPr>
+        <p:cNvPr id="1" name="">
+          <a:extLst>
+            <a:ext uri="{FF2B5EF4-FFF2-40B4-BE49-F238E27FC236}">
+              <a16:creationId xmlns:a16="http://schemas.microsoft.com/office/drawing/2014/main" id="{CB527BC2-D4FA-32EB-F9A2-081B71A9C0F3}"/>
+            </a:ext>
+          </a:extLst>
+        </p:cNvPr>
+        <p:cNvGrpSpPr/>
+        <p:nvPr/>
+      </p:nvGrpSpPr>
+      <p:grpSpPr>
+        <a:xfrm>
+          <a:off x="0" y="0"/>
+          <a:ext cx="0" cy="0"/>
+          <a:chOff x="0" y="0"/>
+          <a:chExt cx="0" cy="0"/>
+        </a:xfrm>
+      </p:grpSpPr>
+      <p:sp>
+        <p:nvSpPr>
+          <p:cNvPr id="6" name="Title 1">
+            <a:extLst>
+              <a:ext uri="{FF2B5EF4-FFF2-40B4-BE49-F238E27FC236}">
+                <a16:creationId xmlns:a16="http://schemas.microsoft.com/office/drawing/2014/main" id="{F6734618-7B24-330A-FB7B-46C76426BFA4}"/>
+              </a:ext>
+            </a:extLst>
+          </p:cNvPr>
+          <p:cNvSpPr>
+            <a:spLocks noGrp="1"/>
+          </p:cNvSpPr>
+          <p:nvPr>
+            <p:ph type="title"/>
+          </p:nvPr>
+        </p:nvSpPr>
+        <p:spPr>
+          <a:xfrm>
+            <a:off x="457200" y="205980"/>
+            <a:ext cx="8229600" cy="857251"/>
+          </a:xfrm>
+        </p:spPr>
+        <p:txBody>
+          <a:bodyPr>
+            <a:normAutofit/>
+          </a:bodyPr>
+          <a:lstStyle/>
+          <a:p>
+            <a:r>
+              <a:rPr lang="en-US" b="1" dirty="0" err="1">
+                <a:solidFill>
+                  <a:srgbClr val="0070C0"/>
+                </a:solidFill>
+              </a:rPr>
+              <a:t>Grafos</a:t>
+            </a:r>
+            <a:r>
+              <a:rPr lang="en-US" b="1" dirty="0">
+                <a:solidFill>
+                  <a:srgbClr val="0070C0"/>
+                </a:solidFill>
+              </a:rPr>
+              <a:t>: </a:t>
+            </a:r>
+            <a:r>
+              <a:rPr lang="en-US" b="1" dirty="0" err="1">
+                <a:solidFill>
+                  <a:srgbClr val="0070C0"/>
+                </a:solidFill>
+              </a:rPr>
+              <a:t>Exemplos</a:t>
+            </a:r>
+            <a:endParaRPr lang="en-US" b="1" dirty="0">
+              <a:solidFill>
+                <a:srgbClr val="0070C0"/>
+              </a:solidFill>
+            </a:endParaRPr>
+          </a:p>
+        </p:txBody>
+      </p:sp>
+      <p:sp>
+        <p:nvSpPr>
+          <p:cNvPr id="8" name="Text Placeholder 2">
+            <a:extLst>
+              <a:ext uri="{FF2B5EF4-FFF2-40B4-BE49-F238E27FC236}">
+                <a16:creationId xmlns:a16="http://schemas.microsoft.com/office/drawing/2014/main" id="{ADADB5DD-199F-9802-D8BF-4994CD3D2B2D}"/>
+              </a:ext>
+            </a:extLst>
+          </p:cNvPr>
+          <p:cNvSpPr>
+            <a:spLocks noGrp="1"/>
+          </p:cNvSpPr>
+          <p:nvPr>
+            <p:ph type="body" sz="half" idx="1"/>
+          </p:nvPr>
+        </p:nvSpPr>
+        <p:spPr>
+          <a:xfrm>
+            <a:off x="142865" y="1200150"/>
+            <a:ext cx="8865056" cy="3737370"/>
+          </a:xfrm>
+        </p:spPr>
+        <p:txBody>
+          <a:bodyPr>
+            <a:noAutofit/>
+          </a:bodyPr>
+          <a:lstStyle/>
+          <a:p>
+            <a:pPr marL="0" indent="0" algn="just">
+              <a:buNone/>
+            </a:pPr>
+            <a:r>
+              <a:rPr lang="pt-BR" sz="2000" b="1" dirty="0">
+                <a:latin typeface="Times New Roman" panose="02020603050405020304" pitchFamily="18" charset="0"/>
+                <a:cs typeface="Times New Roman" panose="02020603050405020304" pitchFamily="18" charset="0"/>
+              </a:rPr>
+              <a:t>Exemplo 1 </a:t>
+            </a:r>
+            <a:r>
+              <a:rPr lang="pt-BR" sz="2000" dirty="0">
+                <a:latin typeface="Times New Roman" panose="02020603050405020304" pitchFamily="18" charset="0"/>
+                <a:cs typeface="Times New Roman" panose="02020603050405020304" pitchFamily="18" charset="0"/>
+              </a:rPr>
+              <a:t>– </a:t>
+            </a:r>
+            <a:r>
+              <a:rPr lang="pt-BR" sz="2000" b="1" dirty="0">
+                <a:solidFill>
+                  <a:srgbClr val="FF0000"/>
+                </a:solidFill>
+                <a:latin typeface="Times New Roman" panose="02020603050405020304" pitchFamily="18" charset="0"/>
+                <a:cs typeface="Times New Roman" panose="02020603050405020304" pitchFamily="18" charset="0"/>
+              </a:rPr>
+              <a:t>Rede social</a:t>
+            </a:r>
+          </a:p>
+          <a:p>
+            <a:pPr algn="just">
+              <a:buFont typeface="Wingdings" panose="05000000000000000000" pitchFamily="2" charset="2"/>
+              <a:buChar char="§"/>
+            </a:pPr>
+            <a:r>
+              <a:rPr lang="pt-BR" sz="2000" dirty="0">
+                <a:latin typeface="Times New Roman" panose="02020603050405020304" pitchFamily="18" charset="0"/>
+                <a:cs typeface="Times New Roman" panose="02020603050405020304" pitchFamily="18" charset="0"/>
+              </a:rPr>
+              <a:t>Vértices = pessoas.</a:t>
+            </a:r>
+          </a:p>
+          <a:p>
+            <a:pPr algn="just">
+              <a:buFont typeface="Wingdings" panose="05000000000000000000" pitchFamily="2" charset="2"/>
+              <a:buChar char="§"/>
+            </a:pPr>
+            <a:r>
+              <a:rPr lang="pt-BR" sz="2000" dirty="0">
+                <a:latin typeface="Times New Roman" panose="02020603050405020304" pitchFamily="18" charset="0"/>
+                <a:cs typeface="Times New Roman" panose="02020603050405020304" pitchFamily="18" charset="0"/>
+              </a:rPr>
+              <a:t>Arestas = amizades (não direcionadas).</a:t>
+            </a:r>
+          </a:p>
+          <a:p>
+            <a:pPr marL="0" indent="0" algn="just">
+              <a:buNone/>
+            </a:pPr>
+            <a:endParaRPr lang="pt-BR" sz="2000" dirty="0">
+              <a:latin typeface="Times New Roman" panose="02020603050405020304" pitchFamily="18" charset="0"/>
+              <a:cs typeface="Times New Roman" panose="02020603050405020304" pitchFamily="18" charset="0"/>
+            </a:endParaRPr>
+          </a:p>
+          <a:p>
+            <a:pPr marL="0" indent="0" algn="just">
+              <a:buNone/>
+            </a:pPr>
+            <a:r>
+              <a:rPr lang="pt-BR" sz="2000" b="1" dirty="0">
+                <a:latin typeface="Times New Roman" panose="02020603050405020304" pitchFamily="18" charset="0"/>
+                <a:cs typeface="Times New Roman" panose="02020603050405020304" pitchFamily="18" charset="0"/>
+              </a:rPr>
+              <a:t>Exemplo 2 </a:t>
+            </a:r>
+            <a:r>
+              <a:rPr lang="pt-BR" sz="2000" dirty="0">
+                <a:latin typeface="Times New Roman" panose="02020603050405020304" pitchFamily="18" charset="0"/>
+                <a:cs typeface="Times New Roman" panose="02020603050405020304" pitchFamily="18" charset="0"/>
+              </a:rPr>
+              <a:t>– </a:t>
+            </a:r>
+            <a:r>
+              <a:rPr lang="pt-BR" sz="2000" b="1" dirty="0">
+                <a:solidFill>
+                  <a:srgbClr val="FF0000"/>
+                </a:solidFill>
+                <a:latin typeface="Times New Roman" panose="02020603050405020304" pitchFamily="18" charset="0"/>
+                <a:cs typeface="Times New Roman" panose="02020603050405020304" pitchFamily="18" charset="0"/>
+              </a:rPr>
+              <a:t>Rotas de voo</a:t>
+            </a:r>
+          </a:p>
+          <a:p>
+            <a:pPr algn="just">
+              <a:buFont typeface="Wingdings" panose="05000000000000000000" pitchFamily="2" charset="2"/>
+              <a:buChar char="§"/>
+            </a:pPr>
+            <a:r>
+              <a:rPr lang="pt-BR" sz="2000" dirty="0">
+                <a:latin typeface="Times New Roman" panose="02020603050405020304" pitchFamily="18" charset="0"/>
+                <a:cs typeface="Times New Roman" panose="02020603050405020304" pitchFamily="18" charset="0"/>
+              </a:rPr>
+              <a:t>Vértices = aeroportos.</a:t>
+            </a:r>
+          </a:p>
+          <a:p>
+            <a:pPr algn="just">
+              <a:buFont typeface="Wingdings" panose="05000000000000000000" pitchFamily="2" charset="2"/>
+              <a:buChar char="§"/>
+            </a:pPr>
+            <a:r>
+              <a:rPr lang="pt-BR" sz="2000" dirty="0">
+                <a:latin typeface="Times New Roman" panose="02020603050405020304" pitchFamily="18" charset="0"/>
+                <a:cs typeface="Times New Roman" panose="02020603050405020304" pitchFamily="18" charset="0"/>
+              </a:rPr>
+              <a:t>Arestas = voos (direcionados).</a:t>
+            </a:r>
+          </a:p>
+          <a:p>
+            <a:pPr algn="just">
+              <a:buFont typeface="Wingdings" panose="05000000000000000000" pitchFamily="2" charset="2"/>
+              <a:buChar char="§"/>
+            </a:pPr>
+            <a:r>
+              <a:rPr lang="pt-BR" sz="2000" dirty="0">
+                <a:latin typeface="Times New Roman" panose="02020603050405020304" pitchFamily="18" charset="0"/>
+                <a:cs typeface="Times New Roman" panose="02020603050405020304" pitchFamily="18" charset="0"/>
+              </a:rPr>
+              <a:t>Pesos = distância ou preço da passagem.</a:t>
+            </a:r>
+          </a:p>
+        </p:txBody>
+      </p:sp>
+    </p:spTree>
+    <p:extLst>
+      <p:ext uri="{BB962C8B-B14F-4D97-AF65-F5344CB8AC3E}">
+        <p14:creationId xmlns:p14="http://schemas.microsoft.com/office/powerpoint/2010/main" val="3680520921"/>
+      </p:ext>
+    </p:extLst>
+  </p:cSld>
+  <p:clrMapOvr>
+    <a:masterClrMapping/>
+  </p:clrMapOvr>
+  <p:transition spd="med"/>
+</p:sld>
+</file>
+
+<file path=ppt/slides/slide11.xml><?xml version="1.0" encoding="utf-8"?>
+<p:sld xmlns:a="http://schemas.openxmlformats.org/drawingml/2006/main" xmlns:r="http://schemas.openxmlformats.org/officeDocument/2006/relationships" xmlns:p="http://schemas.openxmlformats.org/presentationml/2006/main">
+  <p:cSld>
+    <p:spTree>
+      <p:nvGrpSpPr>
+        <p:cNvPr id="1" name=""/>
+        <p:cNvGrpSpPr/>
+        <p:nvPr/>
+      </p:nvGrpSpPr>
+      <p:grpSpPr>
+        <a:xfrm>
+          <a:off x="0" y="0"/>
+          <a:ext cx="0" cy="0"/>
+          <a:chOff x="0" y="0"/>
+          <a:chExt cx="0" cy="0"/>
+        </a:xfrm>
+      </p:grpSpPr>
+      <p:sp>
+        <p:nvSpPr>
+          <p:cNvPr id="6" name="Title 1"/>
+          <p:cNvSpPr>
+            <a:spLocks noGrp="1"/>
+          </p:cNvSpPr>
+          <p:nvPr>
+            <p:ph type="title"/>
+          </p:nvPr>
+        </p:nvSpPr>
+        <p:spPr>
+          <a:xfrm>
+            <a:off x="457200" y="205980"/>
+            <a:ext cx="8229600" cy="857251"/>
+          </a:xfrm>
+        </p:spPr>
+        <p:txBody>
+          <a:bodyPr>
+            <a:normAutofit/>
+          </a:bodyPr>
+          <a:lstStyle/>
+          <a:p>
+            <a:r>
+              <a:rPr lang="en-US" b="1" dirty="0" err="1">
+                <a:solidFill>
+                  <a:srgbClr val="0070C0"/>
+                </a:solidFill>
+              </a:rPr>
+              <a:t>Leitura</a:t>
+            </a:r>
+            <a:r>
+              <a:rPr lang="en-US" b="1" dirty="0">
+                <a:solidFill>
+                  <a:srgbClr val="0070C0"/>
+                </a:solidFill>
+              </a:rPr>
+              <a:t> </a:t>
+            </a:r>
+            <a:r>
+              <a:rPr lang="en-US" b="1" dirty="0" err="1">
+                <a:solidFill>
+                  <a:srgbClr val="0070C0"/>
+                </a:solidFill>
+              </a:rPr>
+              <a:t>Específica</a:t>
+            </a:r>
+            <a:endParaRPr lang="en-US" b="1" dirty="0">
+              <a:solidFill>
+                <a:srgbClr val="0070C0"/>
+              </a:solidFill>
+            </a:endParaRPr>
+          </a:p>
+        </p:txBody>
+      </p:sp>
+      <p:sp>
+        <p:nvSpPr>
+          <p:cNvPr id="8" name="Text Placeholder 2"/>
+          <p:cNvSpPr>
+            <a:spLocks noGrp="1"/>
+          </p:cNvSpPr>
+          <p:nvPr>
+            <p:ph type="body" sz="half" idx="1"/>
+          </p:nvPr>
+        </p:nvSpPr>
+        <p:spPr>
+          <a:xfrm>
+            <a:off x="142865" y="1200150"/>
+            <a:ext cx="8865056" cy="3737369"/>
+          </a:xfrm>
+        </p:spPr>
+        <p:txBody>
+          <a:bodyPr>
+            <a:noAutofit/>
+          </a:bodyPr>
+          <a:lstStyle/>
+          <a:p>
+            <a:pPr marL="0" indent="0" algn="just">
+              <a:buNone/>
+            </a:pPr>
+            <a:r>
+              <a:rPr lang="pt-BR" sz="2000" dirty="0">
+                <a:latin typeface="Times New Roman" panose="02020603050405020304" pitchFamily="18" charset="0"/>
+                <a:cs typeface="Times New Roman" panose="02020603050405020304" pitchFamily="18" charset="0"/>
+              </a:rPr>
+              <a:t>[1] </a:t>
+            </a:r>
+            <a:r>
+              <a:rPr lang="en-US" sz="2000" b="1" i="1" dirty="0">
+                <a:latin typeface="Times New Roman" panose="02020603050405020304" pitchFamily="18" charset="0"/>
+                <a:cs typeface="Times New Roman" panose="02020603050405020304" pitchFamily="18" charset="0"/>
+              </a:rPr>
+              <a:t>An Introduction to Graph Theory</a:t>
+            </a:r>
+            <a:r>
+              <a:rPr lang="en-US" sz="2000" b="1" dirty="0">
+                <a:latin typeface="Times New Roman" panose="02020603050405020304" pitchFamily="18" charset="0"/>
+                <a:cs typeface="Times New Roman" panose="02020603050405020304" pitchFamily="18" charset="0"/>
+              </a:rPr>
+              <a:t> — </a:t>
+            </a:r>
+            <a:r>
+              <a:rPr lang="en-US" sz="2000" b="1" dirty="0" err="1">
+                <a:latin typeface="Times New Roman" panose="02020603050405020304" pitchFamily="18" charset="0"/>
+                <a:cs typeface="Times New Roman" panose="02020603050405020304" pitchFamily="18" charset="0"/>
+              </a:rPr>
+              <a:t>Darij</a:t>
+            </a:r>
+            <a:r>
+              <a:rPr lang="en-US" sz="2000" b="1" dirty="0">
+                <a:latin typeface="Times New Roman" panose="02020603050405020304" pitchFamily="18" charset="0"/>
+                <a:cs typeface="Times New Roman" panose="02020603050405020304" pitchFamily="18" charset="0"/>
+              </a:rPr>
+              <a:t> Grinberg</a:t>
+            </a:r>
+            <a:r>
+              <a:rPr lang="pt-BR" sz="2000" dirty="0">
+                <a:latin typeface="Times New Roman" panose="02020603050405020304" pitchFamily="18" charset="0"/>
+                <a:cs typeface="Times New Roman" panose="02020603050405020304" pitchFamily="18" charset="0"/>
+              </a:rPr>
+              <a:t>.</a:t>
+            </a:r>
+          </a:p>
+          <a:p>
+            <a:pPr marL="0" indent="0" algn="just">
+              <a:buNone/>
+            </a:pPr>
+            <a:r>
+              <a:rPr lang="pt-BR" sz="2000" b="1" dirty="0">
+                <a:solidFill>
+                  <a:srgbClr val="FF0000"/>
+                </a:solidFill>
+                <a:latin typeface="Times New Roman" panose="02020603050405020304" pitchFamily="18" charset="0"/>
+                <a:cs typeface="Times New Roman" panose="02020603050405020304" pitchFamily="18" charset="0"/>
+              </a:rPr>
+              <a:t>Disponível em: </a:t>
+            </a:r>
+          </a:p>
+          <a:p>
+            <a:pPr marL="0" indent="0" algn="just">
+              <a:buNone/>
+            </a:pPr>
+            <a:r>
+              <a:rPr lang="pt-BR" sz="2000" dirty="0">
+                <a:solidFill>
+                  <a:srgbClr val="FF0000"/>
+                </a:solidFill>
+                <a:latin typeface="Times New Roman" panose="02020603050405020304" pitchFamily="18" charset="0"/>
+                <a:cs typeface="Times New Roman" panose="02020603050405020304" pitchFamily="18" charset="0"/>
+                <a:hlinkClick r:id="rId3"/>
+              </a:rPr>
+              <a:t>https://www.cip.ifi.lmu.de/~grinberg/t/22s/graphs.pdf?utm_source=chatgpt.com</a:t>
+            </a:r>
+            <a:r>
+              <a:rPr lang="pt-BR" sz="2000" dirty="0">
+                <a:solidFill>
+                  <a:srgbClr val="FF0000"/>
+                </a:solidFill>
+                <a:latin typeface="Times New Roman" panose="02020603050405020304" pitchFamily="18" charset="0"/>
+                <a:cs typeface="Times New Roman" panose="02020603050405020304" pitchFamily="18" charset="0"/>
+              </a:rPr>
+              <a:t> </a:t>
+            </a:r>
+          </a:p>
+          <a:p>
+            <a:pPr marL="0" indent="0" algn="just">
+              <a:buNone/>
+            </a:pPr>
+            <a:endParaRPr lang="pt-BR" sz="2000" dirty="0">
+              <a:latin typeface="Times New Roman" panose="02020603050405020304" pitchFamily="18" charset="0"/>
+              <a:cs typeface="Times New Roman" panose="02020603050405020304" pitchFamily="18" charset="0"/>
+            </a:endParaRPr>
+          </a:p>
+          <a:p>
+            <a:pPr marL="0" indent="0" algn="just">
+              <a:buNone/>
+            </a:pPr>
+            <a:endParaRPr lang="pt-BR" sz="2000" dirty="0">
+              <a:latin typeface="Times New Roman" panose="02020603050405020304" pitchFamily="18" charset="0"/>
+              <a:cs typeface="Times New Roman" panose="02020603050405020304" pitchFamily="18" charset="0"/>
+            </a:endParaRPr>
+          </a:p>
+          <a:p>
+            <a:pPr marL="0" indent="0" algn="just">
+              <a:buNone/>
+            </a:pPr>
+            <a:r>
+              <a:rPr lang="pt-BR" sz="2000" dirty="0">
+                <a:latin typeface="Times New Roman" panose="02020603050405020304" pitchFamily="18" charset="0"/>
+                <a:cs typeface="Times New Roman" panose="02020603050405020304" pitchFamily="18" charset="0"/>
+              </a:rPr>
+              <a:t>[2] </a:t>
+            </a:r>
+            <a:r>
+              <a:rPr lang="pt-BR" sz="2000" b="1" i="1" dirty="0" err="1">
+                <a:latin typeface="Times New Roman" panose="02020603050405020304" pitchFamily="18" charset="0"/>
+                <a:cs typeface="Times New Roman" panose="02020603050405020304" pitchFamily="18" charset="0"/>
+              </a:rPr>
+              <a:t>Graph</a:t>
+            </a:r>
+            <a:r>
+              <a:rPr lang="pt-BR" sz="2000" b="1" i="1" dirty="0">
+                <a:latin typeface="Times New Roman" panose="02020603050405020304" pitchFamily="18" charset="0"/>
+                <a:cs typeface="Times New Roman" panose="02020603050405020304" pitchFamily="18" charset="0"/>
+              </a:rPr>
+              <a:t> </a:t>
+            </a:r>
+            <a:r>
+              <a:rPr lang="pt-BR" sz="2000" b="1" i="1" dirty="0" err="1">
+                <a:latin typeface="Times New Roman" panose="02020603050405020304" pitchFamily="18" charset="0"/>
+                <a:cs typeface="Times New Roman" panose="02020603050405020304" pitchFamily="18" charset="0"/>
+              </a:rPr>
+              <a:t>Theory</a:t>
+            </a:r>
+            <a:r>
+              <a:rPr lang="pt-BR" sz="2000" b="1" i="1" dirty="0">
+                <a:latin typeface="Times New Roman" panose="02020603050405020304" pitchFamily="18" charset="0"/>
+                <a:cs typeface="Times New Roman" panose="02020603050405020304" pitchFamily="18" charset="0"/>
+              </a:rPr>
+              <a:t> Tutorial</a:t>
+            </a:r>
+            <a:r>
+              <a:rPr lang="pt-BR" sz="2000" b="1" dirty="0">
+                <a:latin typeface="Times New Roman" panose="02020603050405020304" pitchFamily="18" charset="0"/>
+                <a:cs typeface="Times New Roman" panose="02020603050405020304" pitchFamily="18" charset="0"/>
+              </a:rPr>
+              <a:t> </a:t>
+            </a:r>
+            <a:r>
+              <a:rPr lang="pt-BR" sz="2000" dirty="0">
+                <a:latin typeface="Times New Roman" panose="02020603050405020304" pitchFamily="18" charset="0"/>
+                <a:cs typeface="Times New Roman" panose="02020603050405020304" pitchFamily="18" charset="0"/>
+              </a:rPr>
+              <a:t>— </a:t>
+            </a:r>
+            <a:r>
+              <a:rPr lang="pt-BR" sz="2000" b="1" dirty="0" err="1">
+                <a:latin typeface="Times New Roman" panose="02020603050405020304" pitchFamily="18" charset="0"/>
+                <a:cs typeface="Times New Roman" panose="02020603050405020304" pitchFamily="18" charset="0"/>
+              </a:rPr>
+              <a:t>GeeksforGeeks</a:t>
+            </a:r>
+            <a:r>
+              <a:rPr lang="pt-BR" sz="2000" dirty="0">
+                <a:latin typeface="Times New Roman" panose="02020603050405020304" pitchFamily="18" charset="0"/>
+                <a:cs typeface="Times New Roman" panose="02020603050405020304" pitchFamily="18" charset="0"/>
+              </a:rPr>
+              <a:t>. </a:t>
+            </a:r>
+            <a:r>
+              <a:rPr lang="pt-BR" sz="2000" b="1" dirty="0">
+                <a:latin typeface="Times New Roman" panose="02020603050405020304" pitchFamily="18" charset="0"/>
+                <a:cs typeface="Times New Roman" panose="02020603050405020304" pitchFamily="18" charset="0"/>
+              </a:rPr>
+              <a:t>Cobertura dos fundamentos, representações de grafos e algoritmos básicos</a:t>
+            </a:r>
+            <a:r>
+              <a:rPr lang="pt-BR" sz="2000" dirty="0">
+                <a:latin typeface="Times New Roman" panose="02020603050405020304" pitchFamily="18" charset="0"/>
+                <a:cs typeface="Times New Roman" panose="02020603050405020304" pitchFamily="18" charset="0"/>
+              </a:rPr>
+              <a:t>.</a:t>
+            </a:r>
+          </a:p>
+          <a:p>
+            <a:pPr marL="0" indent="0" algn="just">
+              <a:buNone/>
+            </a:pPr>
+            <a:r>
+              <a:rPr lang="pt-BR" sz="2000" b="1" dirty="0">
+                <a:solidFill>
+                  <a:srgbClr val="FF0000"/>
+                </a:solidFill>
+                <a:latin typeface="Times New Roman" panose="02020603050405020304" pitchFamily="18" charset="0"/>
+                <a:cs typeface="Times New Roman" panose="02020603050405020304" pitchFamily="18" charset="0"/>
+              </a:rPr>
+              <a:t>Disponível em:</a:t>
+            </a:r>
+          </a:p>
+          <a:p>
+            <a:pPr marL="0" indent="0" algn="just">
+              <a:buNone/>
+            </a:pPr>
+            <a:r>
+              <a:rPr lang="pt-BR" sz="2000" dirty="0">
+                <a:solidFill>
+                  <a:srgbClr val="FF0000"/>
+                </a:solidFill>
+                <a:latin typeface="Times New Roman" panose="02020603050405020304" pitchFamily="18" charset="0"/>
+                <a:cs typeface="Times New Roman" panose="02020603050405020304" pitchFamily="18" charset="0"/>
+                <a:hlinkClick r:id="rId4"/>
+              </a:rPr>
+              <a:t>https://www.geeksforgeeks.org/dsa/graph-theory-tutorial/?utm_source=chatgpt.com</a:t>
+            </a:r>
+            <a:r>
+              <a:rPr lang="pt-BR" sz="2000" dirty="0">
+                <a:solidFill>
+                  <a:srgbClr val="FF0000"/>
+                </a:solidFill>
+                <a:latin typeface="Times New Roman" panose="02020603050405020304" pitchFamily="18" charset="0"/>
+                <a:cs typeface="Times New Roman" panose="02020603050405020304" pitchFamily="18" charset="0"/>
+              </a:rPr>
+              <a:t> </a:t>
+            </a:r>
+            <a:endParaRPr lang="pt-BR" sz="2000" dirty="0">
+              <a:latin typeface="Calibri" panose="020F0502020204030204" pitchFamily="34" charset="0"/>
+            </a:endParaRPr>
+          </a:p>
+        </p:txBody>
+      </p:sp>
+    </p:spTree>
+    <p:extLst>
+      <p:ext uri="{BB962C8B-B14F-4D97-AF65-F5344CB8AC3E}">
+        <p14:creationId xmlns:p14="http://schemas.microsoft.com/office/powerpoint/2010/main" val="3680270425"/>
+      </p:ext>
+    </p:extLst>
+  </p:cSld>
+  <p:clrMapOvr>
+    <a:masterClrMapping/>
+  </p:clrMapOvr>
+  <p:transition spd="med"/>
+</p:sld>
+</file>
+
+<file path=ppt/slides/slide12.xml><?xml version="1.0" encoding="utf-8"?>
+<p:sld xmlns:a="http://schemas.openxmlformats.org/drawingml/2006/main" xmlns:r="http://schemas.openxmlformats.org/officeDocument/2006/relationships" xmlns:p="http://schemas.openxmlformats.org/presentationml/2006/main">
+  <p:cSld>
+    <p:spTree>
+      <p:nvGrpSpPr>
+        <p:cNvPr id="1" name=""/>
+        <p:cNvGrpSpPr/>
+        <p:nvPr/>
+      </p:nvGrpSpPr>
+      <p:grpSpPr>
+        <a:xfrm>
+          <a:off x="0" y="0"/>
+          <a:ext cx="0" cy="0"/>
+          <a:chOff x="0" y="0"/>
+          <a:chExt cx="0" cy="0"/>
+        </a:xfrm>
+      </p:grpSpPr>
+      <p:sp>
+        <p:nvSpPr>
+          <p:cNvPr id="6" name="Title 1"/>
+          <p:cNvSpPr>
+            <a:spLocks noGrp="1"/>
+          </p:cNvSpPr>
+          <p:nvPr>
+            <p:ph type="title"/>
+          </p:nvPr>
+        </p:nvSpPr>
+        <p:spPr>
+          <a:xfrm>
+            <a:off x="457200" y="205980"/>
+            <a:ext cx="8229600" cy="857251"/>
+          </a:xfrm>
+        </p:spPr>
+        <p:txBody>
+          <a:bodyPr>
+            <a:normAutofit/>
+          </a:bodyPr>
+          <a:lstStyle/>
+          <a:p>
+            <a:r>
+              <a:rPr lang="en-US" b="1" dirty="0" err="1">
+                <a:solidFill>
+                  <a:srgbClr val="0070C0"/>
+                </a:solidFill>
+              </a:rPr>
+              <a:t>Aprenda</a:t>
+            </a:r>
+            <a:r>
+              <a:rPr lang="en-US" b="1" dirty="0">
+                <a:solidFill>
+                  <a:srgbClr val="0070C0"/>
+                </a:solidFill>
+              </a:rPr>
+              <a:t>+</a:t>
+            </a:r>
+          </a:p>
+        </p:txBody>
+      </p:sp>
+      <p:sp>
+        <p:nvSpPr>
+          <p:cNvPr id="8" name="Text Placeholder 2"/>
+          <p:cNvSpPr>
+            <a:spLocks noGrp="1"/>
+          </p:cNvSpPr>
+          <p:nvPr>
+            <p:ph type="body" sz="half" idx="1"/>
+          </p:nvPr>
+        </p:nvSpPr>
+        <p:spPr>
+          <a:xfrm>
+            <a:off x="142865" y="1200150"/>
+            <a:ext cx="8865056" cy="3737370"/>
+          </a:xfrm>
+        </p:spPr>
+        <p:txBody>
+          <a:bodyPr>
+            <a:noAutofit/>
+          </a:bodyPr>
+          <a:lstStyle/>
+          <a:p>
+            <a:pPr marL="0" indent="0" algn="just">
+              <a:buNone/>
+            </a:pPr>
+            <a:r>
+              <a:rPr lang="pt-BR" sz="2000" dirty="0">
+                <a:latin typeface="Times New Roman" panose="02020603050405020304" pitchFamily="18" charset="0"/>
+                <a:cs typeface="Times New Roman" panose="02020603050405020304" pitchFamily="18" charset="0"/>
+              </a:rPr>
+              <a:t>[1] </a:t>
+            </a:r>
+            <a:r>
+              <a:rPr lang="en-US" sz="2000" b="1" dirty="0">
+                <a:latin typeface="Times New Roman" panose="02020603050405020304" pitchFamily="18" charset="0"/>
+                <a:cs typeface="Times New Roman" panose="02020603050405020304" pitchFamily="18" charset="0"/>
+              </a:rPr>
+              <a:t>Introduction to Graph Theory [Discrete Mathematics]</a:t>
+            </a:r>
+            <a:endParaRPr lang="pt-BR" sz="2000" b="1" dirty="0">
+              <a:latin typeface="Times New Roman" panose="02020603050405020304" pitchFamily="18" charset="0"/>
+              <a:cs typeface="Times New Roman" panose="02020603050405020304" pitchFamily="18" charset="0"/>
+            </a:endParaRPr>
+          </a:p>
+          <a:p>
+            <a:pPr marL="0" indent="0" algn="just">
+              <a:buNone/>
+            </a:pPr>
+            <a:r>
+              <a:rPr lang="pt-BR" sz="2000" b="1" dirty="0">
+                <a:solidFill>
+                  <a:srgbClr val="FF0000"/>
+                </a:solidFill>
+                <a:latin typeface="Times New Roman" panose="02020603050405020304" pitchFamily="18" charset="0"/>
+                <a:cs typeface="Times New Roman" panose="02020603050405020304" pitchFamily="18" charset="0"/>
+              </a:rPr>
+              <a:t>Disponível em: </a:t>
+            </a:r>
+          </a:p>
+          <a:p>
+            <a:pPr marL="0" indent="0" algn="just">
+              <a:buNone/>
+            </a:pPr>
+            <a:r>
+              <a:rPr lang="pt-BR" sz="2000" dirty="0">
+                <a:latin typeface="Times New Roman" panose="02020603050405020304" pitchFamily="18" charset="0"/>
+                <a:cs typeface="Times New Roman" panose="02020603050405020304" pitchFamily="18" charset="0"/>
+                <a:hlinkClick r:id="rId3"/>
+              </a:rPr>
+              <a:t>https://www.youtube.com/watch?v=N_tJo3XwY-M&amp;utm_source=chatgpt.com</a:t>
+            </a:r>
+            <a:r>
+              <a:rPr lang="pt-BR" sz="2000" dirty="0">
+                <a:latin typeface="Times New Roman" panose="02020603050405020304" pitchFamily="18" charset="0"/>
+                <a:cs typeface="Times New Roman" panose="02020603050405020304" pitchFamily="18" charset="0"/>
+              </a:rPr>
+              <a:t> </a:t>
+            </a:r>
+          </a:p>
+          <a:p>
+            <a:pPr marL="0" indent="0" algn="just">
+              <a:buNone/>
+            </a:pPr>
+            <a:endParaRPr lang="pt-BR" sz="2000" dirty="0">
+              <a:latin typeface="Times New Roman" panose="02020603050405020304" pitchFamily="18" charset="0"/>
+              <a:cs typeface="Times New Roman" panose="02020603050405020304" pitchFamily="18" charset="0"/>
+            </a:endParaRPr>
+          </a:p>
+          <a:p>
+            <a:pPr marL="0" indent="0" algn="just">
+              <a:buNone/>
+            </a:pPr>
+            <a:endParaRPr lang="pt-BR" sz="2000" dirty="0">
+              <a:latin typeface="Times New Roman" panose="02020603050405020304" pitchFamily="18" charset="0"/>
+              <a:cs typeface="Times New Roman" panose="02020603050405020304" pitchFamily="18" charset="0"/>
+            </a:endParaRPr>
+          </a:p>
+          <a:p>
+            <a:pPr marL="0" indent="0" algn="just">
+              <a:buNone/>
+            </a:pPr>
+            <a:r>
+              <a:rPr lang="pt-BR" sz="2000" dirty="0">
+                <a:latin typeface="Times New Roman" panose="02020603050405020304" pitchFamily="18" charset="0"/>
+                <a:cs typeface="Times New Roman" panose="02020603050405020304" pitchFamily="18" charset="0"/>
+              </a:rPr>
+              <a:t>[2] </a:t>
+            </a:r>
+            <a:r>
+              <a:rPr lang="en-US" sz="2000" b="1" i="1" dirty="0">
+                <a:latin typeface="Times New Roman" panose="02020603050405020304" pitchFamily="18" charset="0"/>
+                <a:cs typeface="Times New Roman" panose="02020603050405020304" pitchFamily="18" charset="0"/>
+              </a:rPr>
+              <a:t>Intro to Graph Theory | Definitions &amp; Ex: 7 Bridges of Konigsberg</a:t>
+            </a:r>
+            <a:r>
+              <a:rPr lang="en-US" sz="2000" b="1" dirty="0">
+                <a:latin typeface="Times New Roman" panose="02020603050405020304" pitchFamily="18" charset="0"/>
+                <a:cs typeface="Times New Roman" panose="02020603050405020304" pitchFamily="18" charset="0"/>
+              </a:rPr>
+              <a:t> </a:t>
+            </a:r>
+            <a:endParaRPr lang="pt-BR" sz="2000" b="1" dirty="0">
+              <a:latin typeface="Times New Roman" panose="02020603050405020304" pitchFamily="18" charset="0"/>
+              <a:cs typeface="Times New Roman" panose="02020603050405020304" pitchFamily="18" charset="0"/>
+            </a:endParaRPr>
+          </a:p>
+          <a:p>
+            <a:pPr marL="0" indent="0" algn="just">
+              <a:buNone/>
+            </a:pPr>
+            <a:r>
+              <a:rPr lang="pt-BR" sz="2000" b="1" dirty="0">
+                <a:solidFill>
+                  <a:srgbClr val="FF0000"/>
+                </a:solidFill>
+                <a:latin typeface="Times New Roman" panose="02020603050405020304" pitchFamily="18" charset="0"/>
+                <a:cs typeface="Times New Roman" panose="02020603050405020304" pitchFamily="18" charset="0"/>
+              </a:rPr>
+              <a:t>Disponível em: </a:t>
+            </a:r>
+          </a:p>
+          <a:p>
+            <a:pPr marL="0" indent="0" algn="just">
+              <a:buNone/>
+            </a:pPr>
+            <a:r>
+              <a:rPr lang="pt-BR" sz="2000" dirty="0">
+                <a:latin typeface="Times New Roman" panose="02020603050405020304" pitchFamily="18" charset="0"/>
+                <a:cs typeface="Times New Roman" panose="02020603050405020304" pitchFamily="18" charset="0"/>
+              </a:rPr>
+              <a:t> </a:t>
+            </a:r>
+            <a:r>
+              <a:rPr lang="pt-BR" sz="2000" dirty="0">
+                <a:latin typeface="Times New Roman" panose="02020603050405020304" pitchFamily="18" charset="0"/>
+                <a:cs typeface="Times New Roman" panose="02020603050405020304" pitchFamily="18" charset="0"/>
+                <a:hlinkClick r:id="rId4"/>
+              </a:rPr>
+              <a:t>https://www.youtube.com/watch?v=C7YrMRdLkqo&amp;utm_source=chatgpt.com</a:t>
+            </a:r>
+            <a:r>
+              <a:rPr lang="pt-BR" sz="2000" dirty="0">
+                <a:latin typeface="Times New Roman" panose="02020603050405020304" pitchFamily="18" charset="0"/>
+                <a:cs typeface="Times New Roman" panose="02020603050405020304" pitchFamily="18" charset="0"/>
+              </a:rPr>
+              <a:t> </a:t>
+            </a:r>
+          </a:p>
+          <a:p>
+            <a:pPr marL="0" indent="0" algn="just">
+              <a:buNone/>
+            </a:pPr>
+            <a:endParaRPr lang="pt-BR" sz="2000" dirty="0">
+              <a:latin typeface="Times New Roman" panose="02020603050405020304" pitchFamily="18" charset="0"/>
+              <a:cs typeface="Times New Roman" panose="02020603050405020304" pitchFamily="18" charset="0"/>
+            </a:endParaRPr>
+          </a:p>
+        </p:txBody>
+      </p:sp>
+    </p:spTree>
+    <p:extLst>
+      <p:ext uri="{BB962C8B-B14F-4D97-AF65-F5344CB8AC3E}">
+        <p14:creationId xmlns:p14="http://schemas.microsoft.com/office/powerpoint/2010/main" val="2747596967"/>
+      </p:ext>
+    </p:extLst>
+  </p:cSld>
+  <p:clrMapOvr>
+    <a:masterClrMapping/>
+  </p:clrMapOvr>
+  <p:transition spd="med"/>
+</p:sld>
+</file>
+
+<file path=ppt/slides/slide13.xml><?xml version="1.0" encoding="utf-8"?>
+<p:sld xmlns:a="http://schemas.openxmlformats.org/drawingml/2006/main" xmlns:r="http://schemas.openxmlformats.org/officeDocument/2006/relationships" xmlns:p="http://schemas.openxmlformats.org/presentationml/2006/main">
+  <p:cSld>
+    <p:spTree>
+      <p:nvGrpSpPr>
+        <p:cNvPr id="1" name=""/>
+        <p:cNvGrpSpPr/>
+        <p:nvPr/>
+      </p:nvGrpSpPr>
+      <p:grpSpPr>
+        <a:xfrm>
+          <a:off x="0" y="0"/>
+          <a:ext cx="0" cy="0"/>
+          <a:chOff x="0" y="0"/>
+          <a:chExt cx="0" cy="0"/>
+        </a:xfrm>
+      </p:grpSpPr>
+      <p:sp>
+        <p:nvSpPr>
+          <p:cNvPr id="6" name="Title 1"/>
+          <p:cNvSpPr>
+            <a:spLocks noGrp="1"/>
+          </p:cNvSpPr>
+          <p:nvPr>
+            <p:ph type="title"/>
+          </p:nvPr>
+        </p:nvSpPr>
+        <p:spPr>
+          <a:xfrm>
+            <a:off x="457200" y="205980"/>
+            <a:ext cx="8229600" cy="857251"/>
+          </a:xfrm>
+        </p:spPr>
+        <p:txBody>
+          <a:bodyPr>
+            <a:normAutofit/>
+          </a:bodyPr>
+          <a:lstStyle/>
+          <a:p>
+            <a:r>
+              <a:rPr lang="en-US" b="1" dirty="0" err="1">
+                <a:solidFill>
+                  <a:srgbClr val="0070C0"/>
+                </a:solidFill>
+              </a:rPr>
+              <a:t>Dinâmica</a:t>
+            </a:r>
+            <a:r>
+              <a:rPr lang="en-US" b="1" dirty="0">
+                <a:solidFill>
+                  <a:srgbClr val="0070C0"/>
+                </a:solidFill>
+              </a:rPr>
+              <a:t>/</a:t>
+            </a:r>
+            <a:r>
+              <a:rPr lang="en-US" b="1" dirty="0" err="1">
+                <a:solidFill>
+                  <a:srgbClr val="0070C0"/>
+                </a:solidFill>
+              </a:rPr>
+              <a:t>Atividades</a:t>
+            </a:r>
+            <a:endParaRPr lang="en-US" b="1" dirty="0">
+              <a:solidFill>
+                <a:srgbClr val="0070C0"/>
+              </a:solidFill>
+            </a:endParaRPr>
+          </a:p>
+        </p:txBody>
+      </p:sp>
+      <p:sp>
+        <p:nvSpPr>
+          <p:cNvPr id="8" name="Text Placeholder 2"/>
+          <p:cNvSpPr>
+            <a:spLocks noGrp="1"/>
+          </p:cNvSpPr>
+          <p:nvPr>
+            <p:ph type="body" sz="half" idx="1"/>
+          </p:nvPr>
+        </p:nvSpPr>
+        <p:spPr>
+          <a:xfrm>
+            <a:off x="139472" y="1063230"/>
+            <a:ext cx="8865056" cy="3606305"/>
+          </a:xfrm>
+        </p:spPr>
+        <p:txBody>
+          <a:bodyPr>
+            <a:noAutofit/>
+          </a:bodyPr>
+          <a:lstStyle/>
+          <a:p>
+            <a:pPr marL="0" indent="0" algn="just">
+              <a:buNone/>
+            </a:pPr>
+            <a:r>
+              <a:rPr lang="pt-BR" sz="2000" b="1" dirty="0">
+                <a:latin typeface="Times New Roman" panose="02020603050405020304" pitchFamily="18" charset="0"/>
+                <a:cs typeface="Times New Roman" panose="02020603050405020304" pitchFamily="18" charset="0"/>
+              </a:rPr>
+              <a:t>Exercício 1:</a:t>
+            </a:r>
+          </a:p>
+          <a:p>
+            <a:pPr marL="0" indent="0" algn="just">
+              <a:buNone/>
+            </a:pPr>
+            <a:r>
+              <a:rPr lang="pt-BR" sz="2000" dirty="0">
+                <a:latin typeface="Times New Roman" panose="02020603050405020304" pitchFamily="18" charset="0"/>
+                <a:cs typeface="Times New Roman" panose="02020603050405020304" pitchFamily="18" charset="0"/>
+              </a:rPr>
+              <a:t>	Represente em forma de </a:t>
+            </a:r>
+            <a:r>
+              <a:rPr lang="pt-BR" sz="2000" b="1" dirty="0">
+                <a:solidFill>
+                  <a:srgbClr val="FF0000"/>
+                </a:solidFill>
+                <a:latin typeface="Times New Roman" panose="02020603050405020304" pitchFamily="18" charset="0"/>
+                <a:cs typeface="Times New Roman" panose="02020603050405020304" pitchFamily="18" charset="0"/>
+              </a:rPr>
+              <a:t>grafo não direcionado </a:t>
+            </a:r>
+            <a:r>
+              <a:rPr lang="pt-BR" sz="2000" dirty="0">
+                <a:latin typeface="Times New Roman" panose="02020603050405020304" pitchFamily="18" charset="0"/>
+                <a:cs typeface="Times New Roman" panose="02020603050405020304" pitchFamily="18" charset="0"/>
+              </a:rPr>
+              <a:t>a rede de amizade entre os alunos de uma turma (</a:t>
+            </a:r>
+            <a:r>
+              <a:rPr lang="pt-BR" sz="2000" b="1" dirty="0">
+                <a:latin typeface="Times New Roman" panose="02020603050405020304" pitchFamily="18" charset="0"/>
+                <a:cs typeface="Times New Roman" panose="02020603050405020304" pitchFamily="18" charset="0"/>
+              </a:rPr>
+              <a:t>mínimo 5 vértices</a:t>
+            </a:r>
+            <a:r>
+              <a:rPr lang="pt-BR" sz="2000" dirty="0">
+                <a:latin typeface="Times New Roman" panose="02020603050405020304" pitchFamily="18" charset="0"/>
+                <a:cs typeface="Times New Roman" panose="02020603050405020304" pitchFamily="18" charset="0"/>
+              </a:rPr>
+              <a:t>).</a:t>
+            </a:r>
+          </a:p>
+          <a:p>
+            <a:pPr marL="0" indent="0" algn="just">
+              <a:buNone/>
+            </a:pPr>
+            <a:endParaRPr lang="pt-BR" sz="2000" dirty="0">
+              <a:latin typeface="Times New Roman" panose="02020603050405020304" pitchFamily="18" charset="0"/>
+              <a:cs typeface="Times New Roman" panose="02020603050405020304" pitchFamily="18" charset="0"/>
+            </a:endParaRPr>
+          </a:p>
+          <a:p>
+            <a:pPr marL="0" indent="0" algn="just">
+              <a:buNone/>
+            </a:pPr>
+            <a:r>
+              <a:rPr lang="pt-BR" sz="2000" b="1" dirty="0">
+                <a:latin typeface="Times New Roman" panose="02020603050405020304" pitchFamily="18" charset="0"/>
+                <a:cs typeface="Times New Roman" panose="02020603050405020304" pitchFamily="18" charset="0"/>
+              </a:rPr>
+              <a:t>Exercício 2:</a:t>
+            </a:r>
+          </a:p>
+          <a:p>
+            <a:pPr marL="0" indent="0" algn="just">
+              <a:buNone/>
+            </a:pPr>
+            <a:r>
+              <a:rPr lang="pt-BR" sz="2000" dirty="0">
+                <a:latin typeface="Times New Roman" panose="02020603050405020304" pitchFamily="18" charset="0"/>
+                <a:cs typeface="Times New Roman" panose="02020603050405020304" pitchFamily="18" charset="0"/>
+              </a:rPr>
+              <a:t>	Construa a </a:t>
+            </a:r>
+            <a:r>
+              <a:rPr lang="pt-BR" sz="2000" b="1" dirty="0">
+                <a:solidFill>
+                  <a:srgbClr val="FF0000"/>
+                </a:solidFill>
+                <a:latin typeface="Times New Roman" panose="02020603050405020304" pitchFamily="18" charset="0"/>
+                <a:cs typeface="Times New Roman" panose="02020603050405020304" pitchFamily="18" charset="0"/>
+              </a:rPr>
+              <a:t>matriz de adjacência </a:t>
+            </a:r>
+            <a:r>
+              <a:rPr lang="pt-BR" sz="2000" dirty="0">
+                <a:latin typeface="Times New Roman" panose="02020603050405020304" pitchFamily="18" charset="0"/>
+                <a:cs typeface="Times New Roman" panose="02020603050405020304" pitchFamily="18" charset="0"/>
+              </a:rPr>
+              <a:t>do grafo abaixo:</a:t>
+            </a:r>
+          </a:p>
+          <a:p>
+            <a:pPr marL="0" indent="0" algn="just">
+              <a:buNone/>
+            </a:pPr>
+            <a:endParaRPr lang="pt-BR" sz="2000" dirty="0">
+              <a:latin typeface="Times New Roman" panose="02020603050405020304" pitchFamily="18" charset="0"/>
+              <a:cs typeface="Times New Roman" panose="02020603050405020304" pitchFamily="18" charset="0"/>
+            </a:endParaRPr>
+          </a:p>
+          <a:p>
+            <a:pPr algn="just">
+              <a:buFont typeface="Wingdings" panose="05000000000000000000" pitchFamily="2" charset="2"/>
+              <a:buChar char="§"/>
+            </a:pPr>
+            <a:r>
+              <a:rPr lang="pt-BR" sz="2000" b="1" dirty="0">
+                <a:latin typeface="Times New Roman" panose="02020603050405020304" pitchFamily="18" charset="0"/>
+                <a:cs typeface="Times New Roman" panose="02020603050405020304" pitchFamily="18" charset="0"/>
+              </a:rPr>
+              <a:t>Vértices</a:t>
+            </a:r>
+            <a:r>
+              <a:rPr lang="pt-BR" sz="2000" dirty="0">
+                <a:latin typeface="Times New Roman" panose="02020603050405020304" pitchFamily="18" charset="0"/>
+                <a:cs typeface="Times New Roman" panose="02020603050405020304" pitchFamily="18" charset="0"/>
+              </a:rPr>
+              <a:t> = {A, B, C, D}</a:t>
+            </a:r>
+          </a:p>
+          <a:p>
+            <a:pPr algn="just">
+              <a:buFont typeface="Wingdings" panose="05000000000000000000" pitchFamily="2" charset="2"/>
+              <a:buChar char="§"/>
+            </a:pPr>
+            <a:r>
+              <a:rPr lang="pt-BR" sz="2000" dirty="0">
+                <a:solidFill>
+                  <a:srgbClr val="FF0000"/>
+                </a:solidFill>
+                <a:latin typeface="Times New Roman" panose="02020603050405020304" pitchFamily="18" charset="0"/>
+                <a:cs typeface="Times New Roman" panose="02020603050405020304" pitchFamily="18" charset="0"/>
+              </a:rPr>
+              <a:t>Arestas</a:t>
+            </a:r>
+            <a:r>
+              <a:rPr lang="pt-BR" sz="2000" dirty="0">
+                <a:latin typeface="Times New Roman" panose="02020603050405020304" pitchFamily="18" charset="0"/>
+                <a:cs typeface="Times New Roman" panose="02020603050405020304" pitchFamily="18" charset="0"/>
+              </a:rPr>
+              <a:t> = {(A, B), (A, C), (B, D), (C, D)}</a:t>
+            </a:r>
+            <a:endParaRPr lang="pt-BR" sz="2000" dirty="0">
+              <a:latin typeface="Calibri" panose="020F0502020204030204" pitchFamily="34" charset="0"/>
+            </a:endParaRPr>
+          </a:p>
+        </p:txBody>
+      </p:sp>
+    </p:spTree>
+    <p:extLst>
+      <p:ext uri="{BB962C8B-B14F-4D97-AF65-F5344CB8AC3E}">
+        <p14:creationId xmlns:p14="http://schemas.microsoft.com/office/powerpoint/2010/main" val="2470652989"/>
+      </p:ext>
+    </p:extLst>
+  </p:cSld>
+  <p:clrMapOvr>
+    <a:masterClrMapping/>
+  </p:clrMapOvr>
+  <p:transition spd="med"/>
+</p:sld>
+</file>
+
+<file path=ppt/slides/slide14.xml><?xml version="1.0" encoding="utf-8"?>
+<p:sld xmlns:a="http://schemas.openxmlformats.org/drawingml/2006/main" xmlns:r="http://schemas.openxmlformats.org/officeDocument/2006/relationships" xmlns:p="http://schemas.openxmlformats.org/presentationml/2006/main">
+  <p:cSld>
+    <p:spTree>
+      <p:nvGrpSpPr>
+        <p:cNvPr id="1" name="">
+          <a:extLst>
+            <a:ext uri="{FF2B5EF4-FFF2-40B4-BE49-F238E27FC236}">
+              <a16:creationId xmlns:a16="http://schemas.microsoft.com/office/drawing/2014/main" id="{E26B1008-9AE4-591F-B94B-79524F538E5F}"/>
+            </a:ext>
+          </a:extLst>
+        </p:cNvPr>
+        <p:cNvGrpSpPr/>
+        <p:nvPr/>
+      </p:nvGrpSpPr>
+      <p:grpSpPr>
+        <a:xfrm>
+          <a:off x="0" y="0"/>
+          <a:ext cx="0" cy="0"/>
+          <a:chOff x="0" y="0"/>
+          <a:chExt cx="0" cy="0"/>
+        </a:xfrm>
+      </p:grpSpPr>
+      <p:sp>
+        <p:nvSpPr>
+          <p:cNvPr id="6" name="Title 1">
+            <a:extLst>
+              <a:ext uri="{FF2B5EF4-FFF2-40B4-BE49-F238E27FC236}">
+                <a16:creationId xmlns:a16="http://schemas.microsoft.com/office/drawing/2014/main" id="{8ADC06D0-EFC9-46C0-7BF6-4CB69C6EC8A0}"/>
+              </a:ext>
+            </a:extLst>
+          </p:cNvPr>
+          <p:cNvSpPr>
+            <a:spLocks noGrp="1"/>
+          </p:cNvSpPr>
+          <p:nvPr>
+            <p:ph type="title"/>
+          </p:nvPr>
+        </p:nvSpPr>
+        <p:spPr>
+          <a:xfrm>
+            <a:off x="457200" y="205980"/>
+            <a:ext cx="8229600" cy="857251"/>
+          </a:xfrm>
+        </p:spPr>
+        <p:txBody>
+          <a:bodyPr>
+            <a:normAutofit/>
+          </a:bodyPr>
+          <a:lstStyle/>
+          <a:p>
+            <a:r>
+              <a:rPr lang="en-US" b="1" dirty="0" err="1">
+                <a:solidFill>
+                  <a:srgbClr val="0070C0"/>
+                </a:solidFill>
+              </a:rPr>
+              <a:t>Dinâmica</a:t>
+            </a:r>
+            <a:r>
+              <a:rPr lang="en-US" b="1" dirty="0">
+                <a:solidFill>
+                  <a:srgbClr val="0070C0"/>
+                </a:solidFill>
+              </a:rPr>
+              <a:t>/</a:t>
+            </a:r>
+            <a:r>
+              <a:rPr lang="en-US" b="1" dirty="0" err="1">
+                <a:solidFill>
+                  <a:srgbClr val="0070C0"/>
+                </a:solidFill>
+              </a:rPr>
+              <a:t>Atividades</a:t>
+            </a:r>
+            <a:endParaRPr lang="en-US" b="1" dirty="0">
+              <a:solidFill>
+                <a:srgbClr val="0070C0"/>
+              </a:solidFill>
+            </a:endParaRPr>
+          </a:p>
+        </p:txBody>
+      </p:sp>
+      <p:sp>
+        <p:nvSpPr>
+          <p:cNvPr id="8" name="Text Placeholder 2">
+            <a:extLst>
+              <a:ext uri="{FF2B5EF4-FFF2-40B4-BE49-F238E27FC236}">
+                <a16:creationId xmlns:a16="http://schemas.microsoft.com/office/drawing/2014/main" id="{910D724B-AFCA-FE3C-97C2-FB2D70E1365B}"/>
+              </a:ext>
+            </a:extLst>
+          </p:cNvPr>
+          <p:cNvSpPr>
+            <a:spLocks noGrp="1"/>
+          </p:cNvSpPr>
+          <p:nvPr>
+            <p:ph type="body" sz="half" idx="1"/>
+          </p:nvPr>
+        </p:nvSpPr>
+        <p:spPr>
+          <a:xfrm>
+            <a:off x="139472" y="1063230"/>
+            <a:ext cx="8865056" cy="3606305"/>
+          </a:xfrm>
+        </p:spPr>
+        <p:txBody>
+          <a:bodyPr>
+            <a:noAutofit/>
+          </a:bodyPr>
+          <a:lstStyle/>
+          <a:p>
+            <a:pPr marL="0" indent="0" algn="just">
+              <a:buNone/>
+            </a:pPr>
+            <a:r>
+              <a:rPr lang="pt-BR" sz="2000" b="1" dirty="0">
+                <a:latin typeface="Times New Roman" panose="02020603050405020304" pitchFamily="18" charset="0"/>
+                <a:cs typeface="Times New Roman" panose="02020603050405020304" pitchFamily="18" charset="0"/>
+              </a:rPr>
+              <a:t>Exercício 3:</a:t>
+            </a:r>
+          </a:p>
+          <a:p>
+            <a:pPr marL="0" indent="0" algn="just">
+              <a:buNone/>
+            </a:pPr>
+            <a:r>
+              <a:rPr lang="pt-BR" sz="2000" dirty="0">
+                <a:latin typeface="Times New Roman" panose="02020603050405020304" pitchFamily="18" charset="0"/>
+                <a:cs typeface="Times New Roman" panose="02020603050405020304" pitchFamily="18" charset="0"/>
+              </a:rPr>
+              <a:t>	Identifique se o grafo definido pelo conjunto:</a:t>
+            </a:r>
+          </a:p>
+          <a:p>
+            <a:pPr marL="0" indent="0" algn="just">
+              <a:buNone/>
+            </a:pPr>
+            <a:endParaRPr lang="pt-BR" sz="2000" dirty="0">
+              <a:latin typeface="Times New Roman" panose="02020603050405020304" pitchFamily="18" charset="0"/>
+              <a:cs typeface="Times New Roman" panose="02020603050405020304" pitchFamily="18" charset="0"/>
+            </a:endParaRPr>
+          </a:p>
+          <a:p>
+            <a:pPr algn="just">
+              <a:buFont typeface="Wingdings" panose="05000000000000000000" pitchFamily="2" charset="2"/>
+              <a:buChar char="§"/>
+            </a:pPr>
+            <a:r>
+              <a:rPr lang="pt-BR" sz="2000" b="1" dirty="0">
+                <a:solidFill>
+                  <a:schemeClr val="tx1"/>
+                </a:solidFill>
+                <a:latin typeface="Times New Roman" panose="02020603050405020304" pitchFamily="18" charset="0"/>
+                <a:cs typeface="Times New Roman" panose="02020603050405020304" pitchFamily="18" charset="0"/>
+              </a:rPr>
+              <a:t>Vértices</a:t>
+            </a:r>
+            <a:r>
+              <a:rPr lang="pt-BR" sz="2000" dirty="0">
+                <a:latin typeface="Times New Roman" panose="02020603050405020304" pitchFamily="18" charset="0"/>
+                <a:cs typeface="Times New Roman" panose="02020603050405020304" pitchFamily="18" charset="0"/>
+              </a:rPr>
+              <a:t> = {1, 2, 3, 4}</a:t>
+            </a:r>
+          </a:p>
+          <a:p>
+            <a:pPr algn="just">
+              <a:buFont typeface="Wingdings" panose="05000000000000000000" pitchFamily="2" charset="2"/>
+              <a:buChar char="§"/>
+            </a:pPr>
+            <a:r>
+              <a:rPr lang="pt-BR" sz="2000" b="1" dirty="0">
+                <a:solidFill>
+                  <a:srgbClr val="FF0000"/>
+                </a:solidFill>
+                <a:latin typeface="Times New Roman" panose="02020603050405020304" pitchFamily="18" charset="0"/>
+                <a:cs typeface="Times New Roman" panose="02020603050405020304" pitchFamily="18" charset="0"/>
+              </a:rPr>
+              <a:t>Arestas</a:t>
+            </a:r>
+            <a:r>
+              <a:rPr lang="pt-BR" sz="2000" dirty="0">
+                <a:latin typeface="Times New Roman" panose="02020603050405020304" pitchFamily="18" charset="0"/>
+                <a:cs typeface="Times New Roman" panose="02020603050405020304" pitchFamily="18" charset="0"/>
+              </a:rPr>
+              <a:t> = {(1,2), (2,3), (3,4), (4,1), (1,3)} é um grafo completo. Justifique.</a:t>
+            </a:r>
+          </a:p>
+          <a:p>
+            <a:pPr marL="0" indent="0" algn="just">
+              <a:buNone/>
+            </a:pPr>
+            <a:endParaRPr lang="pt-BR" sz="2000" dirty="0">
+              <a:latin typeface="Times New Roman" panose="02020603050405020304" pitchFamily="18" charset="0"/>
+              <a:cs typeface="Times New Roman" panose="02020603050405020304" pitchFamily="18" charset="0"/>
+            </a:endParaRPr>
+          </a:p>
+          <a:p>
+            <a:pPr marL="0" indent="0" algn="just">
+              <a:buNone/>
+            </a:pPr>
+            <a:r>
+              <a:rPr lang="pt-BR" sz="2000" b="1" dirty="0">
+                <a:latin typeface="Times New Roman" panose="02020603050405020304" pitchFamily="18" charset="0"/>
+                <a:cs typeface="Times New Roman" panose="02020603050405020304" pitchFamily="18" charset="0"/>
+              </a:rPr>
+              <a:t>Exercício 4 </a:t>
+            </a:r>
+            <a:r>
+              <a:rPr lang="pt-BR" sz="2000" dirty="0">
+                <a:latin typeface="Times New Roman" panose="02020603050405020304" pitchFamily="18" charset="0"/>
+                <a:cs typeface="Times New Roman" panose="02020603050405020304" pitchFamily="18" charset="0"/>
+              </a:rPr>
+              <a:t>(</a:t>
+            </a:r>
+            <a:r>
+              <a:rPr lang="pt-BR" sz="2000" b="1" dirty="0">
+                <a:solidFill>
+                  <a:srgbClr val="FF0000"/>
+                </a:solidFill>
+                <a:latin typeface="Times New Roman" panose="02020603050405020304" pitchFamily="18" charset="0"/>
+                <a:cs typeface="Times New Roman" panose="02020603050405020304" pitchFamily="18" charset="0"/>
+              </a:rPr>
+              <a:t>desafio</a:t>
+            </a:r>
+            <a:r>
+              <a:rPr lang="pt-BR" sz="2000" dirty="0">
+                <a:latin typeface="Times New Roman" panose="02020603050405020304" pitchFamily="18" charset="0"/>
+                <a:cs typeface="Times New Roman" panose="02020603050405020304" pitchFamily="18" charset="0"/>
+              </a:rPr>
+              <a:t>):</a:t>
+            </a:r>
+          </a:p>
+          <a:p>
+            <a:pPr marL="0" indent="0" algn="just">
+              <a:buNone/>
+            </a:pPr>
+            <a:r>
+              <a:rPr lang="pt-BR" sz="2000" dirty="0">
+                <a:latin typeface="Times New Roman" panose="02020603050405020304" pitchFamily="18" charset="0"/>
+                <a:cs typeface="Times New Roman" panose="02020603050405020304" pitchFamily="18" charset="0"/>
+              </a:rPr>
+              <a:t>	Implemente em uma linguagem de programação (</a:t>
+            </a:r>
+            <a:r>
+              <a:rPr lang="pt-BR" sz="2000" b="1" dirty="0">
+                <a:solidFill>
+                  <a:srgbClr val="FF0000"/>
+                </a:solidFill>
+                <a:latin typeface="Times New Roman" panose="02020603050405020304" pitchFamily="18" charset="0"/>
+                <a:cs typeface="Times New Roman" panose="02020603050405020304" pitchFamily="18" charset="0"/>
+              </a:rPr>
+              <a:t>Python, Java, C </a:t>
+            </a:r>
+            <a:r>
+              <a:rPr lang="pt-BR" sz="2000" dirty="0">
+                <a:latin typeface="Times New Roman" panose="02020603050405020304" pitchFamily="18" charset="0"/>
+                <a:cs typeface="Times New Roman" panose="02020603050405020304" pitchFamily="18" charset="0"/>
+              </a:rPr>
+              <a:t>ou outra) uma </a:t>
+            </a:r>
+            <a:r>
+              <a:rPr lang="pt-BR" sz="2000" b="1" dirty="0">
+                <a:latin typeface="Times New Roman" panose="02020603050405020304" pitchFamily="18" charset="0"/>
+                <a:cs typeface="Times New Roman" panose="02020603050405020304" pitchFamily="18" charset="0"/>
+              </a:rPr>
+              <a:t>função</a:t>
+            </a:r>
+            <a:r>
+              <a:rPr lang="pt-BR" sz="2000" dirty="0">
+                <a:latin typeface="Times New Roman" panose="02020603050405020304" pitchFamily="18" charset="0"/>
+                <a:cs typeface="Times New Roman" panose="02020603050405020304" pitchFamily="18" charset="0"/>
+              </a:rPr>
+              <a:t> para representar um </a:t>
+            </a:r>
+            <a:r>
+              <a:rPr lang="pt-BR" sz="2000" b="1" dirty="0">
+                <a:latin typeface="Times New Roman" panose="02020603050405020304" pitchFamily="18" charset="0"/>
+                <a:cs typeface="Times New Roman" panose="02020603050405020304" pitchFamily="18" charset="0"/>
+              </a:rPr>
+              <a:t>grafo utilizando lista de adjacência</a:t>
+            </a:r>
+            <a:r>
+              <a:rPr lang="pt-BR" sz="2000" dirty="0">
+                <a:latin typeface="Times New Roman" panose="02020603050405020304" pitchFamily="18" charset="0"/>
+                <a:cs typeface="Times New Roman" panose="02020603050405020304" pitchFamily="18" charset="0"/>
+              </a:rPr>
+              <a:t>.</a:t>
+            </a:r>
+          </a:p>
+          <a:p>
+            <a:pPr marL="0" indent="0" algn="just">
+              <a:buNone/>
+            </a:pPr>
+            <a:endParaRPr lang="pt-BR" sz="2000" dirty="0">
+              <a:latin typeface="Calibri" panose="020F0502020204030204" pitchFamily="34" charset="0"/>
+            </a:endParaRPr>
+          </a:p>
+        </p:txBody>
+      </p:sp>
+    </p:spTree>
+    <p:extLst>
+      <p:ext uri="{BB962C8B-B14F-4D97-AF65-F5344CB8AC3E}">
+        <p14:creationId xmlns:p14="http://schemas.microsoft.com/office/powerpoint/2010/main" val="1881761007"/>
+      </p:ext>
+    </p:extLst>
+  </p:cSld>
+  <p:clrMapOvr>
+    <a:masterClrMapping/>
+  </p:clrMapOvr>
+  <p:transition spd="med"/>
+</p:sld>
+</file>
+
+<file path=ppt/slides/slide15.xml><?xml version="1.0" encoding="utf-8"?>
+<p:sld xmlns:a="http://schemas.openxmlformats.org/drawingml/2006/main" xmlns:r="http://schemas.openxmlformats.org/officeDocument/2006/relationships" xmlns:p="http://schemas.openxmlformats.org/presentationml/2006/main">
+  <p:cSld>
+    <p:spTree>
+      <p:nvGrpSpPr>
+        <p:cNvPr id="1" name=""/>
+        <p:cNvGrpSpPr/>
+        <p:nvPr/>
+      </p:nvGrpSpPr>
+      <p:grpSpPr>
+        <a:xfrm>
+          <a:off x="0" y="0"/>
+          <a:ext cx="0" cy="0"/>
+          <a:chOff x="0" y="0"/>
+          <a:chExt cx="0" cy="0"/>
+        </a:xfrm>
+      </p:grpSpPr>
+      <p:sp>
+        <p:nvSpPr>
+          <p:cNvPr id="6" name="Title 1"/>
+          <p:cNvSpPr>
+            <a:spLocks noGrp="1"/>
+          </p:cNvSpPr>
+          <p:nvPr>
+            <p:ph type="title"/>
+          </p:nvPr>
+        </p:nvSpPr>
+        <p:spPr>
+          <a:xfrm>
+            <a:off x="457200" y="205980"/>
+            <a:ext cx="8229600" cy="857251"/>
+          </a:xfrm>
+        </p:spPr>
+        <p:txBody>
+          <a:bodyPr>
+            <a:normAutofit/>
+          </a:bodyPr>
+          <a:lstStyle/>
+          <a:p>
+            <a:r>
+              <a:rPr lang="en-US" b="1" dirty="0" err="1">
+                <a:solidFill>
+                  <a:srgbClr val="0070C0"/>
+                </a:solidFill>
+              </a:rPr>
+              <a:t>Referências</a:t>
+            </a:r>
+            <a:r>
+              <a:rPr lang="en-US" b="1" dirty="0">
+                <a:solidFill>
+                  <a:srgbClr val="0070C0"/>
+                </a:solidFill>
+              </a:rPr>
+              <a:t> </a:t>
+            </a:r>
+            <a:r>
+              <a:rPr lang="en-US" b="1" dirty="0" err="1">
+                <a:solidFill>
+                  <a:srgbClr val="0070C0"/>
+                </a:solidFill>
+              </a:rPr>
+              <a:t>Bibliográficas</a:t>
+            </a:r>
+            <a:endParaRPr lang="en-US" b="1" dirty="0">
+              <a:solidFill>
+                <a:srgbClr val="0070C0"/>
+              </a:solidFill>
+            </a:endParaRPr>
+          </a:p>
+        </p:txBody>
+      </p:sp>
+      <p:sp>
+        <p:nvSpPr>
+          <p:cNvPr id="8" name="Text Placeholder 2"/>
+          <p:cNvSpPr>
+            <a:spLocks noGrp="1"/>
+          </p:cNvSpPr>
+          <p:nvPr>
+            <p:ph type="body" sz="half" idx="1"/>
+          </p:nvPr>
+        </p:nvSpPr>
+        <p:spPr>
+          <a:xfrm>
+            <a:off x="142865" y="1106021"/>
+            <a:ext cx="8865056" cy="3858393"/>
+          </a:xfrm>
+        </p:spPr>
+        <p:txBody>
+          <a:bodyPr>
+            <a:noAutofit/>
+          </a:bodyPr>
+          <a:lstStyle/>
+          <a:p>
+            <a:pPr marL="0" indent="0" algn="just">
+              <a:buNone/>
+            </a:pPr>
+            <a:r>
+              <a:rPr lang="pt-BR" sz="1800" dirty="0">
+                <a:latin typeface="Times New Roman" panose="02020603050405020304" pitchFamily="18" charset="0"/>
+                <a:cs typeface="Times New Roman" panose="02020603050405020304" pitchFamily="18" charset="0"/>
+              </a:rPr>
+              <a:t>[1] </a:t>
+            </a:r>
+            <a:r>
+              <a:rPr lang="en-US" sz="1800" dirty="0">
+                <a:latin typeface="Times New Roman" panose="02020603050405020304" pitchFamily="18" charset="0"/>
+                <a:cs typeface="Times New Roman" panose="02020603050405020304" pitchFamily="18" charset="0"/>
+              </a:rPr>
+              <a:t>CORMEN, Thomas H. et al. </a:t>
+            </a:r>
+            <a:r>
+              <a:rPr lang="pt-BR" sz="1800" b="1" dirty="0">
+                <a:latin typeface="Times New Roman" panose="02020603050405020304" pitchFamily="18" charset="0"/>
+                <a:cs typeface="Times New Roman" panose="02020603050405020304" pitchFamily="18" charset="0"/>
+              </a:rPr>
+              <a:t>Algoritmos: teoria e prática</a:t>
+            </a:r>
+            <a:r>
+              <a:rPr lang="pt-BR" sz="1800" dirty="0">
+                <a:latin typeface="Times New Roman" panose="02020603050405020304" pitchFamily="18" charset="0"/>
+                <a:cs typeface="Times New Roman" panose="02020603050405020304" pitchFamily="18" charset="0"/>
+              </a:rPr>
+              <a:t>. 3. ed. Rio de Janeiro: Elsevier, 2012</a:t>
+            </a:r>
+          </a:p>
+          <a:p>
+            <a:pPr marL="0" indent="0" algn="just">
+              <a:buNone/>
+            </a:pPr>
+            <a:endParaRPr lang="pt-BR" sz="1800" dirty="0">
+              <a:latin typeface="Times New Roman" panose="02020603050405020304" pitchFamily="18" charset="0"/>
+              <a:cs typeface="Times New Roman" panose="02020603050405020304" pitchFamily="18" charset="0"/>
+            </a:endParaRPr>
+          </a:p>
+          <a:p>
+            <a:pPr marL="0" indent="0" algn="just">
+              <a:buNone/>
+            </a:pPr>
+            <a:r>
+              <a:rPr lang="pt-BR" sz="1800" dirty="0">
+                <a:latin typeface="Times New Roman" panose="02020603050405020304" pitchFamily="18" charset="0"/>
+                <a:cs typeface="Times New Roman" panose="02020603050405020304" pitchFamily="18" charset="0"/>
+              </a:rPr>
+              <a:t>[2] </a:t>
+            </a:r>
+            <a:r>
+              <a:rPr lang="en-US" sz="1800" dirty="0">
+                <a:latin typeface="Times New Roman" panose="02020603050405020304" pitchFamily="18" charset="0"/>
+                <a:cs typeface="Times New Roman" panose="02020603050405020304" pitchFamily="18" charset="0"/>
+              </a:rPr>
+              <a:t>SZWARCFITER, Jayme Luiz; MARKENZON, Lilian. </a:t>
+            </a:r>
+            <a:r>
+              <a:rPr lang="pt-BR" sz="1800" b="1" dirty="0">
+                <a:latin typeface="Times New Roman" panose="02020603050405020304" pitchFamily="18" charset="0"/>
+                <a:cs typeface="Times New Roman" panose="02020603050405020304" pitchFamily="18" charset="0"/>
+              </a:rPr>
+              <a:t>Grafos e algoritmos computacionais</a:t>
+            </a:r>
+            <a:r>
+              <a:rPr lang="pt-BR" sz="1800" dirty="0">
+                <a:latin typeface="Times New Roman" panose="02020603050405020304" pitchFamily="18" charset="0"/>
+                <a:cs typeface="Times New Roman" panose="02020603050405020304" pitchFamily="18" charset="0"/>
+              </a:rPr>
+              <a:t>. 3. ed. Rio de Janeiro: Elsevier, 2018.</a:t>
+            </a:r>
+          </a:p>
+          <a:p>
+            <a:pPr marL="0" indent="0" algn="just">
+              <a:buNone/>
+            </a:pPr>
+            <a:endParaRPr lang="pt-BR" sz="1800" dirty="0">
+              <a:latin typeface="Times New Roman" panose="02020603050405020304" pitchFamily="18" charset="0"/>
+              <a:cs typeface="Times New Roman" panose="02020603050405020304" pitchFamily="18" charset="0"/>
+            </a:endParaRPr>
+          </a:p>
+          <a:p>
+            <a:pPr marL="0" indent="0" algn="just">
+              <a:buNone/>
+            </a:pPr>
+            <a:r>
+              <a:rPr lang="pt-BR" sz="1800" dirty="0">
+                <a:latin typeface="Times New Roman" panose="02020603050405020304" pitchFamily="18" charset="0"/>
+                <a:cs typeface="Times New Roman" panose="02020603050405020304" pitchFamily="18" charset="0"/>
+              </a:rPr>
+              <a:t>[3] </a:t>
+            </a:r>
+            <a:r>
+              <a:rPr lang="en-US" sz="1800" dirty="0">
+                <a:latin typeface="Times New Roman" panose="02020603050405020304" pitchFamily="18" charset="0"/>
+                <a:cs typeface="Times New Roman" panose="02020603050405020304" pitchFamily="18" charset="0"/>
+              </a:rPr>
+              <a:t>GROSS, Jonathan L.; YELLEN, Jay. </a:t>
+            </a:r>
+            <a:r>
+              <a:rPr lang="en-US" sz="1800" b="1" dirty="0">
+                <a:latin typeface="Times New Roman" panose="02020603050405020304" pitchFamily="18" charset="0"/>
+                <a:cs typeface="Times New Roman" panose="02020603050405020304" pitchFamily="18" charset="0"/>
+              </a:rPr>
+              <a:t>Graph theory and its applications</a:t>
+            </a:r>
+            <a:r>
+              <a:rPr lang="en-US" sz="1800" dirty="0">
+                <a:latin typeface="Times New Roman" panose="02020603050405020304" pitchFamily="18" charset="0"/>
+                <a:cs typeface="Times New Roman" panose="02020603050405020304" pitchFamily="18" charset="0"/>
+              </a:rPr>
+              <a:t>. </a:t>
+            </a:r>
+            <a:r>
+              <a:rPr lang="pt-BR" sz="1800" dirty="0">
+                <a:latin typeface="Times New Roman" panose="02020603050405020304" pitchFamily="18" charset="0"/>
+                <a:cs typeface="Times New Roman" panose="02020603050405020304" pitchFamily="18" charset="0"/>
+              </a:rPr>
+              <a:t>2. ed. Boca Raton: Chapman &amp; Hall/CRC, 2006.</a:t>
+            </a:r>
+          </a:p>
+          <a:p>
+            <a:pPr marL="0" indent="0" algn="just">
+              <a:buNone/>
+            </a:pPr>
+            <a:endParaRPr lang="en-US" sz="1800" dirty="0">
+              <a:latin typeface="Times New Roman" panose="02020603050405020304" pitchFamily="18" charset="0"/>
+              <a:cs typeface="Times New Roman" panose="02020603050405020304" pitchFamily="18" charset="0"/>
+            </a:endParaRPr>
+          </a:p>
+          <a:p>
+            <a:pPr marL="0" indent="0" algn="just">
+              <a:buNone/>
+            </a:pPr>
+            <a:r>
+              <a:rPr lang="pt-BR" sz="1800" dirty="0">
+                <a:latin typeface="Times New Roman" panose="02020603050405020304" pitchFamily="18" charset="0"/>
+                <a:cs typeface="Times New Roman" panose="02020603050405020304" pitchFamily="18" charset="0"/>
+              </a:rPr>
+              <a:t>[4] </a:t>
+            </a:r>
+            <a:r>
+              <a:rPr lang="en-US" sz="1800" dirty="0">
+                <a:latin typeface="Times New Roman" panose="02020603050405020304" pitchFamily="18" charset="0"/>
+                <a:cs typeface="Times New Roman" panose="02020603050405020304" pitchFamily="18" charset="0"/>
+              </a:rPr>
+              <a:t>KNUTH, Donald E. </a:t>
+            </a:r>
+            <a:r>
+              <a:rPr lang="en-US" sz="1800" b="1" dirty="0">
+                <a:latin typeface="Times New Roman" panose="02020603050405020304" pitchFamily="18" charset="0"/>
+                <a:cs typeface="Times New Roman" panose="02020603050405020304" pitchFamily="18" charset="0"/>
+              </a:rPr>
+              <a:t>The art of computer programming, volume 1: fundamental algorithms</a:t>
+            </a:r>
+            <a:r>
+              <a:rPr lang="en-US" sz="1800" dirty="0">
+                <a:latin typeface="Times New Roman" panose="02020603050405020304" pitchFamily="18" charset="0"/>
+                <a:cs typeface="Times New Roman" panose="02020603050405020304" pitchFamily="18" charset="0"/>
+              </a:rPr>
+              <a:t>. </a:t>
+            </a:r>
+            <a:r>
+              <a:rPr lang="pt-BR" sz="1800" dirty="0">
+                <a:latin typeface="Times New Roman" panose="02020603050405020304" pitchFamily="18" charset="0"/>
+                <a:cs typeface="Times New Roman" panose="02020603050405020304" pitchFamily="18" charset="0"/>
+              </a:rPr>
+              <a:t>3. ed. Boston: Addison-Wesley, 1997.</a:t>
+            </a:r>
+          </a:p>
+        </p:txBody>
+      </p:sp>
+    </p:spTree>
+    <p:extLst>
+      <p:ext uri="{BB962C8B-B14F-4D97-AF65-F5344CB8AC3E}">
+        <p14:creationId xmlns:p14="http://schemas.microsoft.com/office/powerpoint/2010/main" val="1115311843"/>
+      </p:ext>
+    </p:extLst>
+  </p:cSld>
+  <p:clrMapOvr>
+    <a:masterClrMapping/>
+  </p:clrMapOvr>
+  <p:transition spd="med"/>
+</p:sld>
+</file>
+
+<file path=ppt/slides/slide16.xml><?xml version="1.0" encoding="utf-8"?>
+<p:sld xmlns:a="http://schemas.openxmlformats.org/drawingml/2006/main" xmlns:r="http://schemas.openxmlformats.org/officeDocument/2006/relationships" xmlns:p="http://schemas.openxmlformats.org/presentationml/2006/main">
+  <p:cSld>
+    <p:spTree>
+      <p:nvGrpSpPr>
+        <p:cNvPr id="1" name=""/>
+        <p:cNvGrpSpPr/>
+        <p:nvPr/>
+      </p:nvGrpSpPr>
+      <p:grpSpPr>
+        <a:xfrm>
+          <a:off x="0" y="0"/>
+          <a:ext cx="0" cy="0"/>
+          <a:chOff x="0" y="0"/>
+          <a:chExt cx="0" cy="0"/>
+        </a:xfrm>
+      </p:grpSpPr>
+      <p:pic>
+        <p:nvPicPr>
+          <p:cNvPr id="112" name="Picture 6" descr="Picture 6"/>
+          <p:cNvPicPr>
+            <a:picLocks noChangeAspect="1"/>
+          </p:cNvPicPr>
+          <p:nvPr/>
+        </p:nvPicPr>
+        <p:blipFill>
+          <a:blip r:embed="rId2"/>
+          <a:stretch>
+            <a:fillRect/>
+          </a:stretch>
+        </p:blipFill>
+        <p:spPr>
+          <a:xfrm>
+            <a:off x="0" y="0"/>
+            <a:ext cx="9144000" cy="5143500"/>
+          </a:xfrm>
+          <a:prstGeom prst="rect">
+            <a:avLst/>
+          </a:prstGeom>
+          <a:ln w="12700">
+            <a:miter lim="400000"/>
+            <a:headEnd/>
+            <a:tailEnd/>
+          </a:ln>
+        </p:spPr>
+      </p:pic>
+      <p:pic>
+        <p:nvPicPr>
+          <p:cNvPr id="114" name="Picture 5" descr="Picture 5"/>
+          <p:cNvPicPr>
+            <a:picLocks noChangeAspect="1"/>
+          </p:cNvPicPr>
+          <p:nvPr/>
+        </p:nvPicPr>
+        <p:blipFill>
+          <a:blip r:embed="rId3"/>
+          <a:stretch>
+            <a:fillRect/>
+          </a:stretch>
+        </p:blipFill>
+        <p:spPr>
+          <a:xfrm>
+            <a:off x="469900" y="0"/>
+            <a:ext cx="4391984" cy="171450"/>
+          </a:xfrm>
+          <a:prstGeom prst="rect">
+            <a:avLst/>
+          </a:prstGeom>
+          <a:ln w="12700">
+            <a:miter lim="400000"/>
+            <a:headEnd/>
+            <a:tailEnd/>
+          </a:ln>
+        </p:spPr>
+      </p:pic>
+      <p:sp>
+        <p:nvSpPr>
+          <p:cNvPr id="3" name="Título 2"/>
+          <p:cNvSpPr>
+            <a:spLocks noGrp="1"/>
+          </p:cNvSpPr>
+          <p:nvPr>
+            <p:ph type="title"/>
+          </p:nvPr>
+        </p:nvSpPr>
+        <p:spPr>
+          <a:xfrm>
+            <a:off x="285751" y="2386770"/>
+            <a:ext cx="8615364" cy="1102519"/>
+          </a:xfrm>
+        </p:spPr>
+        <p:txBody>
+          <a:bodyPr>
+            <a:noAutofit/>
+          </a:bodyPr>
+          <a:lstStyle/>
+          <a:p>
+            <a:r>
+              <a:rPr lang="pt-BR" sz="4800" b="1" dirty="0">
+                <a:solidFill>
+                  <a:schemeClr val="bg1"/>
+                </a:solidFill>
+              </a:rPr>
+              <a:t>Algoritmos e Complexidade</a:t>
+            </a:r>
+          </a:p>
+        </p:txBody>
+      </p:sp>
+      <p:sp>
+        <p:nvSpPr>
+          <p:cNvPr id="6" name="Título 2"/>
+          <p:cNvSpPr txBox="1"/>
+          <p:nvPr/>
+        </p:nvSpPr>
+        <p:spPr>
+          <a:xfrm>
+            <a:off x="975683" y="3866663"/>
+            <a:ext cx="7772400" cy="1102519"/>
+          </a:xfrm>
+          <a:prstGeom prst="rect">
+            <a:avLst/>
+          </a:prstGeom>
+          <a:ln w="12700">
+            <a:miter lim="400000"/>
+          </a:ln>
+        </p:spPr>
+        <p:txBody>
+          <a:bodyPr lIns="45718" tIns="45718" rIns="45718" bIns="45718" anchor="ctr">
+            <a:noAutofit/>
+          </a:bodyPr>
+          <a:lstStyle>
+            <a:lvl1pPr marL="0" marR="0" indent="0" algn="ctr" defTabSz="457200" rtl="0" latinLnBrk="0">
+              <a:lnSpc>
+                <a:spcPct val="100000"/>
+              </a:lnSpc>
+              <a:spcBef>
+                <a:spcPts val="0"/>
+              </a:spcBef>
+              <a:spcAft>
+                <a:spcPts val="0"/>
+              </a:spcAft>
+              <a:buClrTx/>
+              <a:buSzTx/>
+              <a:buFontTx/>
+              <a:buNone/>
+              <a:defRPr sz="4400" b="0" i="0" u="none" strike="noStrike" cap="none" spc="0" baseline="0">
+                <a:ln>
+                  <a:noFill/>
+                </a:ln>
+                <a:solidFill>
+                  <a:srgbClr val="000000"/>
+                </a:solidFill>
+                <a:uFillTx/>
+                <a:latin typeface="+mj-lt"/>
+                <a:ea typeface="+mj-ea"/>
+                <a:cs typeface="+mj-cs"/>
+                <a:sym typeface="Calibri"/>
+              </a:defRPr>
+            </a:lvl1pPr>
+            <a:lvl2pPr marL="0" marR="0" indent="0" algn="ctr" defTabSz="457200" rtl="0" latinLnBrk="0">
+              <a:lnSpc>
+                <a:spcPct val="100000"/>
+              </a:lnSpc>
+              <a:spcBef>
+                <a:spcPts val="0"/>
+              </a:spcBef>
+              <a:spcAft>
+                <a:spcPts val="0"/>
+              </a:spcAft>
+              <a:buClrTx/>
+              <a:buSzTx/>
+              <a:buFontTx/>
+              <a:buNone/>
+              <a:defRPr sz="4400" b="0" i="0" u="none" strike="noStrike" cap="none" spc="0" baseline="0">
+                <a:ln>
+                  <a:noFill/>
+                </a:ln>
+                <a:solidFill>
+                  <a:srgbClr val="000000"/>
+                </a:solidFill>
+                <a:uFillTx/>
+                <a:latin typeface="+mj-lt"/>
+                <a:ea typeface="+mj-ea"/>
+                <a:cs typeface="+mj-cs"/>
+                <a:sym typeface="Calibri"/>
+              </a:defRPr>
+            </a:lvl2pPr>
+            <a:lvl3pPr marL="0" marR="0" indent="0" algn="ctr" defTabSz="457200" rtl="0" latinLnBrk="0">
+              <a:lnSpc>
+                <a:spcPct val="100000"/>
+              </a:lnSpc>
+              <a:spcBef>
+                <a:spcPts val="0"/>
+              </a:spcBef>
+              <a:spcAft>
+                <a:spcPts val="0"/>
+              </a:spcAft>
+              <a:buClrTx/>
+              <a:buSzTx/>
+              <a:buFontTx/>
+              <a:buNone/>
+              <a:defRPr sz="4400" b="0" i="0" u="none" strike="noStrike" cap="none" spc="0" baseline="0">
+                <a:ln>
+                  <a:noFill/>
+                </a:ln>
+                <a:solidFill>
+                  <a:srgbClr val="000000"/>
+                </a:solidFill>
+                <a:uFillTx/>
+                <a:latin typeface="+mj-lt"/>
+                <a:ea typeface="+mj-ea"/>
+                <a:cs typeface="+mj-cs"/>
+                <a:sym typeface="Calibri"/>
+              </a:defRPr>
+            </a:lvl3pPr>
+            <a:lvl4pPr marL="0" marR="0" indent="0" algn="ctr" defTabSz="457200" rtl="0" latinLnBrk="0">
+              <a:lnSpc>
+                <a:spcPct val="100000"/>
+              </a:lnSpc>
+              <a:spcBef>
+                <a:spcPts val="0"/>
+              </a:spcBef>
+              <a:spcAft>
+                <a:spcPts val="0"/>
+              </a:spcAft>
+              <a:buClrTx/>
+              <a:buSzTx/>
+              <a:buFontTx/>
+              <a:buNone/>
+              <a:defRPr sz="4400" b="0" i="0" u="none" strike="noStrike" cap="none" spc="0" baseline="0">
+                <a:ln>
+                  <a:noFill/>
+                </a:ln>
+                <a:solidFill>
+                  <a:srgbClr val="000000"/>
+                </a:solidFill>
+                <a:uFillTx/>
+                <a:latin typeface="+mj-lt"/>
+                <a:ea typeface="+mj-ea"/>
+                <a:cs typeface="+mj-cs"/>
+                <a:sym typeface="Calibri"/>
+              </a:defRPr>
+            </a:lvl4pPr>
+            <a:lvl5pPr marL="0" marR="0" indent="0" algn="ctr" defTabSz="457200" rtl="0" latinLnBrk="0">
+              <a:lnSpc>
+                <a:spcPct val="100000"/>
+              </a:lnSpc>
+              <a:spcBef>
+                <a:spcPts val="0"/>
+              </a:spcBef>
+              <a:spcAft>
+                <a:spcPts val="0"/>
+              </a:spcAft>
+              <a:buClrTx/>
+              <a:buSzTx/>
+              <a:buFontTx/>
+              <a:buNone/>
+              <a:defRPr sz="4400" b="0" i="0" u="none" strike="noStrike" cap="none" spc="0" baseline="0">
+                <a:ln>
+                  <a:noFill/>
+                </a:ln>
+                <a:solidFill>
+                  <a:srgbClr val="000000"/>
+                </a:solidFill>
+                <a:uFillTx/>
+                <a:latin typeface="+mj-lt"/>
+                <a:ea typeface="+mj-ea"/>
+                <a:cs typeface="+mj-cs"/>
+                <a:sym typeface="Calibri"/>
+              </a:defRPr>
+            </a:lvl5pPr>
+            <a:lvl6pPr marL="0" marR="0" indent="0" algn="ctr" defTabSz="457200" rtl="0" latinLnBrk="0">
+              <a:lnSpc>
+                <a:spcPct val="100000"/>
+              </a:lnSpc>
+              <a:spcBef>
+                <a:spcPts val="0"/>
+              </a:spcBef>
+              <a:spcAft>
+                <a:spcPts val="0"/>
+              </a:spcAft>
+              <a:buClrTx/>
+              <a:buSzTx/>
+              <a:buFontTx/>
+              <a:buNone/>
+              <a:defRPr sz="4400" b="0" i="0" u="none" strike="noStrike" cap="none" spc="0" baseline="0">
+                <a:ln>
+                  <a:noFill/>
+                </a:ln>
+                <a:solidFill>
+                  <a:srgbClr val="000000"/>
+                </a:solidFill>
+                <a:uFillTx/>
+                <a:latin typeface="+mj-lt"/>
+                <a:ea typeface="+mj-ea"/>
+                <a:cs typeface="+mj-cs"/>
+                <a:sym typeface="Calibri"/>
+              </a:defRPr>
+            </a:lvl6pPr>
+            <a:lvl7pPr marL="0" marR="0" indent="0" algn="ctr" defTabSz="457200" rtl="0" latinLnBrk="0">
+              <a:lnSpc>
+                <a:spcPct val="100000"/>
+              </a:lnSpc>
+              <a:spcBef>
+                <a:spcPts val="0"/>
+              </a:spcBef>
+              <a:spcAft>
+                <a:spcPts val="0"/>
+              </a:spcAft>
+              <a:buClrTx/>
+              <a:buSzTx/>
+              <a:buFontTx/>
+              <a:buNone/>
+              <a:defRPr sz="4400" b="0" i="0" u="none" strike="noStrike" cap="none" spc="0" baseline="0">
+                <a:ln>
+                  <a:noFill/>
+                </a:ln>
+                <a:solidFill>
+                  <a:srgbClr val="000000"/>
+                </a:solidFill>
+                <a:uFillTx/>
+                <a:latin typeface="+mj-lt"/>
+                <a:ea typeface="+mj-ea"/>
+                <a:cs typeface="+mj-cs"/>
+                <a:sym typeface="Calibri"/>
+              </a:defRPr>
+            </a:lvl7pPr>
+            <a:lvl8pPr marL="0" marR="0" indent="0" algn="ctr" defTabSz="457200" rtl="0" latinLnBrk="0">
+              <a:lnSpc>
+                <a:spcPct val="100000"/>
+              </a:lnSpc>
+              <a:spcBef>
+                <a:spcPts val="0"/>
+              </a:spcBef>
+              <a:spcAft>
+                <a:spcPts val="0"/>
+              </a:spcAft>
+              <a:buClrTx/>
+              <a:buSzTx/>
+              <a:buFontTx/>
+              <a:buNone/>
+              <a:defRPr sz="4400" b="0" i="0" u="none" strike="noStrike" cap="none" spc="0" baseline="0">
+                <a:ln>
+                  <a:noFill/>
+                </a:ln>
+                <a:solidFill>
+                  <a:srgbClr val="000000"/>
+                </a:solidFill>
+                <a:uFillTx/>
+                <a:latin typeface="+mj-lt"/>
+                <a:ea typeface="+mj-ea"/>
+                <a:cs typeface="+mj-cs"/>
+                <a:sym typeface="Calibri"/>
+              </a:defRPr>
+            </a:lvl8pPr>
+            <a:lvl9pPr marL="0" marR="0" indent="0" algn="ctr" defTabSz="457200" rtl="0" latinLnBrk="0">
+              <a:lnSpc>
+                <a:spcPct val="100000"/>
+              </a:lnSpc>
+              <a:spcBef>
+                <a:spcPts val="0"/>
+              </a:spcBef>
+              <a:spcAft>
+                <a:spcPts val="0"/>
+              </a:spcAft>
+              <a:buClrTx/>
+              <a:buSzTx/>
+              <a:buFontTx/>
+              <a:buNone/>
+              <a:defRPr sz="4400" b="0" i="0" u="none" strike="noStrike" cap="none" spc="0" baseline="0">
+                <a:ln>
+                  <a:noFill/>
+                </a:ln>
+                <a:solidFill>
+                  <a:srgbClr val="000000"/>
+                </a:solidFill>
+                <a:uFillTx/>
+                <a:latin typeface="+mj-lt"/>
+                <a:ea typeface="+mj-ea"/>
+                <a:cs typeface="+mj-cs"/>
+                <a:sym typeface="Calibri"/>
+              </a:defRPr>
+            </a:lvl9pPr>
+          </a:lstStyle>
+          <a:p>
+            <a:pPr algn="r" hangingPunct="1"/>
+            <a:r>
+              <a:rPr lang="pt-BR" sz="2000" b="1" dirty="0">
+                <a:solidFill>
+                  <a:schemeClr val="bg1"/>
+                </a:solidFill>
+              </a:rPr>
+              <a:t>Professor </a:t>
+            </a:r>
+            <a:r>
+              <a:rPr lang="pt-BR" sz="2000" b="1">
+                <a:solidFill>
+                  <a:schemeClr val="bg1"/>
+                </a:solidFill>
+              </a:rPr>
+              <a:t>M.Sc</a:t>
+            </a:r>
+            <a:r>
+              <a:rPr lang="pt-BR" sz="2000" b="1" dirty="0">
+                <a:solidFill>
+                  <a:schemeClr val="bg1"/>
+                </a:solidFill>
+              </a:rPr>
+              <a:t>. Heleno Cardoso</a:t>
+            </a:r>
+          </a:p>
+        </p:txBody>
+      </p:sp>
+      <p:pic>
+        <p:nvPicPr>
+          <p:cNvPr id="2" name="Google Shape;62;p1" descr="Imagem">
+            <a:extLst>
+              <a:ext uri="{FF2B5EF4-FFF2-40B4-BE49-F238E27FC236}">
+                <a16:creationId xmlns:a16="http://schemas.microsoft.com/office/drawing/2014/main" id="{9C895622-2963-024D-634E-EA58F5381D06}"/>
+              </a:ext>
+            </a:extLst>
+          </p:cNvPr>
+          <p:cNvPicPr preferRelativeResize="0"/>
+          <p:nvPr/>
+        </p:nvPicPr>
+        <p:blipFill rotWithShape="1">
+          <a:blip r:embed="rId4">
+            <a:alphaModFix/>
+          </a:blip>
+          <a:srcRect/>
+          <a:stretch/>
+        </p:blipFill>
+        <p:spPr>
+          <a:xfrm>
+            <a:off x="469898" y="343798"/>
+            <a:ext cx="2858518" cy="1338697"/>
+          </a:xfrm>
+          <a:prstGeom prst="rect">
+            <a:avLst/>
+          </a:prstGeom>
+          <a:noFill/>
+          <a:ln>
+            <a:noFill/>
+          </a:ln>
+        </p:spPr>
+      </p:pic>
+    </p:spTree>
+  </p:cSld>
+  <p:clrMapOvr>
+    <a:masterClrMapping/>
+  </p:clrMapOvr>
+  <p:transition spd="med"/>
+</p:sld>
+</file>
+
 <file path=ppt/slides/slide2.xml><?xml version="1.0" encoding="utf-8"?>
 <p:sld xmlns:a="http://schemas.openxmlformats.org/drawingml/2006/main" xmlns:r="http://schemas.openxmlformats.org/officeDocument/2006/relationships" xmlns:p="http://schemas.openxmlformats.org/presentationml/2006/main">
   <p:cSld>
@@ -4355,12 +7204,28 @@
           <a:lstStyle/>
           <a:p>
             <a:r>
-              <a:rPr lang="en-US" b="1">
+              <a:rPr lang="en-US" b="1" dirty="0" err="1">
                 <a:solidFill>
                   <a:srgbClr val="0070C0"/>
                 </a:solidFill>
               </a:rPr>
               <a:t>Grafos</a:t>
+            </a:r>
+            <a:r>
+              <a:rPr lang="en-US" b="1" dirty="0">
+                <a:solidFill>
+                  <a:srgbClr val="0070C0"/>
+                </a:solidFill>
+              </a:rPr>
+              <a:t>: </a:t>
+            </a:r>
+            <a:r>
+              <a:rPr lang="en-US" b="1" dirty="0" err="1">
+                <a:solidFill>
+                  <a:srgbClr val="0070C0"/>
+                </a:solidFill>
+              </a:rPr>
+              <a:t>Definição</a:t>
             </a:r>
             <a:endParaRPr lang="en-US" b="1" dirty="0">
               <a:solidFill>
@@ -4392,26 +7257,233 @@
           </a:bodyPr>
           <a:lstStyle/>
           <a:p>
-            <a:pPr marL="0" indent="0" algn="just">
+            <a:pPr marL="0" indent="0">
               <a:buNone/>
             </a:pPr>
             <a:r>
-              <a:rPr lang="pt-BR" sz="2000" dirty="0">
-                <a:latin typeface="Times New Roman" panose="02020603050405020304" pitchFamily="18" charset="0"/>
-                <a:cs typeface="Times New Roman" panose="02020603050405020304" pitchFamily="18" charset="0"/>
-              </a:rPr>
-              <a:t>Algoritmos e Complexidade</a:t>
-            </a:r>
-            <a:r>
-              <a:rPr lang="pt-BR" sz="2000" dirty="0">
-                <a:solidFill>
-                  <a:schemeClr val="tx1"/>
-                </a:solidFill>
-                <a:latin typeface="Times New Roman" panose="02020603050405020304" pitchFamily="18" charset="0"/>
-                <a:cs typeface="Times New Roman" panose="02020603050405020304" pitchFamily="18" charset="0"/>
-              </a:rPr>
-              <a:t> ...</a:t>
-            </a:r>
+              <a:rPr lang="pt-BR" sz="2200" dirty="0">
+                <a:latin typeface="Times New Roman" panose="02020603050405020304" pitchFamily="18" charset="0"/>
+                <a:cs typeface="Times New Roman" panose="02020603050405020304" pitchFamily="18" charset="0"/>
+              </a:rPr>
+              <a:t>Um </a:t>
+            </a:r>
+            <a:r>
+              <a:rPr lang="pt-BR" sz="2200" b="1" dirty="0">
+                <a:solidFill>
+                  <a:srgbClr val="FF0000"/>
+                </a:solidFill>
+                <a:latin typeface="Times New Roman" panose="02020603050405020304" pitchFamily="18" charset="0"/>
+                <a:cs typeface="Times New Roman" panose="02020603050405020304" pitchFamily="18" charset="0"/>
+              </a:rPr>
+              <a:t>grafo</a:t>
+            </a:r>
+            <a:r>
+              <a:rPr lang="pt-BR" sz="2200" dirty="0">
+                <a:latin typeface="Times New Roman" panose="02020603050405020304" pitchFamily="18" charset="0"/>
+                <a:cs typeface="Times New Roman" panose="02020603050405020304" pitchFamily="18" charset="0"/>
+              </a:rPr>
+              <a:t> é uma </a:t>
+            </a:r>
+            <a:r>
+              <a:rPr lang="pt-BR" sz="2200" b="1" dirty="0">
+                <a:latin typeface="Times New Roman" panose="02020603050405020304" pitchFamily="18" charset="0"/>
+                <a:cs typeface="Times New Roman" panose="02020603050405020304" pitchFamily="18" charset="0"/>
+              </a:rPr>
+              <a:t>estrutura matemática </a:t>
+            </a:r>
+            <a:r>
+              <a:rPr lang="pt-BR" sz="2200" dirty="0">
+                <a:latin typeface="Times New Roman" panose="02020603050405020304" pitchFamily="18" charset="0"/>
+                <a:cs typeface="Times New Roman" panose="02020603050405020304" pitchFamily="18" charset="0"/>
+              </a:rPr>
+              <a:t>usada para </a:t>
+            </a:r>
+            <a:r>
+              <a:rPr lang="pt-BR" sz="2200" b="1" dirty="0">
+                <a:solidFill>
+                  <a:srgbClr val="FF0000"/>
+                </a:solidFill>
+                <a:latin typeface="Times New Roman" panose="02020603050405020304" pitchFamily="18" charset="0"/>
+                <a:cs typeface="Times New Roman" panose="02020603050405020304" pitchFamily="18" charset="0"/>
+              </a:rPr>
+              <a:t>modelar relações entre objetos</a:t>
+            </a:r>
+            <a:r>
+              <a:rPr lang="pt-BR" sz="2200" dirty="0">
+                <a:latin typeface="Times New Roman" panose="02020603050405020304" pitchFamily="18" charset="0"/>
+                <a:cs typeface="Times New Roman" panose="02020603050405020304" pitchFamily="18" charset="0"/>
+              </a:rPr>
+              <a:t>.</a:t>
+            </a:r>
+          </a:p>
+          <a:p>
+            <a:pPr marL="0" indent="0">
+              <a:buNone/>
+            </a:pPr>
+            <a:endParaRPr lang="pt-BR" sz="2200" dirty="0">
+              <a:latin typeface="Times New Roman" panose="02020603050405020304" pitchFamily="18" charset="0"/>
+              <a:cs typeface="Times New Roman" panose="02020603050405020304" pitchFamily="18" charset="0"/>
+            </a:endParaRPr>
+          </a:p>
+          <a:p>
+            <a:pPr marL="0" indent="0">
+              <a:buNone/>
+            </a:pPr>
+            <a:r>
+              <a:rPr lang="pt-BR" sz="2200" dirty="0">
+                <a:latin typeface="Times New Roman" panose="02020603050405020304" pitchFamily="18" charset="0"/>
+                <a:cs typeface="Times New Roman" panose="02020603050405020304" pitchFamily="18" charset="0"/>
+              </a:rPr>
+              <a:t>Formalmente, um </a:t>
+            </a:r>
+            <a:r>
+              <a:rPr lang="pt-BR" sz="2200" b="1" dirty="0">
+                <a:latin typeface="Times New Roman" panose="02020603050405020304" pitchFamily="18" charset="0"/>
+                <a:cs typeface="Times New Roman" panose="02020603050405020304" pitchFamily="18" charset="0"/>
+              </a:rPr>
+              <a:t>grafo G </a:t>
+            </a:r>
+            <a:r>
+              <a:rPr lang="pt-BR" sz="2200" dirty="0">
+                <a:latin typeface="Times New Roman" panose="02020603050405020304" pitchFamily="18" charset="0"/>
+                <a:cs typeface="Times New Roman" panose="02020603050405020304" pitchFamily="18" charset="0"/>
+              </a:rPr>
+              <a:t>é definido como um </a:t>
+            </a:r>
+            <a:r>
+              <a:rPr lang="pt-BR" sz="2200" b="1" dirty="0">
+                <a:solidFill>
+                  <a:srgbClr val="FF0000"/>
+                </a:solidFill>
+                <a:latin typeface="Times New Roman" panose="02020603050405020304" pitchFamily="18" charset="0"/>
+                <a:cs typeface="Times New Roman" panose="02020603050405020304" pitchFamily="18" charset="0"/>
+              </a:rPr>
+              <a:t>par ordenado</a:t>
+            </a:r>
+            <a:r>
+              <a:rPr lang="pt-BR" sz="2200" dirty="0">
+                <a:latin typeface="Times New Roman" panose="02020603050405020304" pitchFamily="18" charset="0"/>
+                <a:cs typeface="Times New Roman" panose="02020603050405020304" pitchFamily="18" charset="0"/>
+              </a:rPr>
+              <a:t>: G = (V,E) </a:t>
+            </a:r>
+          </a:p>
+          <a:p>
+            <a:pPr marL="0" indent="0">
+              <a:buNone/>
+            </a:pPr>
+            <a:endParaRPr lang="pt-BR" sz="2200" b="1" dirty="0">
+              <a:latin typeface="Times New Roman" panose="02020603050405020304" pitchFamily="18" charset="0"/>
+              <a:cs typeface="Times New Roman" panose="02020603050405020304" pitchFamily="18" charset="0"/>
+            </a:endParaRPr>
+          </a:p>
+          <a:p>
+            <a:pPr marL="0" indent="0">
+              <a:buNone/>
+            </a:pPr>
+            <a:r>
+              <a:rPr lang="pt-BR" sz="2200" b="1" dirty="0">
+                <a:latin typeface="Times New Roman" panose="02020603050405020304" pitchFamily="18" charset="0"/>
+                <a:cs typeface="Times New Roman" panose="02020603050405020304" pitchFamily="18" charset="0"/>
+              </a:rPr>
+              <a:t>Onde</a:t>
+            </a:r>
+            <a:r>
+              <a:rPr lang="pt-BR" sz="2200" dirty="0">
+                <a:latin typeface="Times New Roman" panose="02020603050405020304" pitchFamily="18" charset="0"/>
+                <a:cs typeface="Times New Roman" panose="02020603050405020304" pitchFamily="18" charset="0"/>
+              </a:rPr>
+              <a:t>:</a:t>
+            </a:r>
+          </a:p>
+          <a:p>
+            <a:pPr lvl="0"/>
+            <a:r>
+              <a:rPr lang="pt-BR" sz="2200" dirty="0">
+                <a:latin typeface="Times New Roman" panose="02020603050405020304" pitchFamily="18" charset="0"/>
+                <a:cs typeface="Times New Roman" panose="02020603050405020304" pitchFamily="18" charset="0"/>
+              </a:rPr>
+              <a:t>V é o conjunto de </a:t>
+            </a:r>
+            <a:r>
+              <a:rPr lang="pt-BR" sz="2200" b="1" dirty="0">
+                <a:latin typeface="Times New Roman" panose="02020603050405020304" pitchFamily="18" charset="0"/>
+                <a:cs typeface="Times New Roman" panose="02020603050405020304" pitchFamily="18" charset="0"/>
+              </a:rPr>
+              <a:t>vértices</a:t>
+            </a:r>
+            <a:r>
+              <a:rPr lang="pt-BR" sz="2200" dirty="0">
+                <a:latin typeface="Times New Roman" panose="02020603050405020304" pitchFamily="18" charset="0"/>
+                <a:cs typeface="Times New Roman" panose="02020603050405020304" pitchFamily="18" charset="0"/>
+              </a:rPr>
+              <a:t> (</a:t>
+            </a:r>
+            <a:r>
+              <a:rPr lang="pt-BR" sz="2200" b="1" dirty="0">
+                <a:solidFill>
+                  <a:srgbClr val="FF0000"/>
+                </a:solidFill>
+                <a:latin typeface="Times New Roman" panose="02020603050405020304" pitchFamily="18" charset="0"/>
+                <a:cs typeface="Times New Roman" panose="02020603050405020304" pitchFamily="18" charset="0"/>
+              </a:rPr>
+              <a:t>ou nós</a:t>
+            </a:r>
+            <a:r>
+              <a:rPr lang="pt-BR" sz="2200" dirty="0">
+                <a:latin typeface="Times New Roman" panose="02020603050405020304" pitchFamily="18" charset="0"/>
+                <a:cs typeface="Times New Roman" panose="02020603050405020304" pitchFamily="18" charset="0"/>
+              </a:rPr>
+              <a:t>).</a:t>
+            </a:r>
+          </a:p>
+          <a:p>
+            <a:pPr lvl="0"/>
+            <a:r>
+              <a:rPr lang="pt-BR" sz="2200" dirty="0">
+                <a:latin typeface="Times New Roman" panose="02020603050405020304" pitchFamily="18" charset="0"/>
+                <a:cs typeface="Times New Roman" panose="02020603050405020304" pitchFamily="18" charset="0"/>
+              </a:rPr>
+              <a:t>E é o conjunto de </a:t>
+            </a:r>
+            <a:r>
+              <a:rPr lang="pt-BR" sz="2200" b="1" dirty="0">
+                <a:latin typeface="Times New Roman" panose="02020603050405020304" pitchFamily="18" charset="0"/>
+                <a:cs typeface="Times New Roman" panose="02020603050405020304" pitchFamily="18" charset="0"/>
+              </a:rPr>
+              <a:t>arestas</a:t>
+            </a:r>
+            <a:r>
+              <a:rPr lang="pt-BR" sz="2200" dirty="0">
+                <a:latin typeface="Times New Roman" panose="02020603050405020304" pitchFamily="18" charset="0"/>
+                <a:cs typeface="Times New Roman" panose="02020603050405020304" pitchFamily="18" charset="0"/>
+              </a:rPr>
+              <a:t> (</a:t>
+            </a:r>
+            <a:r>
+              <a:rPr lang="pt-BR" sz="2200" b="1" dirty="0">
+                <a:solidFill>
+                  <a:srgbClr val="FF0000"/>
+                </a:solidFill>
+                <a:latin typeface="Times New Roman" panose="02020603050405020304" pitchFamily="18" charset="0"/>
+                <a:cs typeface="Times New Roman" panose="02020603050405020304" pitchFamily="18" charset="0"/>
+              </a:rPr>
+              <a:t>ou ligações</a:t>
+            </a:r>
+            <a:r>
+              <a:rPr lang="pt-BR" sz="2200" dirty="0">
+                <a:latin typeface="Times New Roman" panose="02020603050405020304" pitchFamily="18" charset="0"/>
+                <a:cs typeface="Times New Roman" panose="02020603050405020304" pitchFamily="18" charset="0"/>
+              </a:rPr>
+              <a:t>) entre os vértices.</a:t>
+            </a:r>
+            <a:endParaRPr lang="pt-BR" sz="2200" dirty="0">
+              <a:solidFill>
+                <a:schemeClr val="tx1"/>
+              </a:solidFill>
+              <a:latin typeface="Times New Roman" panose="02020603050405020304" pitchFamily="18" charset="0"/>
+              <a:cs typeface="Times New Roman" panose="02020603050405020304" pitchFamily="18" charset="0"/>
+            </a:endParaRPr>
           </a:p>
         </p:txBody>
       </p:sp>
@@ -4434,7 +7506,13 @@
   <p:cSld>
     <p:spTree>
       <p:nvGrpSpPr>
-        <p:cNvPr id="1" name=""/>
+        <p:cNvPr id="1" name="">
+          <a:extLst>
+            <a:ext uri="{FF2B5EF4-FFF2-40B4-BE49-F238E27FC236}">
+              <a16:creationId xmlns:a16="http://schemas.microsoft.com/office/drawing/2014/main" id="{D4598C55-AC27-BA1D-A7FD-6052AF4ECC44}"/>
+            </a:ext>
+          </a:extLst>
+        </p:cNvPr>
         <p:cNvGrpSpPr/>
         <p:nvPr/>
       </p:nvGrpSpPr>
@@ -4448,7 +7526,13 @@
       </p:grpSpPr>
       <p:sp>
         <p:nvSpPr>
-          <p:cNvPr id="6" name="Title 1"/>
+          <p:cNvPr id="6" name="Title 1">
+            <a:extLst>
+              <a:ext uri="{FF2B5EF4-FFF2-40B4-BE49-F238E27FC236}">
+                <a16:creationId xmlns:a16="http://schemas.microsoft.com/office/drawing/2014/main" id="{04AC785A-1B79-B9E1-B896-0B84D5F42F4D}"/>
+              </a:ext>
+            </a:extLst>
+          </p:cNvPr>
           <p:cNvSpPr>
             <a:spLocks noGrp="1"/>
           </p:cNvSpPr>
@@ -4474,7 +7558,7 @@
                   <a:srgbClr val="0070C0"/>
                 </a:solidFill>
               </a:rPr>
-              <a:t>Leitura</a:t>
+              <a:t>Grafos</a:t>
             </a:r>
             <a:r>
               <a:rPr lang="en-US" b="1" dirty="0">
@@ -4482,7 +7566,7 @@
                   <a:srgbClr val="0070C0"/>
                 </a:solidFill>
               </a:rPr>
-              <a:t> </a:t>
+              <a:t>: </a:t>
             </a:r>
             <a:r>
               <a:rPr lang="en-US" b="1" dirty="0" err="1">
@@ -4490,7 +7574,7 @@
                   <a:srgbClr val="0070C0"/>
                 </a:solidFill>
               </a:rPr>
-              <a:t>Específica</a:t>
+              <a:t>Tipos</a:t>
             </a:r>
             <a:endParaRPr lang="en-US" b="1" dirty="0">
               <a:solidFill>
@@ -4502,7 +7586,13 @@
       </p:sp>
       <p:sp>
         <p:nvSpPr>
-          <p:cNvPr id="8" name="Text Placeholder 2"/>
+          <p:cNvPr id="8" name="Text Placeholder 2">
+            <a:extLst>
+              <a:ext uri="{FF2B5EF4-FFF2-40B4-BE49-F238E27FC236}">
+                <a16:creationId xmlns:a16="http://schemas.microsoft.com/office/drawing/2014/main" id="{AF40E899-FD2B-3301-E06F-ABEC7E899F46}"/>
+              </a:ext>
+            </a:extLst>
+          </p:cNvPr>
           <p:cNvSpPr>
             <a:spLocks noGrp="1"/>
           </p:cNvSpPr>
@@ -4513,7 +7603,7 @@
         <p:spPr>
           <a:xfrm>
             <a:off x="142865" y="1200150"/>
-            <a:ext cx="8865056" cy="3737369"/>
+            <a:ext cx="8865056" cy="3737370"/>
           </a:xfrm>
         </p:spPr>
         <p:txBody>
@@ -4522,77 +7612,128 @@
           </a:bodyPr>
           <a:lstStyle/>
           <a:p>
-            <a:pPr marL="0" indent="0" algn="just">
-              <a:buNone/>
+            <a:pPr lvl="0" algn="just">
+              <a:buFont typeface="Wingdings" panose="05000000000000000000" pitchFamily="2" charset="2"/>
+              <a:buChar char="§"/>
             </a:pPr>
             <a:r>
-              <a:rPr lang="pt-BR" sz="2000" dirty="0">
-                <a:latin typeface="Times New Roman" panose="02020603050405020304" pitchFamily="18" charset="0"/>
-                <a:cs typeface="Times New Roman" panose="02020603050405020304" pitchFamily="18" charset="0"/>
-              </a:rPr>
-              <a:t>[1] Algoritmos e Complexidade – Parte 1.</a:t>
-            </a:r>
-          </a:p>
-          <a:p>
-            <a:pPr marL="0" indent="0" algn="just">
-              <a:buNone/>
+              <a:rPr lang="pt-BR" sz="2400" b="1" dirty="0">
+                <a:latin typeface="Times New Roman" panose="02020603050405020304" pitchFamily="18" charset="0"/>
+                <a:cs typeface="Times New Roman" panose="02020603050405020304" pitchFamily="18" charset="0"/>
+              </a:rPr>
+              <a:t>Grafo não direcionado</a:t>
+            </a:r>
+            <a:r>
+              <a:rPr lang="pt-BR" sz="2400" dirty="0">
+                <a:latin typeface="Times New Roman" panose="02020603050405020304" pitchFamily="18" charset="0"/>
+                <a:cs typeface="Times New Roman" panose="02020603050405020304" pitchFamily="18" charset="0"/>
+              </a:rPr>
+              <a:t>: arestas não têm direção.</a:t>
+            </a:r>
+          </a:p>
+          <a:p>
+            <a:pPr lvl="0" algn="just">
+              <a:buFont typeface="Wingdings" panose="05000000000000000000" pitchFamily="2" charset="2"/>
+              <a:buChar char="§"/>
             </a:pPr>
             <a:r>
-              <a:rPr lang="pt-BR" sz="2000" b="1" dirty="0">
+              <a:rPr lang="pt-BR" sz="2400" b="1" dirty="0">
+                <a:latin typeface="Times New Roman" panose="02020603050405020304" pitchFamily="18" charset="0"/>
+                <a:cs typeface="Times New Roman" panose="02020603050405020304" pitchFamily="18" charset="0"/>
+              </a:rPr>
+              <a:t>Grafo direcionado (</a:t>
+            </a:r>
+            <a:r>
+              <a:rPr lang="pt-BR" sz="2400" b="1" dirty="0">
                 <a:solidFill>
                   <a:srgbClr val="FF0000"/>
                 </a:solidFill>
                 <a:latin typeface="Times New Roman" panose="02020603050405020304" pitchFamily="18" charset="0"/>
                 <a:cs typeface="Times New Roman" panose="02020603050405020304" pitchFamily="18" charset="0"/>
               </a:rPr>
-              <a:t>Disponível em:</a:t>
-            </a:r>
-          </a:p>
-          <a:p>
-            <a:pPr marL="0" indent="0" algn="just">
-              <a:buNone/>
+              <a:t>dígrafo</a:t>
+            </a:r>
+            <a:r>
+              <a:rPr lang="pt-BR" sz="2400" b="1" dirty="0">
+                <a:latin typeface="Times New Roman" panose="02020603050405020304" pitchFamily="18" charset="0"/>
+                <a:cs typeface="Times New Roman" panose="02020603050405020304" pitchFamily="18" charset="0"/>
+              </a:rPr>
+              <a:t>)</a:t>
+            </a:r>
+            <a:r>
+              <a:rPr lang="pt-BR" sz="2400" dirty="0">
+                <a:latin typeface="Times New Roman" panose="02020603050405020304" pitchFamily="18" charset="0"/>
+                <a:cs typeface="Times New Roman" panose="02020603050405020304" pitchFamily="18" charset="0"/>
+              </a:rPr>
+              <a:t>: arestas possuem orientação.</a:t>
+            </a:r>
+          </a:p>
+          <a:p>
+            <a:pPr lvl="0" algn="just">
+              <a:buFont typeface="Wingdings" panose="05000000000000000000" pitchFamily="2" charset="2"/>
+              <a:buChar char="§"/>
             </a:pPr>
-            <a:endParaRPr lang="pt-BR" sz="2000" dirty="0">
-              <a:latin typeface="Times New Roman" panose="02020603050405020304" pitchFamily="18" charset="0"/>
-              <a:cs typeface="Times New Roman" panose="02020603050405020304" pitchFamily="18" charset="0"/>
-            </a:endParaRPr>
-          </a:p>
-          <a:p>
-            <a:pPr marL="0" indent="0" algn="just">
-              <a:buNone/>
+            <a:r>
+              <a:rPr lang="pt-BR" sz="2400" b="1" dirty="0">
+                <a:latin typeface="Times New Roman" panose="02020603050405020304" pitchFamily="18" charset="0"/>
+                <a:cs typeface="Times New Roman" panose="02020603050405020304" pitchFamily="18" charset="0"/>
+              </a:rPr>
+              <a:t>Grafo ponderado</a:t>
+            </a:r>
+            <a:r>
+              <a:rPr lang="pt-BR" sz="2400" dirty="0">
+                <a:latin typeface="Times New Roman" panose="02020603050405020304" pitchFamily="18" charset="0"/>
+                <a:cs typeface="Times New Roman" panose="02020603050405020304" pitchFamily="18" charset="0"/>
+              </a:rPr>
+              <a:t>: cada aresta possui um peso (custo, distância, tempo).</a:t>
+            </a:r>
+          </a:p>
+          <a:p>
+            <a:pPr lvl="0" algn="just">
+              <a:buFont typeface="Wingdings" panose="05000000000000000000" pitchFamily="2" charset="2"/>
+              <a:buChar char="§"/>
             </a:pPr>
             <a:r>
-              <a:rPr lang="pt-BR" sz="2000" dirty="0">
-                <a:latin typeface="Times New Roman" panose="02020603050405020304" pitchFamily="18" charset="0"/>
-                <a:cs typeface="Times New Roman" panose="02020603050405020304" pitchFamily="18" charset="0"/>
-              </a:rPr>
-              <a:t>[2] Algoritmos e Complexidade – Parte 2. </a:t>
-            </a:r>
-          </a:p>
-          <a:p>
-            <a:pPr marL="0" indent="0" algn="just">
-              <a:buNone/>
+              <a:rPr lang="pt-BR" sz="2400" b="1" dirty="0">
+                <a:latin typeface="Times New Roman" panose="02020603050405020304" pitchFamily="18" charset="0"/>
+                <a:cs typeface="Times New Roman" panose="02020603050405020304" pitchFamily="18" charset="0"/>
+              </a:rPr>
+              <a:t>Grafo completo</a:t>
+            </a:r>
+            <a:r>
+              <a:rPr lang="pt-BR" sz="2400" dirty="0">
+                <a:latin typeface="Times New Roman" panose="02020603050405020304" pitchFamily="18" charset="0"/>
+                <a:cs typeface="Times New Roman" panose="02020603050405020304" pitchFamily="18" charset="0"/>
+              </a:rPr>
+              <a:t>: todo vértice está ligado a todos os outros.</a:t>
+            </a:r>
+          </a:p>
+          <a:p>
+            <a:pPr lvl="0" algn="just">
+              <a:buFont typeface="Wingdings" panose="05000000000000000000" pitchFamily="2" charset="2"/>
+              <a:buChar char="§"/>
             </a:pPr>
             <a:r>
-              <a:rPr lang="pt-BR" sz="2000" b="1" dirty="0">
-                <a:solidFill>
-                  <a:srgbClr val="FF0000"/>
-                </a:solidFill>
-                <a:latin typeface="Times New Roman" panose="02020603050405020304" pitchFamily="18" charset="0"/>
-                <a:cs typeface="Times New Roman" panose="02020603050405020304" pitchFamily="18" charset="0"/>
-              </a:rPr>
-              <a:t>Disponível em:</a:t>
-            </a:r>
-            <a:endParaRPr lang="pt-BR" sz="2000" dirty="0">
-              <a:latin typeface="Calibri" panose="020F0502020204030204" pitchFamily="34" charset="0"/>
-            </a:endParaRPr>
+              <a:rPr lang="pt-BR" sz="2400" b="1" dirty="0">
+                <a:latin typeface="Times New Roman" panose="02020603050405020304" pitchFamily="18" charset="0"/>
+                <a:cs typeface="Times New Roman" panose="02020603050405020304" pitchFamily="18" charset="0"/>
+              </a:rPr>
+              <a:t>Grafo bipartido</a:t>
+            </a:r>
+            <a:r>
+              <a:rPr lang="pt-BR" sz="2400" dirty="0">
+                <a:latin typeface="Times New Roman" panose="02020603050405020304" pitchFamily="18" charset="0"/>
+                <a:cs typeface="Times New Roman" panose="02020603050405020304" pitchFamily="18" charset="0"/>
+              </a:rPr>
+              <a:t>: vértices podem ser divididos em dois conjuntos, sem conexões dentro do mesmo conjunto.</a:t>
+            </a:r>
           </a:p>
         </p:txBody>
       </p:sp>
     </p:spTree>
     <p:extLst>
       <p:ext uri="{BB962C8B-B14F-4D97-AF65-F5344CB8AC3E}">
-        <p14:creationId xmlns:p14="http://schemas.microsoft.com/office/powerpoint/2010/main" val="3680270425"/>
+        <p14:creationId xmlns:p14="http://schemas.microsoft.com/office/powerpoint/2010/main" val="1912222925"/>
       </p:ext>
     </p:extLst>
   </p:cSld>
@@ -4608,7 +7749,13 @@
   <p:cSld>
     <p:spTree>
       <p:nvGrpSpPr>
-        <p:cNvPr id="1" name=""/>
+        <p:cNvPr id="1" name="">
+          <a:extLst>
+            <a:ext uri="{FF2B5EF4-FFF2-40B4-BE49-F238E27FC236}">
+              <a16:creationId xmlns:a16="http://schemas.microsoft.com/office/drawing/2014/main" id="{42F14BBA-98B3-E3C7-E60A-38FDE0DC3DB9}"/>
+            </a:ext>
+          </a:extLst>
+        </p:cNvPr>
         <p:cNvGrpSpPr/>
         <p:nvPr/>
       </p:nvGrpSpPr>
@@ -4622,7 +7769,13 @@
       </p:grpSpPr>
       <p:sp>
         <p:nvSpPr>
-          <p:cNvPr id="6" name="Title 1"/>
+          <p:cNvPr id="6" name="Title 1">
+            <a:extLst>
+              <a:ext uri="{FF2B5EF4-FFF2-40B4-BE49-F238E27FC236}">
+                <a16:creationId xmlns:a16="http://schemas.microsoft.com/office/drawing/2014/main" id="{BBF53B2B-48D4-E17F-5DCA-94261D6EB92F}"/>
+              </a:ext>
+            </a:extLst>
+          </p:cNvPr>
           <p:cNvSpPr>
             <a:spLocks noGrp="1"/>
           </p:cNvSpPr>
@@ -4648,7 +7801,7 @@
                   <a:srgbClr val="0070C0"/>
                 </a:solidFill>
               </a:rPr>
-              <a:t>Aprenda</a:t>
+              <a:t>Grafos</a:t>
             </a:r>
             <a:r>
               <a:rPr lang="en-US" b="1" dirty="0">
@@ -4656,14 +7809,33 @@
                   <a:srgbClr val="0070C0"/>
                 </a:solidFill>
               </a:rPr>
-              <a:t>+</a:t>
-            </a:r>
+              <a:t>: </a:t>
+            </a:r>
+            <a:r>
+              <a:rPr lang="en-US" b="1" dirty="0" err="1">
+                <a:solidFill>
+                  <a:srgbClr val="0070C0"/>
+                </a:solidFill>
+              </a:rPr>
+              <a:t>Representação</a:t>
+            </a:r>
+            <a:endParaRPr lang="en-US" b="1" dirty="0">
+              <a:solidFill>
+                <a:srgbClr val="0070C0"/>
+              </a:solidFill>
+            </a:endParaRPr>
           </a:p>
         </p:txBody>
       </p:sp>
       <p:sp>
         <p:nvSpPr>
-          <p:cNvPr id="8" name="Text Placeholder 2"/>
+          <p:cNvPr id="8" name="Text Placeholder 2">
+            <a:extLst>
+              <a:ext uri="{FF2B5EF4-FFF2-40B4-BE49-F238E27FC236}">
+                <a16:creationId xmlns:a16="http://schemas.microsoft.com/office/drawing/2014/main" id="{095B27DC-C133-FC8C-EA21-54AA66561677}"/>
+              </a:ext>
+            </a:extLst>
+          </p:cNvPr>
           <p:cNvSpPr>
             <a:spLocks noGrp="1"/>
           </p:cNvSpPr>
@@ -4683,43 +7855,24 @@
           </a:bodyPr>
           <a:lstStyle/>
           <a:p>
-            <a:pPr marL="0" indent="0" algn="just">
-              <a:buNone/>
+            <a:pPr algn="just">
+              <a:buFont typeface="Wingdings" panose="05000000000000000000" pitchFamily="2" charset="2"/>
+              <a:buChar char="ü"/>
             </a:pPr>
             <a:r>
+              <a:rPr lang="pt-BR" sz="2400" b="1" dirty="0">
+                <a:latin typeface="Times New Roman" panose="02020603050405020304" pitchFamily="18" charset="0"/>
+                <a:cs typeface="Times New Roman" panose="02020603050405020304" pitchFamily="18" charset="0"/>
+              </a:rPr>
+              <a:t>Lista de adjacência</a:t>
+            </a:r>
+            <a:r>
               <a:rPr lang="pt-BR" sz="2400" dirty="0">
                 <a:latin typeface="Times New Roman" panose="02020603050405020304" pitchFamily="18" charset="0"/>
                 <a:cs typeface="Times New Roman" panose="02020603050405020304" pitchFamily="18" charset="0"/>
               </a:rPr>
-              <a:t>[1] Algoritmos e Complexidade – Parte 1</a:t>
-            </a:r>
-          </a:p>
-          <a:p>
-            <a:pPr marL="0" indent="0" algn="just">
-              <a:buNone/>
-            </a:pPr>
-            <a:r>
-              <a:rPr lang="pt-BR" sz="2400" b="1" dirty="0">
-                <a:solidFill>
-                  <a:srgbClr val="FF0000"/>
-                </a:solidFill>
-                <a:latin typeface="Times New Roman" panose="02020603050405020304" pitchFamily="18" charset="0"/>
-                <a:cs typeface="Times New Roman" panose="02020603050405020304" pitchFamily="18" charset="0"/>
-              </a:rPr>
-              <a:t>Disponível em: </a:t>
-            </a:r>
-            <a:r>
-              <a:rPr lang="pt-BR" sz="2400" dirty="0">
-                <a:latin typeface="Times New Roman" panose="02020603050405020304" pitchFamily="18" charset="0"/>
-                <a:cs typeface="Times New Roman" panose="02020603050405020304" pitchFamily="18" charset="0"/>
-                <a:hlinkClick r:id="rId3"/>
-              </a:rPr>
-              <a:t>https://</a:t>
-            </a:r>
-            <a:endParaRPr lang="pt-BR" sz="2400" dirty="0">
-              <a:latin typeface="Times New Roman" panose="02020603050405020304" pitchFamily="18" charset="0"/>
-              <a:cs typeface="Times New Roman" panose="02020603050405020304" pitchFamily="18" charset="0"/>
-            </a:endParaRPr>
+              <a:t>: cada vértice possui uma lista com seus vizinhos.</a:t>
+            </a:r>
           </a:p>
           <a:p>
             <a:pPr marL="0" indent="0" algn="just">
@@ -4731,59 +7884,58 @@
             </a:endParaRPr>
           </a:p>
           <a:p>
-            <a:pPr marL="0" indent="0" algn="just">
-              <a:buNone/>
-            </a:pPr>
-            <a:r>
-              <a:rPr lang="pt-BR" sz="2400" dirty="0">
-                <a:latin typeface="Times New Roman" panose="02020603050405020304" pitchFamily="18" charset="0"/>
-                <a:cs typeface="Times New Roman" panose="02020603050405020304" pitchFamily="18" charset="0"/>
-              </a:rPr>
-              <a:t>[2] Algoritmos e Complexidade – Parte 2</a:t>
-            </a:r>
-          </a:p>
-          <a:p>
-            <a:pPr marL="0" indent="0" algn="just">
-              <a:buNone/>
-            </a:pPr>
-            <a:r>
-              <a:rPr lang="pt-BR" sz="2400" b="1" dirty="0">
-                <a:solidFill>
-                  <a:srgbClr val="FF0000"/>
-                </a:solidFill>
-                <a:latin typeface="Times New Roman" panose="02020603050405020304" pitchFamily="18" charset="0"/>
-                <a:cs typeface="Times New Roman" panose="02020603050405020304" pitchFamily="18" charset="0"/>
-              </a:rPr>
-              <a:t>Disponível em: </a:t>
-            </a:r>
-            <a:r>
-              <a:rPr lang="pt-BR" sz="2400" dirty="0">
-                <a:latin typeface="Times New Roman" panose="02020603050405020304" pitchFamily="18" charset="0"/>
-                <a:cs typeface="Times New Roman" panose="02020603050405020304" pitchFamily="18" charset="0"/>
-                <a:hlinkClick r:id="rId4"/>
-              </a:rPr>
-              <a:t>https://</a:t>
-            </a:r>
-            <a:endParaRPr lang="pt-BR" sz="2400" dirty="0">
-              <a:latin typeface="Times New Roman" panose="02020603050405020304" pitchFamily="18" charset="0"/>
-              <a:cs typeface="Times New Roman" panose="02020603050405020304" pitchFamily="18" charset="0"/>
-            </a:endParaRPr>
-          </a:p>
-          <a:p>
-            <a:pPr marL="0" indent="0" algn="just">
-              <a:buNone/>
+            <a:pPr algn="just">
+              <a:buFont typeface="Wingdings" panose="05000000000000000000" pitchFamily="2" charset="2"/>
+              <a:buChar char="ü"/>
             </a:pPr>
             <a:endParaRPr lang="pt-BR" sz="2400" dirty="0">
               <a:latin typeface="Times New Roman" panose="02020603050405020304" pitchFamily="18" charset="0"/>
               <a:cs typeface="Times New Roman" panose="02020603050405020304" pitchFamily="18" charset="0"/>
             </a:endParaRPr>
           </a:p>
+          <a:p>
+            <a:pPr algn="just">
+              <a:buFont typeface="Wingdings" panose="05000000000000000000" pitchFamily="2" charset="2"/>
+              <a:buChar char="ü"/>
+            </a:pPr>
+            <a:r>
+              <a:rPr lang="pt-BR" sz="2400" b="1" dirty="0">
+                <a:latin typeface="Times New Roman" panose="02020603050405020304" pitchFamily="18" charset="0"/>
+                <a:cs typeface="Times New Roman" panose="02020603050405020304" pitchFamily="18" charset="0"/>
+              </a:rPr>
+              <a:t>Matriz de adjacência</a:t>
+            </a:r>
+            <a:r>
+              <a:rPr lang="pt-BR" sz="2400" dirty="0">
+                <a:latin typeface="Times New Roman" panose="02020603050405020304" pitchFamily="18" charset="0"/>
+                <a:cs typeface="Times New Roman" panose="02020603050405020304" pitchFamily="18" charset="0"/>
+              </a:rPr>
+              <a:t>: matriz n x n onde cada célula indica a existência (</a:t>
+            </a:r>
+            <a:r>
+              <a:rPr lang="pt-BR" sz="2400" b="1" dirty="0">
+                <a:solidFill>
+                  <a:srgbClr val="FF0000"/>
+                </a:solidFill>
+                <a:latin typeface="Times New Roman" panose="02020603050405020304" pitchFamily="18" charset="0"/>
+                <a:cs typeface="Times New Roman" panose="02020603050405020304" pitchFamily="18" charset="0"/>
+              </a:rPr>
+              <a:t>ou peso</a:t>
+            </a:r>
+            <a:r>
+              <a:rPr lang="pt-BR" sz="2400" dirty="0">
+                <a:latin typeface="Times New Roman" panose="02020603050405020304" pitchFamily="18" charset="0"/>
+                <a:cs typeface="Times New Roman" panose="02020603050405020304" pitchFamily="18" charset="0"/>
+              </a:rPr>
+              <a:t>) de uma aresta.</a:t>
+            </a:r>
+          </a:p>
         </p:txBody>
       </p:sp>
     </p:spTree>
     <p:extLst>
       <p:ext uri="{BB962C8B-B14F-4D97-AF65-F5344CB8AC3E}">
-        <p14:creationId xmlns:p14="http://schemas.microsoft.com/office/powerpoint/2010/main" val="2747596967"/>
+        <p14:creationId xmlns:p14="http://schemas.microsoft.com/office/powerpoint/2010/main" val="4223739674"/>
       </p:ext>
     </p:extLst>
   </p:cSld>
@@ -4799,7 +7951,13 @@
   <p:cSld>
     <p:spTree>
       <p:nvGrpSpPr>
-        <p:cNvPr id="1" name=""/>
+        <p:cNvPr id="1" name="">
+          <a:extLst>
+            <a:ext uri="{FF2B5EF4-FFF2-40B4-BE49-F238E27FC236}">
+              <a16:creationId xmlns:a16="http://schemas.microsoft.com/office/drawing/2014/main" id="{485AF975-B406-38AD-B605-F37116D3EBEC}"/>
+            </a:ext>
+          </a:extLst>
+        </p:cNvPr>
         <p:cNvGrpSpPr/>
         <p:nvPr/>
       </p:nvGrpSpPr>
@@ -4813,7 +7971,13 @@
       </p:grpSpPr>
       <p:sp>
         <p:nvSpPr>
-          <p:cNvPr id="6" name="Title 1"/>
+          <p:cNvPr id="6" name="Title 1">
+            <a:extLst>
+              <a:ext uri="{FF2B5EF4-FFF2-40B4-BE49-F238E27FC236}">
+                <a16:creationId xmlns:a16="http://schemas.microsoft.com/office/drawing/2014/main" id="{5BB3600B-9328-337A-5D92-AFB2A0B7EEFC}"/>
+              </a:ext>
+            </a:extLst>
+          </p:cNvPr>
           <p:cNvSpPr>
             <a:spLocks noGrp="1"/>
           </p:cNvSpPr>
@@ -4839,7 +8003,7 @@
                   <a:srgbClr val="0070C0"/>
                 </a:solidFill>
               </a:rPr>
-              <a:t>Dinâmica</a:t>
+              <a:t>Grafo</a:t>
             </a:r>
             <a:r>
               <a:rPr lang="en-US" b="1" dirty="0">
@@ -4847,7 +8011,7 @@
                   <a:srgbClr val="0070C0"/>
                 </a:solidFill>
               </a:rPr>
-              <a:t>/</a:t>
+              <a:t>: </a:t>
             </a:r>
             <a:r>
               <a:rPr lang="en-US" b="1" dirty="0" err="1">
@@ -4855,7 +8019,7 @@
                   <a:srgbClr val="0070C0"/>
                 </a:solidFill>
               </a:rPr>
-              <a:t>Atividades</a:t>
+              <a:t>Ciclo</a:t>
             </a:r>
             <a:endParaRPr lang="en-US" b="1" dirty="0">
               <a:solidFill>
@@ -4867,7 +8031,13 @@
       </p:sp>
       <p:sp>
         <p:nvSpPr>
-          <p:cNvPr id="8" name="Text Placeholder 2"/>
+          <p:cNvPr id="8" name="Text Placeholder 2">
+            <a:extLst>
+              <a:ext uri="{FF2B5EF4-FFF2-40B4-BE49-F238E27FC236}">
+                <a16:creationId xmlns:a16="http://schemas.microsoft.com/office/drawing/2014/main" id="{F7D9443E-9B8D-3669-0127-761A322E01AA}"/>
+              </a:ext>
+            </a:extLst>
+          </p:cNvPr>
           <p:cNvSpPr>
             <a:spLocks noGrp="1"/>
           </p:cNvSpPr>
@@ -4877,8 +8047,8 @@
         </p:nvSpPr>
         <p:spPr>
           <a:xfrm>
-            <a:off x="139472" y="1063230"/>
-            <a:ext cx="8865056" cy="3606305"/>
+            <a:off x="142865" y="1200150"/>
+            <a:ext cx="8865056" cy="3737370"/>
           </a:xfrm>
         </p:spPr>
         <p:txBody>
@@ -4887,43 +8057,156 @@
           </a:bodyPr>
           <a:lstStyle/>
           <a:p>
-            <a:pPr algn="just">
-              <a:buFont typeface="Wingdings" panose="05000000000000000000" pitchFamily="2" charset="2"/>
-              <a:buChar char="§"/>
-            </a:pPr>
-            <a:r>
-              <a:rPr lang="pt-BR" dirty="0">
-                <a:latin typeface="Times New Roman" panose="02020603050405020304" pitchFamily="18" charset="0"/>
-                <a:cs typeface="Times New Roman" panose="02020603050405020304" pitchFamily="18" charset="0"/>
-              </a:rPr>
-              <a:t>	Exercícios (Atividade Verificadora de Aprendizagem)</a:t>
-            </a:r>
-          </a:p>
-          <a:p>
             <a:pPr marL="0" indent="0" algn="just">
               <a:buNone/>
             </a:pPr>
             <a:r>
-              <a:rPr lang="pt-BR" dirty="0">
+              <a:rPr lang="pt-BR" sz="2400" dirty="0">
+                <a:latin typeface="Times New Roman" panose="02020603050405020304" pitchFamily="18" charset="0"/>
+                <a:cs typeface="Times New Roman" panose="02020603050405020304" pitchFamily="18" charset="0"/>
+              </a:rPr>
+              <a:t>Um </a:t>
+            </a:r>
+            <a:r>
+              <a:rPr lang="pt-BR" sz="2400" b="1" dirty="0">
+                <a:solidFill>
+                  <a:srgbClr val="FF0000"/>
+                </a:solidFill>
+                <a:latin typeface="Times New Roman" panose="02020603050405020304" pitchFamily="18" charset="0"/>
+                <a:cs typeface="Times New Roman" panose="02020603050405020304" pitchFamily="18" charset="0"/>
+              </a:rPr>
+              <a:t>ciclo</a:t>
+            </a:r>
+            <a:r>
+              <a:rPr lang="pt-BR" sz="2400" dirty="0">
+                <a:latin typeface="Times New Roman" panose="02020603050405020304" pitchFamily="18" charset="0"/>
+                <a:cs typeface="Times New Roman" panose="02020603050405020304" pitchFamily="18" charset="0"/>
+              </a:rPr>
+              <a:t> é um </a:t>
+            </a:r>
+            <a:r>
+              <a:rPr lang="pt-BR" sz="2400" b="1" dirty="0">
+                <a:latin typeface="Times New Roman" panose="02020603050405020304" pitchFamily="18" charset="0"/>
+                <a:cs typeface="Times New Roman" panose="02020603050405020304" pitchFamily="18" charset="0"/>
+              </a:rPr>
+              <a:t>caminho fechado dentro de um grafo</a:t>
+            </a:r>
+            <a:r>
+              <a:rPr lang="pt-BR" sz="2400" dirty="0">
+                <a:latin typeface="Times New Roman" panose="02020603050405020304" pitchFamily="18" charset="0"/>
+                <a:cs typeface="Times New Roman" panose="02020603050405020304" pitchFamily="18" charset="0"/>
+              </a:rPr>
+              <a:t>, ou seja, uma </a:t>
+            </a:r>
+            <a:r>
+              <a:rPr lang="pt-BR" sz="2400" b="1" dirty="0">
+                <a:solidFill>
+                  <a:srgbClr val="FF0000"/>
+                </a:solidFill>
+                <a:latin typeface="Times New Roman" panose="02020603050405020304" pitchFamily="18" charset="0"/>
+                <a:cs typeface="Times New Roman" panose="02020603050405020304" pitchFamily="18" charset="0"/>
+              </a:rPr>
+              <a:t>sequência de vértices e arestas </a:t>
+            </a:r>
+            <a:r>
+              <a:rPr lang="pt-BR" sz="2400" dirty="0">
+                <a:latin typeface="Times New Roman" panose="02020603050405020304" pitchFamily="18" charset="0"/>
+                <a:cs typeface="Times New Roman" panose="02020603050405020304" pitchFamily="18" charset="0"/>
+              </a:rPr>
+              <a:t>que começa e termina no mesmo vértice, </a:t>
+            </a:r>
+            <a:r>
+              <a:rPr lang="pt-BR" sz="2400" b="1" dirty="0">
+                <a:solidFill>
+                  <a:schemeClr val="tx1"/>
+                </a:solidFill>
+                <a:latin typeface="Times New Roman" panose="02020603050405020304" pitchFamily="18" charset="0"/>
+                <a:cs typeface="Times New Roman" panose="02020603050405020304" pitchFamily="18" charset="0"/>
+              </a:rPr>
+              <a:t>sem</a:t>
+            </a:r>
+            <a:r>
+              <a:rPr lang="pt-BR" sz="2400" dirty="0">
                 <a:latin typeface="Times New Roman" panose="02020603050405020304" pitchFamily="18" charset="0"/>
                 <a:cs typeface="Times New Roman" panose="02020603050405020304" pitchFamily="18" charset="0"/>
               </a:rPr>
               <a:t> </a:t>
             </a:r>
             <a:r>
+              <a:rPr lang="pt-BR" sz="2400" b="1" dirty="0">
+                <a:latin typeface="Times New Roman" panose="02020603050405020304" pitchFamily="18" charset="0"/>
+                <a:cs typeface="Times New Roman" panose="02020603050405020304" pitchFamily="18" charset="0"/>
+              </a:rPr>
+              <a:t>repetir arestas </a:t>
+            </a:r>
+            <a:r>
               <a:rPr lang="pt-BR" sz="2400" dirty="0">
                 <a:latin typeface="Times New Roman" panose="02020603050405020304" pitchFamily="18" charset="0"/>
                 <a:cs typeface="Times New Roman" panose="02020603050405020304" pitchFamily="18" charset="0"/>
               </a:rPr>
-              <a:t>	</a:t>
+              <a:t>e </a:t>
+            </a:r>
+            <a:r>
+              <a:rPr lang="pt-BR" sz="2400" b="1" dirty="0">
+                <a:solidFill>
+                  <a:srgbClr val="FF0000"/>
+                </a:solidFill>
+                <a:latin typeface="Times New Roman" panose="02020603050405020304" pitchFamily="18" charset="0"/>
+                <a:cs typeface="Times New Roman" panose="02020603050405020304" pitchFamily="18" charset="0"/>
+              </a:rPr>
+              <a:t>sem repetir vértices </a:t>
+            </a:r>
+            <a:r>
+              <a:rPr lang="pt-BR" sz="2400" dirty="0">
+                <a:latin typeface="Times New Roman" panose="02020603050405020304" pitchFamily="18" charset="0"/>
+                <a:cs typeface="Times New Roman" panose="02020603050405020304" pitchFamily="18" charset="0"/>
+              </a:rPr>
+              <a:t>(exceto o inicial/final).</a:t>
             </a:r>
           </a:p>
           <a:p>
             <a:pPr marL="0" indent="0" algn="just">
               <a:buNone/>
             </a:pPr>
-            <a:endParaRPr lang="pt-BR" sz="2000" dirty="0">
-              <a:latin typeface="Calibri" panose="020F0502020204030204" pitchFamily="34" charset="0"/>
+            <a:endParaRPr lang="pt-BR" sz="2400" dirty="0">
+              <a:latin typeface="Times New Roman" panose="02020603050405020304" pitchFamily="18" charset="0"/>
+              <a:cs typeface="Times New Roman" panose="02020603050405020304" pitchFamily="18" charset="0"/>
+            </a:endParaRPr>
+          </a:p>
+          <a:p>
+            <a:pPr marL="0" indent="0" algn="just">
+              <a:buNone/>
+            </a:pPr>
+            <a:endParaRPr lang="pt-BR" sz="2400" dirty="0">
+              <a:latin typeface="Times New Roman" panose="02020603050405020304" pitchFamily="18" charset="0"/>
+              <a:cs typeface="Times New Roman" panose="02020603050405020304" pitchFamily="18" charset="0"/>
+            </a:endParaRPr>
+          </a:p>
+          <a:p>
+            <a:pPr marL="0" indent="0" algn="just">
+              <a:buNone/>
+            </a:pPr>
+            <a:r>
+              <a:rPr lang="pt-BR" sz="2400" b="1" dirty="0">
+                <a:latin typeface="Times New Roman" panose="02020603050405020304" pitchFamily="18" charset="0"/>
+                <a:cs typeface="Times New Roman" panose="02020603050405020304" pitchFamily="18" charset="0"/>
+              </a:rPr>
+              <a:t>Exemplo simples</a:t>
+            </a:r>
+            <a:r>
+              <a:rPr lang="pt-BR" sz="2400" dirty="0">
+                <a:latin typeface="Times New Roman" panose="02020603050405020304" pitchFamily="18" charset="0"/>
+                <a:cs typeface="Times New Roman" panose="02020603050405020304" pitchFamily="18" charset="0"/>
+              </a:rPr>
+              <a:t>: </a:t>
+            </a:r>
+            <a:r>
+              <a:rPr lang="pt-BR" sz="2400" dirty="0"/>
+              <a:t>v1​→ v​2→ v3​→ v1.</a:t>
+            </a:r>
+            <a:endParaRPr lang="pt-BR" sz="2400" dirty="0">
+              <a:latin typeface="Times New Roman" panose="02020603050405020304" pitchFamily="18" charset="0"/>
+              <a:cs typeface="Times New Roman" panose="02020603050405020304" pitchFamily="18" charset="0"/>
             </a:endParaRPr>
           </a:p>
         </p:txBody>
@@ -4931,7 +8214,7 @@
     </p:spTree>
     <p:extLst>
       <p:ext uri="{BB962C8B-B14F-4D97-AF65-F5344CB8AC3E}">
-        <p14:creationId xmlns:p14="http://schemas.microsoft.com/office/powerpoint/2010/main" val="2470652989"/>
+        <p14:creationId xmlns:p14="http://schemas.microsoft.com/office/powerpoint/2010/main" val="3238944069"/>
       </p:ext>
     </p:extLst>
   </p:cSld>
@@ -4947,7 +8230,13 @@
   <p:cSld>
     <p:spTree>
       <p:nvGrpSpPr>
-        <p:cNvPr id="1" name=""/>
+        <p:cNvPr id="1" name="">
+          <a:extLst>
+            <a:ext uri="{FF2B5EF4-FFF2-40B4-BE49-F238E27FC236}">
+              <a16:creationId xmlns:a16="http://schemas.microsoft.com/office/drawing/2014/main" id="{6612C728-0D26-F5DC-2B60-CC5AA9DF5F60}"/>
+            </a:ext>
+          </a:extLst>
+        </p:cNvPr>
         <p:cNvGrpSpPr/>
         <p:nvPr/>
       </p:nvGrpSpPr>
@@ -4961,7 +8250,13 @@
       </p:grpSpPr>
       <p:sp>
         <p:nvSpPr>
-          <p:cNvPr id="6" name="Title 1"/>
+          <p:cNvPr id="6" name="Title 1">
+            <a:extLst>
+              <a:ext uri="{FF2B5EF4-FFF2-40B4-BE49-F238E27FC236}">
+                <a16:creationId xmlns:a16="http://schemas.microsoft.com/office/drawing/2014/main" id="{4A0FB1FB-A930-6362-2E57-9E36679E2895}"/>
+              </a:ext>
+            </a:extLst>
+          </p:cNvPr>
           <p:cNvSpPr>
             <a:spLocks noGrp="1"/>
           </p:cNvSpPr>
@@ -4987,7 +8282,7 @@
                   <a:srgbClr val="0070C0"/>
                 </a:solidFill>
               </a:rPr>
-              <a:t>Referências</a:t>
+              <a:t>Grafo</a:t>
             </a:r>
             <a:r>
               <a:rPr lang="en-US" b="1" dirty="0">
@@ -5003,7 +8298,23 @@
                   <a:srgbClr val="0070C0"/>
                 </a:solidFill>
               </a:rPr>
-              <a:t>Bibliográficas</a:t>
+              <a:t>Ciclo</a:t>
+            </a:r>
+            <a:r>
+              <a:rPr lang="en-US" b="1" dirty="0">
+                <a:solidFill>
+                  <a:srgbClr val="0070C0"/>
+                </a:solidFill>
+              </a:rPr>
+              <a:t>: </a:t>
+            </a:r>
+            <a:r>
+              <a:rPr lang="en-US" b="1" dirty="0" err="1">
+                <a:solidFill>
+                  <a:srgbClr val="0070C0"/>
+                </a:solidFill>
+              </a:rPr>
+              <a:t>Classificação</a:t>
             </a:r>
             <a:endParaRPr lang="en-US" b="1" dirty="0">
               <a:solidFill>
@@ -5015,7 +8326,13 @@
       </p:sp>
       <p:sp>
         <p:nvSpPr>
-          <p:cNvPr id="8" name="Text Placeholder 2"/>
+          <p:cNvPr id="8" name="Text Placeholder 2">
+            <a:extLst>
+              <a:ext uri="{FF2B5EF4-FFF2-40B4-BE49-F238E27FC236}">
+                <a16:creationId xmlns:a16="http://schemas.microsoft.com/office/drawing/2014/main" id="{5B1E3929-D828-2E29-FB51-E3F2469C6AEE}"/>
+              </a:ext>
+            </a:extLst>
+          </p:cNvPr>
           <p:cNvSpPr>
             <a:spLocks noGrp="1"/>
           </p:cNvSpPr>
@@ -5025,8 +8342,8 @@
         </p:nvSpPr>
         <p:spPr>
           <a:xfrm>
-            <a:off x="142865" y="1200151"/>
-            <a:ext cx="8865056" cy="3394472"/>
+            <a:off x="142865" y="1200150"/>
+            <a:ext cx="8865056" cy="3737370"/>
           </a:xfrm>
         </p:spPr>
         <p:txBody>
@@ -5039,18 +8356,51 @@
               <a:buNone/>
             </a:pPr>
             <a:r>
-              <a:rPr lang="pt-BR" sz="1800" dirty="0">
-                <a:latin typeface="Calibri" panose="020F0502020204030204" pitchFamily="34" charset="0"/>
-              </a:rPr>
-              <a:t>[1] ...</a:t>
+              <a:rPr lang="pt-BR" sz="2400" dirty="0">
+                <a:latin typeface="Times New Roman" panose="02020603050405020304" pitchFamily="18" charset="0"/>
+                <a:cs typeface="Times New Roman" panose="02020603050405020304" pitchFamily="18" charset="0"/>
+              </a:rPr>
+              <a:t>Um </a:t>
+            </a:r>
+            <a:r>
+              <a:rPr lang="pt-BR" sz="2400" b="1" dirty="0">
+                <a:solidFill>
+                  <a:srgbClr val="FF0000"/>
+                </a:solidFill>
+                <a:latin typeface="Times New Roman" panose="02020603050405020304" pitchFamily="18" charset="0"/>
+                <a:cs typeface="Times New Roman" panose="02020603050405020304" pitchFamily="18" charset="0"/>
+              </a:rPr>
+              <a:t>grafo ciclo </a:t>
+            </a:r>
+            <a:r>
+              <a:rPr lang="pt-BR" sz="2400" dirty="0">
+                <a:latin typeface="Times New Roman" panose="02020603050405020304" pitchFamily="18" charset="0"/>
+                <a:cs typeface="Times New Roman" panose="02020603050405020304" pitchFamily="18" charset="0"/>
+              </a:rPr>
+              <a:t>é um </a:t>
+            </a:r>
+            <a:r>
+              <a:rPr lang="pt-BR" sz="2400" b="1" dirty="0">
+                <a:latin typeface="Times New Roman" panose="02020603050405020304" pitchFamily="18" charset="0"/>
+                <a:cs typeface="Times New Roman" panose="02020603050405020304" pitchFamily="18" charset="0"/>
+              </a:rPr>
+              <a:t>grafo especial</a:t>
+            </a:r>
+            <a:r>
+              <a:rPr lang="pt-BR" sz="2400" dirty="0">
+                <a:latin typeface="Times New Roman" panose="02020603050405020304" pitchFamily="18" charset="0"/>
+                <a:cs typeface="Times New Roman" panose="02020603050405020304" pitchFamily="18" charset="0"/>
+              </a:rPr>
+              <a:t>, formado por um único ciclo que conecta todos os vértices.</a:t>
             </a:r>
           </a:p>
           <a:p>
             <a:pPr marL="0" indent="0" algn="just">
               <a:buNone/>
             </a:pPr>
-            <a:endParaRPr lang="pt-BR" sz="1800" dirty="0">
-              <a:latin typeface="Calibri" panose="020F0502020204030204" pitchFamily="34" charset="0"/>
+            <a:endParaRPr lang="pt-BR" sz="2400" dirty="0">
+              <a:latin typeface="Times New Roman" panose="02020603050405020304" pitchFamily="18" charset="0"/>
+              <a:cs typeface="Times New Roman" panose="02020603050405020304" pitchFamily="18" charset="0"/>
             </a:endParaRPr>
           </a:p>
           <a:p>
@@ -5058,26 +8408,72 @@
               <a:buNone/>
             </a:pPr>
             <a:r>
-              <a:rPr lang="pt-BR" sz="1800" dirty="0">
-                <a:latin typeface="Calibri" panose="020F0502020204030204" pitchFamily="34" charset="0"/>
-              </a:rPr>
-              <a:t>[2] ...</a:t>
-            </a:r>
-          </a:p>
-          <a:p>
-            <a:pPr marL="0" indent="0" algn="just">
-              <a:buNone/>
+              <a:rPr lang="pt-BR" sz="2400" b="1" dirty="0">
+                <a:latin typeface="Times New Roman" panose="02020603050405020304" pitchFamily="18" charset="0"/>
+                <a:cs typeface="Times New Roman" panose="02020603050405020304" pitchFamily="18" charset="0"/>
+              </a:rPr>
+              <a:t>Pode ser</a:t>
+            </a:r>
+            <a:r>
+              <a:rPr lang="pt-BR" sz="2400" dirty="0">
+                <a:latin typeface="Times New Roman" panose="02020603050405020304" pitchFamily="18" charset="0"/>
+                <a:cs typeface="Times New Roman" panose="02020603050405020304" pitchFamily="18" charset="0"/>
+              </a:rPr>
+              <a:t>:</a:t>
+            </a:r>
+          </a:p>
+          <a:p>
+            <a:pPr algn="just">
+              <a:buFont typeface="Wingdings" panose="05000000000000000000" pitchFamily="2" charset="2"/>
+              <a:buChar char="§"/>
             </a:pPr>
-            <a:endParaRPr lang="pt-BR" sz="1800" dirty="0">
-              <a:latin typeface="Calibri" panose="020F0502020204030204" pitchFamily="34" charset="0"/>
-            </a:endParaRPr>
+            <a:r>
+              <a:rPr lang="pt-BR" sz="2400" b="1" dirty="0">
+                <a:solidFill>
+                  <a:srgbClr val="FF0000"/>
+                </a:solidFill>
+                <a:latin typeface="Times New Roman" panose="02020603050405020304" pitchFamily="18" charset="0"/>
+                <a:cs typeface="Times New Roman" panose="02020603050405020304" pitchFamily="18" charset="0"/>
+              </a:rPr>
+              <a:t>Não direcionado </a:t>
+            </a:r>
+            <a:r>
+              <a:rPr lang="pt-BR" sz="2400" dirty="0">
+                <a:latin typeface="Times New Roman" panose="02020603050405020304" pitchFamily="18" charset="0"/>
+                <a:cs typeface="Times New Roman" panose="02020603050405020304" pitchFamily="18" charset="0"/>
+              </a:rPr>
+              <a:t>→ ciclo em que as arestas não têm direção.</a:t>
+            </a:r>
+          </a:p>
+          <a:p>
+            <a:pPr algn="just">
+              <a:buFont typeface="Wingdings" panose="05000000000000000000" pitchFamily="2" charset="2"/>
+              <a:buChar char="§"/>
+            </a:pPr>
+            <a:r>
+              <a:rPr lang="pt-BR" sz="2400" b="1" dirty="0">
+                <a:solidFill>
+                  <a:srgbClr val="FF0000"/>
+                </a:solidFill>
+                <a:latin typeface="Times New Roman" panose="02020603050405020304" pitchFamily="18" charset="0"/>
+                <a:cs typeface="Times New Roman" panose="02020603050405020304" pitchFamily="18" charset="0"/>
+              </a:rPr>
+              <a:t>Direcionado</a:t>
+            </a:r>
+            <a:r>
+              <a:rPr lang="pt-BR" sz="2400" dirty="0">
+                <a:latin typeface="Times New Roman" panose="02020603050405020304" pitchFamily="18" charset="0"/>
+                <a:cs typeface="Times New Roman" panose="02020603050405020304" pitchFamily="18" charset="0"/>
+              </a:rPr>
+              <a:t> → ciclo em que todas as arestas seguem uma orientação, formando um "circuito".</a:t>
+            </a:r>
           </a:p>
         </p:txBody>
       </p:sp>
     </p:spTree>
     <p:extLst>
       <p:ext uri="{BB962C8B-B14F-4D97-AF65-F5344CB8AC3E}">
-        <p14:creationId xmlns:p14="http://schemas.microsoft.com/office/powerpoint/2010/main" val="1115311843"/>
+        <p14:creationId xmlns:p14="http://schemas.microsoft.com/office/powerpoint/2010/main" val="2376654422"/>
       </p:ext>
     </p:extLst>
   </p:cSld>
@@ -5093,7 +8489,13 @@
   <p:cSld>
     <p:spTree>
       <p:nvGrpSpPr>
-        <p:cNvPr id="1" name=""/>
+        <p:cNvPr id="1" name="">
+          <a:extLst>
+            <a:ext uri="{FF2B5EF4-FFF2-40B4-BE49-F238E27FC236}">
+              <a16:creationId xmlns:a16="http://schemas.microsoft.com/office/drawing/2014/main" id="{BC52C3A2-503E-A71F-01EB-34CC97AF8A62}"/>
+            </a:ext>
+          </a:extLst>
+        </p:cNvPr>
         <p:cNvGrpSpPr/>
         <p:nvPr/>
       </p:nvGrpSpPr>
@@ -5105,67 +8507,15 @@
           <a:chExt cx="0" cy="0"/>
         </a:xfrm>
       </p:grpSpPr>
-      <p:pic>
-        <p:nvPicPr>
-          <p:cNvPr id="112" name="Picture 6" descr="Picture 6"/>
-          <p:cNvPicPr>
-            <a:picLocks noChangeAspect="1"/>
-          </p:cNvPicPr>
-          <p:nvPr/>
-        </p:nvPicPr>
-        <p:blipFill>
-          <a:blip r:embed="rId2"/>
-          <a:stretch>
-            <a:fillRect/>
-          </a:stretch>
-        </p:blipFill>
-        <p:spPr>
-          <a:xfrm>
-            <a:off x="0" y="0"/>
-            <a:ext cx="9144000" cy="5143500"/>
-          </a:xfrm>
-          <a:prstGeom prst="rect">
-            <a:avLst/>
-          </a:prstGeom>
-          <a:ln w="12700">
-            <a:miter lim="400000"/>
-            <a:headEnd/>
-            <a:tailEnd/>
-          </a:ln>
-        </p:spPr>
-      </p:pic>
-      <p:pic>
-        <p:nvPicPr>
-          <p:cNvPr id="114" name="Picture 5" descr="Picture 5"/>
-          <p:cNvPicPr>
-            <a:picLocks noChangeAspect="1"/>
-          </p:cNvPicPr>
-          <p:nvPr/>
-        </p:nvPicPr>
-        <p:blipFill>
-          <a:blip r:embed="rId3"/>
-          <a:stretch>
-            <a:fillRect/>
-          </a:stretch>
-        </p:blipFill>
-        <p:spPr>
-          <a:xfrm>
-            <a:off x="469900" y="0"/>
-            <a:ext cx="4391984" cy="171450"/>
-          </a:xfrm>
-          <a:prstGeom prst="rect">
-            <a:avLst/>
-          </a:prstGeom>
-          <a:ln w="12700">
-            <a:miter lim="400000"/>
-            <a:headEnd/>
-            <a:tailEnd/>
-          </a:ln>
-        </p:spPr>
-      </p:pic>
       <p:sp>
         <p:nvSpPr>
-          <p:cNvPr id="3" name="Título 2"/>
+          <p:cNvPr id="6" name="Title 1">
+            <a:extLst>
+              <a:ext uri="{FF2B5EF4-FFF2-40B4-BE49-F238E27FC236}">
+                <a16:creationId xmlns:a16="http://schemas.microsoft.com/office/drawing/2014/main" id="{F928EABE-3639-D49E-FF0F-2C903B1E03EF}"/>
+              </a:ext>
+            </a:extLst>
+          </p:cNvPr>
           <p:cNvSpPr>
             <a:spLocks noGrp="1"/>
           </p:cNvSpPr>
@@ -5175,8 +8525,71 @@
         </p:nvSpPr>
         <p:spPr>
           <a:xfrm>
-            <a:off x="285751" y="2386770"/>
-            <a:ext cx="8615364" cy="1102519"/>
+            <a:off x="457200" y="205980"/>
+            <a:ext cx="8229600" cy="857251"/>
+          </a:xfrm>
+        </p:spPr>
+        <p:txBody>
+          <a:bodyPr>
+            <a:normAutofit/>
+          </a:bodyPr>
+          <a:lstStyle/>
+          <a:p>
+            <a:r>
+              <a:rPr lang="en-US" b="1" dirty="0" err="1">
+                <a:solidFill>
+                  <a:srgbClr val="0070C0"/>
+                </a:solidFill>
+              </a:rPr>
+              <a:t>Grafo</a:t>
+            </a:r>
+            <a:r>
+              <a:rPr lang="en-US" b="1" dirty="0">
+                <a:solidFill>
+                  <a:srgbClr val="0070C0"/>
+                </a:solidFill>
+              </a:rPr>
+              <a:t> </a:t>
+            </a:r>
+            <a:r>
+              <a:rPr lang="en-US" b="1" dirty="0" err="1">
+                <a:solidFill>
+                  <a:srgbClr val="0070C0"/>
+                </a:solidFill>
+              </a:rPr>
+              <a:t>Ciclo</a:t>
+            </a:r>
+            <a:r>
+              <a:rPr lang="en-US" b="1" dirty="0">
+                <a:solidFill>
+                  <a:srgbClr val="0070C0"/>
+                </a:solidFill>
+              </a:rPr>
+              <a:t>: Outros</a:t>
+            </a:r>
+          </a:p>
+        </p:txBody>
+      </p:sp>
+      <p:sp>
+        <p:nvSpPr>
+          <p:cNvPr id="8" name="Text Placeholder 2">
+            <a:extLst>
+              <a:ext uri="{FF2B5EF4-FFF2-40B4-BE49-F238E27FC236}">
+                <a16:creationId xmlns:a16="http://schemas.microsoft.com/office/drawing/2014/main" id="{38995020-B4D5-CEF0-4773-1269E7C6BEBF}"/>
+              </a:ext>
+            </a:extLst>
+          </p:cNvPr>
+          <p:cNvSpPr>
+            <a:spLocks noGrp="1"/>
+          </p:cNvSpPr>
+          <p:nvPr>
+            <p:ph type="body" sz="half" idx="1"/>
+          </p:nvPr>
+        </p:nvSpPr>
+        <p:spPr>
+          <a:xfrm>
+            <a:off x="142865" y="1200150"/>
+            <a:ext cx="8865056" cy="3737370"/>
           </a:xfrm>
         </p:spPr>
         <p:txBody>
@@ -5185,356 +8598,322 @@
           </a:bodyPr>
           <a:lstStyle/>
           <a:p>
-            <a:r>
-              <a:rPr lang="pt-BR" sz="4800" b="1" dirty="0">
-                <a:solidFill>
-                  <a:schemeClr val="bg1"/>
-                </a:solidFill>
-              </a:rPr>
-              <a:t>Algoritmos e Complexidade</a:t>
-            </a:r>
+            <a:pPr marL="0" indent="0" algn="just">
+              <a:buNone/>
+            </a:pPr>
+            <a:r>
+              <a:rPr lang="pt-BR" sz="2400" dirty="0">
+                <a:latin typeface="Times New Roman" panose="02020603050405020304" pitchFamily="18" charset="0"/>
+                <a:cs typeface="Times New Roman" panose="02020603050405020304" pitchFamily="18" charset="0"/>
+              </a:rPr>
+              <a:t>O </a:t>
+            </a:r>
+            <a:r>
+              <a:rPr lang="pt-BR" sz="2400" b="1" dirty="0">
+                <a:solidFill>
+                  <a:srgbClr val="FF0000"/>
+                </a:solidFill>
+                <a:latin typeface="Times New Roman" panose="02020603050405020304" pitchFamily="18" charset="0"/>
+                <a:cs typeface="Times New Roman" panose="02020603050405020304" pitchFamily="18" charset="0"/>
+              </a:rPr>
+              <a:t>grafo ciclo </a:t>
+            </a:r>
+            <a:r>
+              <a:rPr lang="pt-BR" sz="2400" b="1" dirty="0">
+                <a:latin typeface="Times New Roman" panose="02020603050405020304" pitchFamily="18" charset="0"/>
+                <a:cs typeface="Times New Roman" panose="02020603050405020304" pitchFamily="18" charset="0"/>
+              </a:rPr>
+              <a:t>pode ser ponderado ou não </a:t>
+            </a:r>
+            <a:r>
+              <a:rPr lang="pt-BR" sz="2400" dirty="0">
+                <a:latin typeface="Times New Roman" panose="02020603050405020304" pitchFamily="18" charset="0"/>
+                <a:cs typeface="Times New Roman" panose="02020603050405020304" pitchFamily="18" charset="0"/>
+              </a:rPr>
+              <a:t>(dependendo se as </a:t>
+            </a:r>
+            <a:r>
+              <a:rPr lang="pt-BR" sz="2400" b="1" dirty="0">
+                <a:latin typeface="Times New Roman" panose="02020603050405020304" pitchFamily="18" charset="0"/>
+                <a:cs typeface="Times New Roman" panose="02020603050405020304" pitchFamily="18" charset="0"/>
+              </a:rPr>
+              <a:t>arestas</a:t>
+            </a:r>
+            <a:r>
+              <a:rPr lang="pt-BR" sz="2400" dirty="0">
+                <a:latin typeface="Times New Roman" panose="02020603050405020304" pitchFamily="18" charset="0"/>
+                <a:cs typeface="Times New Roman" panose="02020603050405020304" pitchFamily="18" charset="0"/>
+              </a:rPr>
+              <a:t> têm peso).</a:t>
+            </a:r>
+          </a:p>
+          <a:p>
+            <a:pPr marL="0" indent="0" algn="just">
+              <a:buNone/>
+            </a:pPr>
+            <a:endParaRPr lang="pt-BR" sz="2400" dirty="0">
+              <a:latin typeface="Times New Roman" panose="02020603050405020304" pitchFamily="18" charset="0"/>
+              <a:cs typeface="Times New Roman" panose="02020603050405020304" pitchFamily="18" charset="0"/>
+            </a:endParaRPr>
+          </a:p>
+          <a:p>
+            <a:pPr algn="just">
+              <a:buFont typeface="Wingdings" panose="05000000000000000000" pitchFamily="2" charset="2"/>
+              <a:buChar char="§"/>
+            </a:pPr>
+            <a:r>
+              <a:rPr lang="pt-BR" sz="2400" b="1" dirty="0">
+                <a:solidFill>
+                  <a:srgbClr val="FF0000"/>
+                </a:solidFill>
+                <a:latin typeface="Times New Roman" panose="02020603050405020304" pitchFamily="18" charset="0"/>
+                <a:cs typeface="Times New Roman" panose="02020603050405020304" pitchFamily="18" charset="0"/>
+              </a:rPr>
+              <a:t>Não é completo </a:t>
+            </a:r>
+            <a:r>
+              <a:rPr lang="pt-BR" sz="2400" dirty="0">
+                <a:latin typeface="Times New Roman" panose="02020603050405020304" pitchFamily="18" charset="0"/>
+                <a:cs typeface="Times New Roman" panose="02020603050405020304" pitchFamily="18" charset="0"/>
+              </a:rPr>
+              <a:t>(pois não conecta todos os vértices entre si).</a:t>
+            </a:r>
+          </a:p>
+          <a:p>
+            <a:pPr algn="just">
+              <a:buFont typeface="Wingdings" panose="05000000000000000000" pitchFamily="2" charset="2"/>
+              <a:buChar char="§"/>
+            </a:pPr>
+            <a:endParaRPr lang="pt-BR" sz="2400" dirty="0">
+              <a:latin typeface="Times New Roman" panose="02020603050405020304" pitchFamily="18" charset="0"/>
+              <a:cs typeface="Times New Roman" panose="02020603050405020304" pitchFamily="18" charset="0"/>
+            </a:endParaRPr>
+          </a:p>
+          <a:p>
+            <a:pPr algn="just">
+              <a:buFont typeface="Wingdings" panose="05000000000000000000" pitchFamily="2" charset="2"/>
+              <a:buChar char="§"/>
+            </a:pPr>
+            <a:r>
+              <a:rPr lang="pt-BR" sz="2400" dirty="0">
+                <a:latin typeface="Times New Roman" panose="02020603050405020304" pitchFamily="18" charset="0"/>
+                <a:cs typeface="Times New Roman" panose="02020603050405020304" pitchFamily="18" charset="0"/>
+              </a:rPr>
+              <a:t>Só é </a:t>
+            </a:r>
+            <a:r>
+              <a:rPr lang="pt-BR" sz="2400" b="1" dirty="0">
+                <a:solidFill>
+                  <a:srgbClr val="FF0000"/>
+                </a:solidFill>
+                <a:latin typeface="Times New Roman" panose="02020603050405020304" pitchFamily="18" charset="0"/>
+                <a:cs typeface="Times New Roman" panose="02020603050405020304" pitchFamily="18" charset="0"/>
+              </a:rPr>
+              <a:t>bipartido</a:t>
+            </a:r>
+            <a:r>
+              <a:rPr lang="pt-BR" sz="2400" dirty="0">
+                <a:latin typeface="Times New Roman" panose="02020603050405020304" pitchFamily="18" charset="0"/>
+                <a:cs typeface="Times New Roman" panose="02020603050405020304" pitchFamily="18" charset="0"/>
+              </a:rPr>
+              <a:t> quando o ciclo tiver número par de vértices (ex.: um quadrado é bipartido, mas um triângulo não é).</a:t>
+            </a:r>
+          </a:p>
+        </p:txBody>
+      </p:sp>
+    </p:spTree>
+    <p:extLst>
+      <p:ext uri="{BB962C8B-B14F-4D97-AF65-F5344CB8AC3E}">
+        <p14:creationId xmlns:p14="http://schemas.microsoft.com/office/powerpoint/2010/main" val="563759974"/>
+      </p:ext>
+    </p:extLst>
+  </p:cSld>
+  <p:clrMapOvr>
+    <a:masterClrMapping/>
+  </p:clrMapOvr>
+  <p:transition spd="med"/>
+</p:sld>
+</file>
+
+<file path=ppt/slides/slide9.xml><?xml version="1.0" encoding="utf-8"?>
+<p:sld xmlns:a="http://schemas.openxmlformats.org/drawingml/2006/main" xmlns:r="http://schemas.openxmlformats.org/officeDocument/2006/relationships" xmlns:p="http://schemas.openxmlformats.org/presentationml/2006/main">
+  <p:cSld>
+    <p:spTree>
+      <p:nvGrpSpPr>
+        <p:cNvPr id="1" name="">
+          <a:extLst>
+            <a:ext uri="{FF2B5EF4-FFF2-40B4-BE49-F238E27FC236}">
+              <a16:creationId xmlns:a16="http://schemas.microsoft.com/office/drawing/2014/main" id="{A6F6D573-FBC5-6DC8-277D-338A7F5F6ED0}"/>
+            </a:ext>
+          </a:extLst>
+        </p:cNvPr>
+        <p:cNvGrpSpPr/>
+        <p:nvPr/>
+      </p:nvGrpSpPr>
+      <p:grpSpPr>
+        <a:xfrm>
+          <a:off x="0" y="0"/>
+          <a:ext cx="0" cy="0"/>
+          <a:chOff x="0" y="0"/>
+          <a:chExt cx="0" cy="0"/>
+        </a:xfrm>
+      </p:grpSpPr>
+      <p:sp>
+        <p:nvSpPr>
+          <p:cNvPr id="6" name="Title 1">
+            <a:extLst>
+              <a:ext uri="{FF2B5EF4-FFF2-40B4-BE49-F238E27FC236}">
+                <a16:creationId xmlns:a16="http://schemas.microsoft.com/office/drawing/2014/main" id="{AF35452B-1ECE-59C0-18BE-B4B394DB8961}"/>
+              </a:ext>
+            </a:extLst>
+          </p:cNvPr>
+          <p:cNvSpPr>
+            <a:spLocks noGrp="1"/>
+          </p:cNvSpPr>
+          <p:nvPr>
+            <p:ph type="title"/>
+          </p:nvPr>
+        </p:nvSpPr>
+        <p:spPr>
+          <a:xfrm>
+            <a:off x="457200" y="205980"/>
+            <a:ext cx="8229600" cy="857251"/>
+          </a:xfrm>
+        </p:spPr>
+        <p:txBody>
+          <a:bodyPr>
+            <a:normAutofit/>
+          </a:bodyPr>
+          <a:lstStyle/>
+          <a:p>
+            <a:r>
+              <a:rPr lang="en-US" b="1" dirty="0" err="1">
+                <a:solidFill>
+                  <a:srgbClr val="0070C0"/>
+                </a:solidFill>
+              </a:rPr>
+              <a:t>Grafo</a:t>
+            </a:r>
+            <a:r>
+              <a:rPr lang="en-US" b="1" dirty="0">
+                <a:solidFill>
+                  <a:srgbClr val="0070C0"/>
+                </a:solidFill>
+              </a:rPr>
+              <a:t> </a:t>
+            </a:r>
+            <a:r>
+              <a:rPr lang="en-US" b="1" dirty="0" err="1">
+                <a:solidFill>
+                  <a:srgbClr val="0070C0"/>
+                </a:solidFill>
+              </a:rPr>
+              <a:t>Ciclo</a:t>
+            </a:r>
+            <a:r>
+              <a:rPr lang="en-US" b="1" dirty="0">
+                <a:solidFill>
+                  <a:srgbClr val="0070C0"/>
+                </a:solidFill>
+              </a:rPr>
+              <a:t>: </a:t>
+            </a:r>
+            <a:r>
+              <a:rPr lang="en-US" b="1" dirty="0" err="1">
+                <a:solidFill>
+                  <a:srgbClr val="0070C0"/>
+                </a:solidFill>
+              </a:rPr>
+              <a:t>Exemplo</a:t>
+            </a:r>
+            <a:endParaRPr lang="en-US" b="1" dirty="0">
+              <a:solidFill>
+                <a:srgbClr val="0070C0"/>
+              </a:solidFill>
+            </a:endParaRPr>
           </a:p>
         </p:txBody>
       </p:sp>
       <p:sp>
         <p:nvSpPr>
-          <p:cNvPr id="6" name="Título 2"/>
-          <p:cNvSpPr txBox="1"/>
-          <p:nvPr/>
+          <p:cNvPr id="8" name="Text Placeholder 2">
+            <a:extLst>
+              <a:ext uri="{FF2B5EF4-FFF2-40B4-BE49-F238E27FC236}">
+                <a16:creationId xmlns:a16="http://schemas.microsoft.com/office/drawing/2014/main" id="{53C883AF-69BD-E913-A817-B46A907374D8}"/>
+              </a:ext>
+            </a:extLst>
+          </p:cNvPr>
+          <p:cNvSpPr>
+            <a:spLocks noGrp="1"/>
+          </p:cNvSpPr>
+          <p:nvPr>
+            <p:ph type="body" sz="half" idx="1"/>
+          </p:nvPr>
         </p:nvSpPr>
         <p:spPr>
           <a:xfrm>
-            <a:off x="975683" y="3866663"/>
-            <a:ext cx="7772400" cy="1102519"/>
+            <a:off x="142865" y="1200150"/>
+            <a:ext cx="8865056" cy="3737370"/>
+          </a:xfrm>
+        </p:spPr>
+        <p:txBody>
+          <a:bodyPr>
+            <a:noAutofit/>
+          </a:bodyPr>
+          <a:lstStyle/>
+          <a:p>
+            <a:pPr marL="0" indent="0" algn="just">
+              <a:buNone/>
+            </a:pPr>
+            <a:endParaRPr lang="pt-BR" sz="2400" dirty="0">
+              <a:latin typeface="Times New Roman" panose="02020603050405020304" pitchFamily="18" charset="0"/>
+              <a:cs typeface="Times New Roman" panose="02020603050405020304" pitchFamily="18" charset="0"/>
+            </a:endParaRPr>
+          </a:p>
+        </p:txBody>
+      </p:sp>
+      <p:pic>
+        <p:nvPicPr>
+          <p:cNvPr id="3" name="Imagem 2" descr="Diagrama&#10;&#10;O conteúdo gerado por IA pode estar incorreto.">
+            <a:extLst>
+              <a:ext uri="{FF2B5EF4-FFF2-40B4-BE49-F238E27FC236}">
+                <a16:creationId xmlns:a16="http://schemas.microsoft.com/office/drawing/2014/main" id="{73905028-CFE7-ED78-A81B-2B9084BAFEE0}"/>
+              </a:ext>
+            </a:extLst>
+          </p:cNvPr>
+          <p:cNvPicPr>
+            <a:picLocks noChangeAspect="1"/>
+          </p:cNvPicPr>
+          <p:nvPr/>
+        </p:nvPicPr>
+        <p:blipFill>
+          <a:blip r:embed="rId3" cstate="print">
+            <a:extLst>
+              <a:ext uri="{28A0092B-C50C-407E-A947-70E740481C1C}">
+                <a14:useLocalDpi xmlns:a14="http://schemas.microsoft.com/office/drawing/2010/main" val="0"/>
+              </a:ext>
+            </a:extLst>
+          </a:blip>
+          <a:stretch>
+            <a:fillRect/>
+          </a:stretch>
+        </p:blipFill>
+        <p:spPr>
+          <a:xfrm>
+            <a:off x="136079" y="1200150"/>
+            <a:ext cx="5430931" cy="3620621"/>
           </a:xfrm>
           <a:prstGeom prst="rect">
             <a:avLst/>
           </a:prstGeom>
-          <a:ln w="12700">
-            <a:miter lim="400000"/>
-          </a:ln>
-        </p:spPr>
-        <p:txBody>
-          <a:bodyPr lIns="45718" tIns="45718" rIns="45718" bIns="45718" anchor="ctr">
-            <a:noAutofit/>
-          </a:bodyPr>
-          <a:lstStyle>
-            <a:lvl1pPr marL="0" marR="0" indent="0" algn="ctr" defTabSz="457200" rtl="0" latinLnBrk="0">
-              <a:lnSpc>
-                <a:spcPct val="100000"/>
-              </a:lnSpc>
-              <a:spcBef>
-                <a:spcPts val="0"/>
-              </a:spcBef>
-              <a:spcAft>
-                <a:spcPts val="0"/>
-              </a:spcAft>
-              <a:buClrTx/>
-              <a:buSzTx/>
-              <a:buFontTx/>
-              <a:buNone/>
-              <a:defRPr sz="4400" b="0" i="0" u="none" strike="noStrike" cap="none" spc="0" baseline="0">
-                <a:ln>
-                  <a:noFill/>
-                </a:ln>
-                <a:solidFill>
-                  <a:srgbClr val="000000"/>
-                </a:solidFill>
-                <a:uFillTx/>
-                <a:latin typeface="+mj-lt"/>
-                <a:ea typeface="+mj-ea"/>
-                <a:cs typeface="+mj-cs"/>
-                <a:sym typeface="Calibri"/>
-              </a:defRPr>
-            </a:lvl1pPr>
-            <a:lvl2pPr marL="0" marR="0" indent="0" algn="ctr" defTabSz="457200" rtl="0" latinLnBrk="0">
-              <a:lnSpc>
-                <a:spcPct val="100000"/>
-              </a:lnSpc>
-              <a:spcBef>
-                <a:spcPts val="0"/>
-              </a:spcBef>
-              <a:spcAft>
-                <a:spcPts val="0"/>
-              </a:spcAft>
-              <a:buClrTx/>
-              <a:buSzTx/>
-              <a:buFontTx/>
-              <a:buNone/>
-              <a:defRPr sz="4400" b="0" i="0" u="none" strike="noStrike" cap="none" spc="0" baseline="0">
-                <a:ln>
-                  <a:noFill/>
-                </a:ln>
-                <a:solidFill>
-                  <a:srgbClr val="000000"/>
-                </a:solidFill>
-                <a:uFillTx/>
-                <a:latin typeface="+mj-lt"/>
-                <a:ea typeface="+mj-ea"/>
-                <a:cs typeface="+mj-cs"/>
-                <a:sym typeface="Calibri"/>
-              </a:defRPr>
-            </a:lvl2pPr>
-            <a:lvl3pPr marL="0" marR="0" indent="0" algn="ctr" defTabSz="457200" rtl="0" latinLnBrk="0">
-              <a:lnSpc>
-                <a:spcPct val="100000"/>
-              </a:lnSpc>
-              <a:spcBef>
-                <a:spcPts val="0"/>
-              </a:spcBef>
-              <a:spcAft>
-                <a:spcPts val="0"/>
-              </a:spcAft>
-              <a:buClrTx/>
-              <a:buSzTx/>
-              <a:buFontTx/>
-              <a:buNone/>
-              <a:defRPr sz="4400" b="0" i="0" u="none" strike="noStrike" cap="none" spc="0" baseline="0">
-                <a:ln>
-                  <a:noFill/>
-                </a:ln>
-                <a:solidFill>
-                  <a:srgbClr val="000000"/>
-                </a:solidFill>
-                <a:uFillTx/>
-                <a:latin typeface="+mj-lt"/>
-                <a:ea typeface="+mj-ea"/>
-                <a:cs typeface="+mj-cs"/>
-                <a:sym typeface="Calibri"/>
-              </a:defRPr>
-            </a:lvl3pPr>
-            <a:lvl4pPr marL="0" marR="0" indent="0" algn="ctr" defTabSz="457200" rtl="0" latinLnBrk="0">
-              <a:lnSpc>
-                <a:spcPct val="100000"/>
-              </a:lnSpc>
-              <a:spcBef>
-                <a:spcPts val="0"/>
-              </a:spcBef>
-              <a:spcAft>
-                <a:spcPts val="0"/>
-              </a:spcAft>
-              <a:buClrTx/>
-              <a:buSzTx/>
-              <a:buFontTx/>
-              <a:buNone/>
-              <a:defRPr sz="4400" b="0" i="0" u="none" strike="noStrike" cap="none" spc="0" baseline="0">
-                <a:ln>
-                  <a:noFill/>
-                </a:ln>
-                <a:solidFill>
-                  <a:srgbClr val="000000"/>
-                </a:solidFill>
-                <a:uFillTx/>
-                <a:latin typeface="+mj-lt"/>
-                <a:ea typeface="+mj-ea"/>
-                <a:cs typeface="+mj-cs"/>
-                <a:sym typeface="Calibri"/>
-              </a:defRPr>
-            </a:lvl4pPr>
-            <a:lvl5pPr marL="0" marR="0" indent="0" algn="ctr" defTabSz="457200" rtl="0" latinLnBrk="0">
-              <a:lnSpc>
-                <a:spcPct val="100000"/>
-              </a:lnSpc>
-              <a:spcBef>
-                <a:spcPts val="0"/>
-              </a:spcBef>
-              <a:spcAft>
-                <a:spcPts val="0"/>
-              </a:spcAft>
-              <a:buClrTx/>
-              <a:buSzTx/>
-              <a:buFontTx/>
-              <a:buNone/>
-              <a:defRPr sz="4400" b="0" i="0" u="none" strike="noStrike" cap="none" spc="0" baseline="0">
-                <a:ln>
-                  <a:noFill/>
-                </a:ln>
-                <a:solidFill>
-                  <a:srgbClr val="000000"/>
-                </a:solidFill>
-                <a:uFillTx/>
-                <a:latin typeface="+mj-lt"/>
-                <a:ea typeface="+mj-ea"/>
-                <a:cs typeface="+mj-cs"/>
-                <a:sym typeface="Calibri"/>
-              </a:defRPr>
-            </a:lvl5pPr>
-            <a:lvl6pPr marL="0" marR="0" indent="0" algn="ctr" defTabSz="457200" rtl="0" latinLnBrk="0">
-              <a:lnSpc>
-                <a:spcPct val="100000"/>
-              </a:lnSpc>
-              <a:spcBef>
-                <a:spcPts val="0"/>
-              </a:spcBef>
-              <a:spcAft>
-                <a:spcPts val="0"/>
-              </a:spcAft>
-              <a:buClrTx/>
-              <a:buSzTx/>
-              <a:buFontTx/>
-              <a:buNone/>
-              <a:defRPr sz="4400" b="0" i="0" u="none" strike="noStrike" cap="none" spc="0" baseline="0">
-                <a:ln>
-                  <a:noFill/>
-                </a:ln>
-                <a:solidFill>
-                  <a:srgbClr val="000000"/>
-                </a:solidFill>
-                <a:uFillTx/>
-                <a:latin typeface="+mj-lt"/>
-                <a:ea typeface="+mj-ea"/>
-                <a:cs typeface="+mj-cs"/>
-                <a:sym typeface="Calibri"/>
-              </a:defRPr>
-            </a:lvl6pPr>
-            <a:lvl7pPr marL="0" marR="0" indent="0" algn="ctr" defTabSz="457200" rtl="0" latinLnBrk="0">
-              <a:lnSpc>
-                <a:spcPct val="100000"/>
-              </a:lnSpc>
-              <a:spcBef>
-                <a:spcPts val="0"/>
-              </a:spcBef>
-              <a:spcAft>
-                <a:spcPts val="0"/>
-              </a:spcAft>
-              <a:buClrTx/>
-              <a:buSzTx/>
-              <a:buFontTx/>
-              <a:buNone/>
-              <a:defRPr sz="4400" b="0" i="0" u="none" strike="noStrike" cap="none" spc="0" baseline="0">
-                <a:ln>
-                  <a:noFill/>
-                </a:ln>
-                <a:solidFill>
-                  <a:srgbClr val="000000"/>
-                </a:solidFill>
-                <a:uFillTx/>
-                <a:latin typeface="+mj-lt"/>
-                <a:ea typeface="+mj-ea"/>
-                <a:cs typeface="+mj-cs"/>
-                <a:sym typeface="Calibri"/>
-              </a:defRPr>
-            </a:lvl7pPr>
-            <a:lvl8pPr marL="0" marR="0" indent="0" algn="ctr" defTabSz="457200" rtl="0" latinLnBrk="0">
-              <a:lnSpc>
-                <a:spcPct val="100000"/>
-              </a:lnSpc>
-              <a:spcBef>
-                <a:spcPts val="0"/>
-              </a:spcBef>
-              <a:spcAft>
-                <a:spcPts val="0"/>
-              </a:spcAft>
-              <a:buClrTx/>
-              <a:buSzTx/>
-              <a:buFontTx/>
-              <a:buNone/>
-              <a:defRPr sz="4400" b="0" i="0" u="none" strike="noStrike" cap="none" spc="0" baseline="0">
-                <a:ln>
-                  <a:noFill/>
-                </a:ln>
-                <a:solidFill>
-                  <a:srgbClr val="000000"/>
-                </a:solidFill>
-                <a:uFillTx/>
-                <a:latin typeface="+mj-lt"/>
-                <a:ea typeface="+mj-ea"/>
-                <a:cs typeface="+mj-cs"/>
-                <a:sym typeface="Calibri"/>
-              </a:defRPr>
-            </a:lvl8pPr>
-            <a:lvl9pPr marL="0" marR="0" indent="0" algn="ctr" defTabSz="457200" rtl="0" latinLnBrk="0">
-              <a:lnSpc>
-                <a:spcPct val="100000"/>
-              </a:lnSpc>
-              <a:spcBef>
-                <a:spcPts val="0"/>
-              </a:spcBef>
-              <a:spcAft>
-                <a:spcPts val="0"/>
-              </a:spcAft>
-              <a:buClrTx/>
-              <a:buSzTx/>
-              <a:buFontTx/>
-              <a:buNone/>
-              <a:defRPr sz="4400" b="0" i="0" u="none" strike="noStrike" cap="none" spc="0" baseline="0">
-                <a:ln>
-                  <a:noFill/>
-                </a:ln>
-                <a:solidFill>
-                  <a:srgbClr val="000000"/>
-                </a:solidFill>
-                <a:uFillTx/>
-                <a:latin typeface="+mj-lt"/>
-                <a:ea typeface="+mj-ea"/>
-                <a:cs typeface="+mj-cs"/>
-                <a:sym typeface="Calibri"/>
-              </a:defRPr>
-            </a:lvl9pPr>
-          </a:lstStyle>
-          <a:p>
-            <a:pPr algn="r" hangingPunct="1"/>
-            <a:r>
-              <a:rPr lang="pt-BR" sz="2000" b="1" dirty="0">
-                <a:solidFill>
-                  <a:schemeClr val="bg1"/>
-                </a:solidFill>
-              </a:rPr>
-              <a:t>Professor </a:t>
-            </a:r>
-            <a:r>
-              <a:rPr lang="pt-BR" sz="2000" b="1">
-                <a:solidFill>
-                  <a:schemeClr val="bg1"/>
-                </a:solidFill>
-              </a:rPr>
-              <a:t>M.Sc</a:t>
-            </a:r>
-            <a:r>
-              <a:rPr lang="pt-BR" sz="2000" b="1" dirty="0">
-                <a:solidFill>
-                  <a:schemeClr val="bg1"/>
-                </a:solidFill>
-              </a:rPr>
-              <a:t>. Heleno Cardoso</a:t>
-            </a:r>
-          </a:p>
-        </p:txBody>
-      </p:sp>
-      <p:pic>
-        <p:nvPicPr>
-          <p:cNvPr id="2" name="Google Shape;62;p1" descr="Imagem">
-            <a:extLst>
-              <a:ext uri="{FF2B5EF4-FFF2-40B4-BE49-F238E27FC236}">
-                <a16:creationId xmlns:a16="http://schemas.microsoft.com/office/drawing/2014/main" id="{9C895622-2963-024D-634E-EA58F5381D06}"/>
-              </a:ext>
-            </a:extLst>
-          </p:cNvPr>
-          <p:cNvPicPr preferRelativeResize="0"/>
-          <p:nvPr/>
-        </p:nvPicPr>
-        <p:blipFill rotWithShape="1">
-          <a:blip r:embed="rId4">
-            <a:alphaModFix/>
-          </a:blip>
-          <a:srcRect/>
-          <a:stretch/>
-        </p:blipFill>
-        <p:spPr>
-          <a:xfrm>
-            <a:off x="469898" y="343798"/>
-            <a:ext cx="2858518" cy="1338697"/>
-          </a:xfrm>
-          <a:prstGeom prst="rect">
-            <a:avLst/>
-          </a:prstGeom>
-          <a:noFill/>
-          <a:ln>
-            <a:noFill/>
-          </a:ln>
         </p:spPr>
       </p:pic>
     </p:spTree>
+    <p:extLst>
+      <p:ext uri="{BB962C8B-B14F-4D97-AF65-F5344CB8AC3E}">
+        <p14:creationId xmlns:p14="http://schemas.microsoft.com/office/powerpoint/2010/main" val="3544630983"/>
+      </p:ext>
+    </p:extLst>
   </p:cSld>
   <p:clrMapOvr>
     <a:masterClrMapping/>
